--- a/inst/extdata/mvl_template.pptx
+++ b/inst/extdata/mvl_template.pptx
@@ -204,7 +204,7 @@
           <a:p>
             <a:fld id="{ED21EB8E-AD8C-457E-B271-4F818F87DEF3}" type="datetimeFigureOut">
               <a:rPr lang="en-NZ" smtClean="0"/>
-              <a:t>3/08/2017</a:t>
+              <a:t>24/10/2017</a:t>
             </a:fld>
             <a:endParaRPr lang="en-NZ"/>
           </a:p>
@@ -369,7 +369,7 @@
           <a:p>
             <a:fld id="{A45AD26A-F7A8-43D3-B537-31831A3052F2}" type="datetimeFigureOut">
               <a:rPr lang="en-NZ" smtClean="0"/>
-              <a:t>3/08/2017</a:t>
+              <a:t>24/10/2017</a:t>
             </a:fld>
             <a:endParaRPr lang="en-NZ"/>
           </a:p>
@@ -949,7 +949,7 @@
           <a:p>
             <a:fld id="{A651E42D-AFD3-4A77-83B8-90AE6EFC0DC0}" type="datetime1">
               <a:rPr lang="en-NZ" smtClean="0"/>
-              <a:t>3/08/2017</a:t>
+              <a:t>24/10/2017</a:t>
             </a:fld>
             <a:endParaRPr lang="en-NZ" dirty="0"/>
           </a:p>
@@ -1071,6 +1071,50 @@
               <a:rPr lang="en-US" dirty="0"/>
               <a:t>Edit Master text styles</a:t>
             </a:r>
+          </a:p>
+        </p:txBody>
+      </p:sp>
+      <p:sp>
+        <p:nvSpPr>
+          <p:cNvPr id="8" name="Footer Placeholder 4">
+            <a:extLst>
+              <a:ext uri="{FF2B5EF4-FFF2-40B4-BE49-F238E27FC236}">
+                <a16:creationId xmlns:a16="http://schemas.microsoft.com/office/drawing/2014/main" id="{8C4B1BB4-0293-4B4E-8DF6-BB49E394B4B6}"/>
+              </a:ext>
+            </a:extLst>
+          </p:cNvPr>
+          <p:cNvSpPr>
+            <a:spLocks noGrp="1"/>
+          </p:cNvSpPr>
+          <p:nvPr>
+            <p:ph type="ftr" sz="quarter" idx="3"/>
+          </p:nvPr>
+        </p:nvSpPr>
+        <p:spPr>
+          <a:xfrm>
+            <a:off x="2023116" y="6288112"/>
+            <a:ext cx="3086100" cy="365125"/>
+          </a:xfrm>
+          <a:prstGeom prst="rect">
+            <a:avLst/>
+          </a:prstGeom>
+        </p:spPr>
+        <p:txBody>
+          <a:bodyPr vert="horz" lIns="91440" tIns="45720" rIns="91440" bIns="45720" rtlCol="0" anchor="ctr"/>
+          <a:lstStyle>
+            <a:lvl1pPr algn="ctr">
+              <a:defRPr sz="900">
+                <a:solidFill>
+                  <a:schemeClr val="bg1">
+                    <a:lumMod val="50000"/>
+                    <a:lumOff val="50000"/>
+                  </a:schemeClr>
+                </a:solidFill>
+              </a:defRPr>
+            </a:lvl1pPr>
+          </a:lstStyle>
+          <a:p>
+            <a:endParaRPr lang="en-NZ" dirty="0"/>
           </a:p>
         </p:txBody>
       </p:sp>
@@ -1214,7 +1258,7 @@
           <a:p>
             <a:fld id="{49A57571-56FA-4878-A73D-1667A155613B}" type="datetime1">
               <a:rPr lang="en-NZ" smtClean="0"/>
-              <a:t>3/08/2017</a:t>
+              <a:t>24/10/2017</a:t>
             </a:fld>
             <a:endParaRPr lang="en-NZ" dirty="0"/>
           </a:p>
@@ -1391,6 +1435,50 @@
           </a:fontRef>
         </p:style>
       </p:cxnSp>
+      <p:sp>
+        <p:nvSpPr>
+          <p:cNvPr id="8" name="Footer Placeholder 4">
+            <a:extLst>
+              <a:ext uri="{FF2B5EF4-FFF2-40B4-BE49-F238E27FC236}">
+                <a16:creationId xmlns:a16="http://schemas.microsoft.com/office/drawing/2014/main" id="{A8E42AEB-5244-428F-89A9-D9592529C88D}"/>
+              </a:ext>
+            </a:extLst>
+          </p:cNvPr>
+          <p:cNvSpPr>
+            <a:spLocks noGrp="1"/>
+          </p:cNvSpPr>
+          <p:nvPr>
+            <p:ph type="ftr" sz="quarter" idx="3"/>
+          </p:nvPr>
+        </p:nvSpPr>
+        <p:spPr>
+          <a:xfrm>
+            <a:off x="2023116" y="6288112"/>
+            <a:ext cx="3086100" cy="365125"/>
+          </a:xfrm>
+          <a:prstGeom prst="rect">
+            <a:avLst/>
+          </a:prstGeom>
+        </p:spPr>
+        <p:txBody>
+          <a:bodyPr vert="horz" lIns="91440" tIns="45720" rIns="91440" bIns="45720" rtlCol="0" anchor="ctr"/>
+          <a:lstStyle>
+            <a:lvl1pPr algn="ctr">
+              <a:defRPr sz="900">
+                <a:solidFill>
+                  <a:schemeClr val="bg1">
+                    <a:lumMod val="50000"/>
+                    <a:lumOff val="50000"/>
+                  </a:schemeClr>
+                </a:solidFill>
+              </a:defRPr>
+            </a:lvl1pPr>
+          </a:lstStyle>
+          <a:p>
+            <a:endParaRPr lang="en-NZ" dirty="0"/>
+          </a:p>
+        </p:txBody>
+      </p:sp>
     </p:spTree>
     <p:extLst>
       <p:ext uri="{BB962C8B-B14F-4D97-AF65-F5344CB8AC3E}">
@@ -1531,7 +1619,7 @@
           <a:p>
             <a:fld id="{C1466F2A-31D5-469C-869E-5B387E7F19F1}" type="datetime1">
               <a:rPr lang="en-NZ" smtClean="0"/>
-              <a:t>3/08/2017</a:t>
+              <a:t>24/10/2017</a:t>
             </a:fld>
             <a:endParaRPr lang="en-NZ" dirty="0"/>
           </a:p>
@@ -1706,6 +1794,50 @@
           </a:fontRef>
         </p:style>
       </p:cxnSp>
+      <p:sp>
+        <p:nvSpPr>
+          <p:cNvPr id="8" name="Footer Placeholder 4">
+            <a:extLst>
+              <a:ext uri="{FF2B5EF4-FFF2-40B4-BE49-F238E27FC236}">
+                <a16:creationId xmlns:a16="http://schemas.microsoft.com/office/drawing/2014/main" id="{47EACB75-32E6-456F-B433-C51BE12D7FBC}"/>
+              </a:ext>
+            </a:extLst>
+          </p:cNvPr>
+          <p:cNvSpPr>
+            <a:spLocks noGrp="1"/>
+          </p:cNvSpPr>
+          <p:nvPr>
+            <p:ph type="ftr" sz="quarter" idx="3"/>
+          </p:nvPr>
+        </p:nvSpPr>
+        <p:spPr>
+          <a:xfrm>
+            <a:off x="2023116" y="6288112"/>
+            <a:ext cx="3086100" cy="365125"/>
+          </a:xfrm>
+          <a:prstGeom prst="rect">
+            <a:avLst/>
+          </a:prstGeom>
+        </p:spPr>
+        <p:txBody>
+          <a:bodyPr vert="horz" lIns="91440" tIns="45720" rIns="91440" bIns="45720" rtlCol="0" anchor="ctr"/>
+          <a:lstStyle>
+            <a:lvl1pPr algn="ctr">
+              <a:defRPr sz="900">
+                <a:solidFill>
+                  <a:schemeClr val="bg1">
+                    <a:lumMod val="50000"/>
+                    <a:lumOff val="50000"/>
+                  </a:schemeClr>
+                </a:solidFill>
+              </a:defRPr>
+            </a:lvl1pPr>
+          </a:lstStyle>
+          <a:p>
+            <a:endParaRPr lang="en-NZ" dirty="0"/>
+          </a:p>
+        </p:txBody>
+      </p:sp>
     </p:spTree>
     <p:extLst>
       <p:ext uri="{BB962C8B-B14F-4D97-AF65-F5344CB8AC3E}">
@@ -1846,7 +1978,7 @@
           <a:p>
             <a:fld id="{8D8AEC88-3187-4606-AB3A-E4AEDED6E271}" type="datetime1">
               <a:rPr lang="en-NZ" smtClean="0"/>
-              <a:t>3/08/2017</a:t>
+              <a:t>24/10/2017</a:t>
             </a:fld>
             <a:endParaRPr lang="en-NZ" dirty="0"/>
           </a:p>
@@ -2021,6 +2153,50 @@
           </a:fontRef>
         </p:style>
       </p:cxnSp>
+      <p:sp>
+        <p:nvSpPr>
+          <p:cNvPr id="8" name="Footer Placeholder 4">
+            <a:extLst>
+              <a:ext uri="{FF2B5EF4-FFF2-40B4-BE49-F238E27FC236}">
+                <a16:creationId xmlns:a16="http://schemas.microsoft.com/office/drawing/2014/main" id="{5986212D-DC23-445B-8176-05A205D98C6A}"/>
+              </a:ext>
+            </a:extLst>
+          </p:cNvPr>
+          <p:cNvSpPr>
+            <a:spLocks noGrp="1"/>
+          </p:cNvSpPr>
+          <p:nvPr>
+            <p:ph type="ftr" sz="quarter" idx="3"/>
+          </p:nvPr>
+        </p:nvSpPr>
+        <p:spPr>
+          <a:xfrm>
+            <a:off x="2023116" y="6288112"/>
+            <a:ext cx="3086100" cy="365125"/>
+          </a:xfrm>
+          <a:prstGeom prst="rect">
+            <a:avLst/>
+          </a:prstGeom>
+        </p:spPr>
+        <p:txBody>
+          <a:bodyPr vert="horz" lIns="91440" tIns="45720" rIns="91440" bIns="45720" rtlCol="0" anchor="ctr"/>
+          <a:lstStyle>
+            <a:lvl1pPr algn="ctr">
+              <a:defRPr sz="900">
+                <a:solidFill>
+                  <a:schemeClr val="bg1">
+                    <a:lumMod val="50000"/>
+                    <a:lumOff val="50000"/>
+                  </a:schemeClr>
+                </a:solidFill>
+              </a:defRPr>
+            </a:lvl1pPr>
+          </a:lstStyle>
+          <a:p>
+            <a:endParaRPr lang="en-NZ" dirty="0"/>
+          </a:p>
+        </p:txBody>
+      </p:sp>
     </p:spTree>
     <p:extLst>
       <p:ext uri="{BB962C8B-B14F-4D97-AF65-F5344CB8AC3E}">
@@ -2175,7 +2351,7 @@
           <a:p>
             <a:fld id="{9879788C-3F35-4AD4-B37A-A32A7BE28934}" type="datetime1">
               <a:rPr lang="en-NZ" smtClean="0"/>
-              <a:t>3/08/2017</a:t>
+              <a:t>24/10/2017</a:t>
             </a:fld>
             <a:endParaRPr lang="en-NZ" dirty="0"/>
           </a:p>
@@ -2416,6 +2592,50 @@
               <a:rPr lang="en-US" dirty="0"/>
               <a:t>Second level</a:t>
             </a:r>
+          </a:p>
+        </p:txBody>
+      </p:sp>
+      <p:sp>
+        <p:nvSpPr>
+          <p:cNvPr id="12" name="Footer Placeholder 4">
+            <a:extLst>
+              <a:ext uri="{FF2B5EF4-FFF2-40B4-BE49-F238E27FC236}">
+                <a16:creationId xmlns:a16="http://schemas.microsoft.com/office/drawing/2014/main" id="{7E755BB0-1321-4A8E-817A-A5912EB00F67}"/>
+              </a:ext>
+            </a:extLst>
+          </p:cNvPr>
+          <p:cNvSpPr>
+            <a:spLocks noGrp="1"/>
+          </p:cNvSpPr>
+          <p:nvPr>
+            <p:ph type="ftr" sz="quarter" idx="3"/>
+          </p:nvPr>
+        </p:nvSpPr>
+        <p:spPr>
+          <a:xfrm>
+            <a:off x="2023116" y="6288112"/>
+            <a:ext cx="3086100" cy="365125"/>
+          </a:xfrm>
+          <a:prstGeom prst="rect">
+            <a:avLst/>
+          </a:prstGeom>
+        </p:spPr>
+        <p:txBody>
+          <a:bodyPr vert="horz" lIns="91440" tIns="45720" rIns="91440" bIns="45720" rtlCol="0" anchor="ctr"/>
+          <a:lstStyle>
+            <a:lvl1pPr algn="ctr">
+              <a:defRPr sz="900">
+                <a:solidFill>
+                  <a:schemeClr val="bg1">
+                    <a:lumMod val="50000"/>
+                    <a:lumOff val="50000"/>
+                  </a:schemeClr>
+                </a:solidFill>
+              </a:defRPr>
+            </a:lvl1pPr>
+          </a:lstStyle>
+          <a:p>
+            <a:endParaRPr lang="en-NZ" dirty="0"/>
           </a:p>
         </p:txBody>
       </p:sp>
@@ -2573,7 +2793,7 @@
           <a:p>
             <a:fld id="{9879788C-3F35-4AD4-B37A-A32A7BE28934}" type="datetime1">
               <a:rPr lang="en-NZ" smtClean="0"/>
-              <a:t>3/08/2017</a:t>
+              <a:t>24/10/2017</a:t>
             </a:fld>
             <a:endParaRPr lang="en-NZ" dirty="0"/>
           </a:p>
@@ -2814,6 +3034,50 @@
               <a:rPr lang="en-US" dirty="0"/>
               <a:t>Second level</a:t>
             </a:r>
+          </a:p>
+        </p:txBody>
+      </p:sp>
+      <p:sp>
+        <p:nvSpPr>
+          <p:cNvPr id="12" name="Footer Placeholder 4">
+            <a:extLst>
+              <a:ext uri="{FF2B5EF4-FFF2-40B4-BE49-F238E27FC236}">
+                <a16:creationId xmlns:a16="http://schemas.microsoft.com/office/drawing/2014/main" id="{2F2FFE3E-57DF-43F1-A859-CF0BC46DA082}"/>
+              </a:ext>
+            </a:extLst>
+          </p:cNvPr>
+          <p:cNvSpPr>
+            <a:spLocks noGrp="1"/>
+          </p:cNvSpPr>
+          <p:nvPr>
+            <p:ph type="ftr" sz="quarter" idx="3"/>
+          </p:nvPr>
+        </p:nvSpPr>
+        <p:spPr>
+          <a:xfrm>
+            <a:off x="2023116" y="6288112"/>
+            <a:ext cx="3086100" cy="365125"/>
+          </a:xfrm>
+          <a:prstGeom prst="rect">
+            <a:avLst/>
+          </a:prstGeom>
+        </p:spPr>
+        <p:txBody>
+          <a:bodyPr vert="horz" lIns="91440" tIns="45720" rIns="91440" bIns="45720" rtlCol="0" anchor="ctr"/>
+          <a:lstStyle>
+            <a:lvl1pPr algn="ctr">
+              <a:defRPr sz="900">
+                <a:solidFill>
+                  <a:schemeClr val="bg1">
+                    <a:lumMod val="50000"/>
+                    <a:lumOff val="50000"/>
+                  </a:schemeClr>
+                </a:solidFill>
+              </a:defRPr>
+            </a:lvl1pPr>
+          </a:lstStyle>
+          <a:p>
+            <a:endParaRPr lang="en-NZ" dirty="0"/>
           </a:p>
         </p:txBody>
       </p:sp>
@@ -2971,7 +3235,7 @@
           <a:p>
             <a:fld id="{9879788C-3F35-4AD4-B37A-A32A7BE28934}" type="datetime1">
               <a:rPr lang="en-NZ" smtClean="0"/>
-              <a:t>3/08/2017</a:t>
+              <a:t>24/10/2017</a:t>
             </a:fld>
             <a:endParaRPr lang="en-NZ" dirty="0"/>
           </a:p>
@@ -3212,6 +3476,50 @@
               <a:rPr lang="en-US" dirty="0"/>
               <a:t>Second level</a:t>
             </a:r>
+          </a:p>
+        </p:txBody>
+      </p:sp>
+      <p:sp>
+        <p:nvSpPr>
+          <p:cNvPr id="12" name="Footer Placeholder 4">
+            <a:extLst>
+              <a:ext uri="{FF2B5EF4-FFF2-40B4-BE49-F238E27FC236}">
+                <a16:creationId xmlns:a16="http://schemas.microsoft.com/office/drawing/2014/main" id="{F0971CD0-63E8-4DF2-BC6E-5793D8C2AE2D}"/>
+              </a:ext>
+            </a:extLst>
+          </p:cNvPr>
+          <p:cNvSpPr>
+            <a:spLocks noGrp="1"/>
+          </p:cNvSpPr>
+          <p:nvPr>
+            <p:ph type="ftr" sz="quarter" idx="3"/>
+          </p:nvPr>
+        </p:nvSpPr>
+        <p:spPr>
+          <a:xfrm>
+            <a:off x="2023116" y="6288112"/>
+            <a:ext cx="3086100" cy="365125"/>
+          </a:xfrm>
+          <a:prstGeom prst="rect">
+            <a:avLst/>
+          </a:prstGeom>
+        </p:spPr>
+        <p:txBody>
+          <a:bodyPr vert="horz" lIns="91440" tIns="45720" rIns="91440" bIns="45720" rtlCol="0" anchor="ctr"/>
+          <a:lstStyle>
+            <a:lvl1pPr algn="ctr">
+              <a:defRPr sz="900">
+                <a:solidFill>
+                  <a:schemeClr val="bg1">
+                    <a:lumMod val="50000"/>
+                    <a:lumOff val="50000"/>
+                  </a:schemeClr>
+                </a:solidFill>
+              </a:defRPr>
+            </a:lvl1pPr>
+          </a:lstStyle>
+          <a:p>
+            <a:endParaRPr lang="en-NZ" dirty="0"/>
           </a:p>
         </p:txBody>
       </p:sp>
@@ -3360,7 +3668,7 @@
           <a:p>
             <a:fld id="{9FB38DA5-FF68-44AA-80FB-3F4C5332234D}" type="datetime1">
               <a:rPr lang="en-NZ" smtClean="0"/>
-              <a:t>3/08/2017</a:t>
+              <a:t>24/10/2017</a:t>
             </a:fld>
             <a:endParaRPr lang="en-NZ" dirty="0"/>
           </a:p>
@@ -3589,6 +3897,50 @@
               <a:rPr lang="en-US" dirty="0"/>
               <a:t>Second level</a:t>
             </a:r>
+          </a:p>
+        </p:txBody>
+      </p:sp>
+      <p:sp>
+        <p:nvSpPr>
+          <p:cNvPr id="12" name="Footer Placeholder 4">
+            <a:extLst>
+              <a:ext uri="{FF2B5EF4-FFF2-40B4-BE49-F238E27FC236}">
+                <a16:creationId xmlns:a16="http://schemas.microsoft.com/office/drawing/2014/main" id="{289B89AD-993B-437A-9080-E01A1849DFA7}"/>
+              </a:ext>
+            </a:extLst>
+          </p:cNvPr>
+          <p:cNvSpPr>
+            <a:spLocks noGrp="1"/>
+          </p:cNvSpPr>
+          <p:nvPr>
+            <p:ph type="ftr" sz="quarter" idx="3"/>
+          </p:nvPr>
+        </p:nvSpPr>
+        <p:spPr>
+          <a:xfrm>
+            <a:off x="2023116" y="6288112"/>
+            <a:ext cx="3086100" cy="365125"/>
+          </a:xfrm>
+          <a:prstGeom prst="rect">
+            <a:avLst/>
+          </a:prstGeom>
+        </p:spPr>
+        <p:txBody>
+          <a:bodyPr vert="horz" lIns="91440" tIns="45720" rIns="91440" bIns="45720" rtlCol="0" anchor="ctr"/>
+          <a:lstStyle>
+            <a:lvl1pPr algn="ctr">
+              <a:defRPr sz="900">
+                <a:solidFill>
+                  <a:schemeClr val="bg1">
+                    <a:lumMod val="50000"/>
+                    <a:lumOff val="50000"/>
+                  </a:schemeClr>
+                </a:solidFill>
+              </a:defRPr>
+            </a:lvl1pPr>
+          </a:lstStyle>
+          <a:p>
+            <a:endParaRPr lang="en-NZ" dirty="0"/>
           </a:p>
         </p:txBody>
       </p:sp>
@@ -3964,7 +4316,7 @@
           <a:p>
             <a:fld id="{F990B386-C1C6-42B1-BD04-DE7D357B49CF}" type="datetime1">
               <a:rPr lang="en-NZ" smtClean="0"/>
-              <a:t>3/08/2017</a:t>
+              <a:t>24/10/2017</a:t>
             </a:fld>
             <a:endParaRPr lang="en-NZ" dirty="0"/>
           </a:p>
@@ -4008,6 +4360,50 @@
               <a:pPr algn="l"/>
               <a:t>‹#›</a:t>
             </a:fld>
+            <a:endParaRPr lang="en-NZ" dirty="0"/>
+          </a:p>
+        </p:txBody>
+      </p:sp>
+      <p:sp>
+        <p:nvSpPr>
+          <p:cNvPr id="7" name="Footer Placeholder 4">
+            <a:extLst>
+              <a:ext uri="{FF2B5EF4-FFF2-40B4-BE49-F238E27FC236}">
+                <a16:creationId xmlns:a16="http://schemas.microsoft.com/office/drawing/2014/main" id="{2337D29E-CDE8-4073-9C15-E9C7D51F9802}"/>
+              </a:ext>
+            </a:extLst>
+          </p:cNvPr>
+          <p:cNvSpPr>
+            <a:spLocks noGrp="1"/>
+          </p:cNvSpPr>
+          <p:nvPr>
+            <p:ph type="ftr" sz="quarter" idx="3"/>
+          </p:nvPr>
+        </p:nvSpPr>
+        <p:spPr>
+          <a:xfrm>
+            <a:off x="2023116" y="6288112"/>
+            <a:ext cx="3086100" cy="365125"/>
+          </a:xfrm>
+          <a:prstGeom prst="rect">
+            <a:avLst/>
+          </a:prstGeom>
+        </p:spPr>
+        <p:txBody>
+          <a:bodyPr vert="horz" lIns="91440" tIns="45720" rIns="91440" bIns="45720" rtlCol="0" anchor="ctr"/>
+          <a:lstStyle>
+            <a:lvl1pPr algn="ctr">
+              <a:defRPr sz="900">
+                <a:solidFill>
+                  <a:schemeClr val="bg1">
+                    <a:lumMod val="50000"/>
+                    <a:lumOff val="50000"/>
+                  </a:schemeClr>
+                </a:solidFill>
+              </a:defRPr>
+            </a:lvl1pPr>
+          </a:lstStyle>
+          <a:p>
             <a:endParaRPr lang="en-NZ" dirty="0"/>
           </a:p>
         </p:txBody>
@@ -4168,7 +4564,7 @@
           <a:p>
             <a:fld id="{BE38C2FB-15A2-4BDF-BE09-A2A3D94E0D42}" type="datetime1">
               <a:rPr lang="en-NZ" smtClean="0"/>
-              <a:t>3/08/2017</a:t>
+              <a:t>24/10/2017</a:t>
             </a:fld>
             <a:endParaRPr lang="en-NZ" dirty="0"/>
           </a:p>
@@ -4215,6 +4611,50 @@
               <a:pPr algn="l"/>
               <a:t>‹#›</a:t>
             </a:fld>
+            <a:endParaRPr lang="en-NZ" dirty="0"/>
+          </a:p>
+        </p:txBody>
+      </p:sp>
+      <p:sp>
+        <p:nvSpPr>
+          <p:cNvPr id="11" name="Footer Placeholder 4">
+            <a:extLst>
+              <a:ext uri="{FF2B5EF4-FFF2-40B4-BE49-F238E27FC236}">
+                <a16:creationId xmlns:a16="http://schemas.microsoft.com/office/drawing/2014/main" id="{BE2CBD65-0547-430A-B3F5-0026C281970F}"/>
+              </a:ext>
+            </a:extLst>
+          </p:cNvPr>
+          <p:cNvSpPr>
+            <a:spLocks noGrp="1"/>
+          </p:cNvSpPr>
+          <p:nvPr>
+            <p:ph type="ftr" sz="quarter" idx="3"/>
+          </p:nvPr>
+        </p:nvSpPr>
+        <p:spPr>
+          <a:xfrm>
+            <a:off x="2023116" y="6288112"/>
+            <a:ext cx="3086100" cy="365125"/>
+          </a:xfrm>
+          <a:prstGeom prst="rect">
+            <a:avLst/>
+          </a:prstGeom>
+        </p:spPr>
+        <p:txBody>
+          <a:bodyPr vert="horz" lIns="91440" tIns="45720" rIns="91440" bIns="45720" rtlCol="0" anchor="ctr"/>
+          <a:lstStyle>
+            <a:lvl1pPr algn="ctr">
+              <a:defRPr sz="900">
+                <a:solidFill>
+                  <a:schemeClr val="bg1">
+                    <a:lumMod val="50000"/>
+                    <a:lumOff val="50000"/>
+                  </a:schemeClr>
+                </a:solidFill>
+              </a:defRPr>
+            </a:lvl1pPr>
+          </a:lstStyle>
+          <a:p>
             <a:endParaRPr lang="en-NZ" dirty="0"/>
           </a:p>
         </p:txBody>
@@ -4334,7 +4774,7 @@
           <a:p>
             <a:fld id="{C3CAB771-FC24-4381-9D0F-BF79CB395C80}" type="datetime1">
               <a:rPr lang="en-NZ" smtClean="0"/>
-              <a:t>3/08/2017</a:t>
+              <a:t>24/10/2017</a:t>
             </a:fld>
             <a:endParaRPr lang="en-NZ" dirty="0"/>
           </a:p>
@@ -5467,7 +5907,7 @@
           <a:p>
             <a:fld id="{C3CAB771-FC24-4381-9D0F-BF79CB395C80}" type="datetime1">
               <a:rPr lang="en-NZ" smtClean="0"/>
-              <a:t>3/08/2017</a:t>
+              <a:t>24/10/2017</a:t>
             </a:fld>
             <a:endParaRPr lang="en-NZ" dirty="0"/>
           </a:p>
@@ -6322,7 +6762,7 @@
           <a:p>
             <a:fld id="{5726B5F7-168C-4703-83FF-400E9A7043AE}" type="datetime1">
               <a:rPr lang="en-NZ" smtClean="0"/>
-              <a:t>3/08/2017</a:t>
+              <a:t>24/10/2017</a:t>
             </a:fld>
             <a:endParaRPr lang="en-NZ" dirty="0"/>
           </a:p>
@@ -6406,6 +6846,50 @@
               </a:rPr>
               <a:t>Input Data &amp; Definitions</a:t>
             </a:r>
+          </a:p>
+        </p:txBody>
+      </p:sp>
+      <p:sp>
+        <p:nvSpPr>
+          <p:cNvPr id="10" name="Footer Placeholder 4">
+            <a:extLst>
+              <a:ext uri="{FF2B5EF4-FFF2-40B4-BE49-F238E27FC236}">
+                <a16:creationId xmlns:a16="http://schemas.microsoft.com/office/drawing/2014/main" id="{0CFC2B22-2E57-4396-BEB0-35701DE9E02C}"/>
+              </a:ext>
+            </a:extLst>
+          </p:cNvPr>
+          <p:cNvSpPr>
+            <a:spLocks noGrp="1"/>
+          </p:cNvSpPr>
+          <p:nvPr>
+            <p:ph type="ftr" sz="quarter" idx="3"/>
+          </p:nvPr>
+        </p:nvSpPr>
+        <p:spPr>
+          <a:xfrm>
+            <a:off x="2023116" y="6288112"/>
+            <a:ext cx="3086100" cy="365125"/>
+          </a:xfrm>
+          <a:prstGeom prst="rect">
+            <a:avLst/>
+          </a:prstGeom>
+        </p:spPr>
+        <p:txBody>
+          <a:bodyPr vert="horz" lIns="91440" tIns="45720" rIns="91440" bIns="45720" rtlCol="0" anchor="ctr"/>
+          <a:lstStyle>
+            <a:lvl1pPr algn="ctr">
+              <a:defRPr sz="900">
+                <a:solidFill>
+                  <a:schemeClr val="bg1">
+                    <a:lumMod val="50000"/>
+                    <a:lumOff val="50000"/>
+                  </a:schemeClr>
+                </a:solidFill>
+              </a:defRPr>
+            </a:lvl1pPr>
+          </a:lstStyle>
+          <a:p>
+            <a:endParaRPr lang="en-NZ" dirty="0"/>
           </a:p>
         </p:txBody>
       </p:sp>
@@ -6587,7 +7071,7 @@
           <a:p>
             <a:fld id="{3EFE64E4-9D8C-4E59-8AA4-818D3B9F2760}" type="datetime1">
               <a:rPr lang="en-NZ" smtClean="0"/>
-              <a:t>3/08/2017</a:t>
+              <a:t>24/10/2017</a:t>
             </a:fld>
             <a:endParaRPr lang="en-NZ" dirty="0"/>
           </a:p>
@@ -6634,6 +7118,50 @@
               <a:pPr algn="l"/>
               <a:t>‹#›</a:t>
             </a:fld>
+            <a:endParaRPr lang="en-NZ" dirty="0"/>
+          </a:p>
+        </p:txBody>
+      </p:sp>
+      <p:sp>
+        <p:nvSpPr>
+          <p:cNvPr id="8" name="Footer Placeholder 4">
+            <a:extLst>
+              <a:ext uri="{FF2B5EF4-FFF2-40B4-BE49-F238E27FC236}">
+                <a16:creationId xmlns:a16="http://schemas.microsoft.com/office/drawing/2014/main" id="{4423A197-C8A7-454C-848D-ECB98D806FE4}"/>
+              </a:ext>
+            </a:extLst>
+          </p:cNvPr>
+          <p:cNvSpPr>
+            <a:spLocks noGrp="1"/>
+          </p:cNvSpPr>
+          <p:nvPr>
+            <p:ph type="ftr" sz="quarter" idx="3"/>
+          </p:nvPr>
+        </p:nvSpPr>
+        <p:spPr>
+          <a:xfrm>
+            <a:off x="2023116" y="6288112"/>
+            <a:ext cx="3086100" cy="365125"/>
+          </a:xfrm>
+          <a:prstGeom prst="rect">
+            <a:avLst/>
+          </a:prstGeom>
+        </p:spPr>
+        <p:txBody>
+          <a:bodyPr vert="horz" lIns="91440" tIns="45720" rIns="91440" bIns="45720" rtlCol="0" anchor="ctr"/>
+          <a:lstStyle>
+            <a:lvl1pPr algn="ctr">
+              <a:defRPr sz="900">
+                <a:solidFill>
+                  <a:schemeClr val="bg1">
+                    <a:lumMod val="50000"/>
+                    <a:lumOff val="50000"/>
+                  </a:schemeClr>
+                </a:solidFill>
+              </a:defRPr>
+            </a:lvl1pPr>
+          </a:lstStyle>
+          <a:p>
             <a:endParaRPr lang="en-NZ" dirty="0"/>
           </a:p>
         </p:txBody>
@@ -6792,7 +7320,7 @@
           <a:p>
             <a:fld id="{DE6A2FC7-A113-4CA2-9FBE-04075F67766A}" type="datetime1">
               <a:rPr lang="en-NZ" smtClean="0"/>
-              <a:t>3/08/2017</a:t>
+              <a:t>24/10/2017</a:t>
             </a:fld>
             <a:endParaRPr lang="en-NZ" dirty="0"/>
           </a:p>
@@ -6920,6 +7448,50 @@
               <a:rPr lang="en-US" dirty="0"/>
               <a:t>Edit Master text styles</a:t>
             </a:r>
+          </a:p>
+        </p:txBody>
+      </p:sp>
+      <p:sp>
+        <p:nvSpPr>
+          <p:cNvPr id="11" name="Footer Placeholder 4">
+            <a:extLst>
+              <a:ext uri="{FF2B5EF4-FFF2-40B4-BE49-F238E27FC236}">
+                <a16:creationId xmlns:a16="http://schemas.microsoft.com/office/drawing/2014/main" id="{0D753BB9-AEF3-4E70-B177-82C5CBBFAB42}"/>
+              </a:ext>
+            </a:extLst>
+          </p:cNvPr>
+          <p:cNvSpPr>
+            <a:spLocks noGrp="1"/>
+          </p:cNvSpPr>
+          <p:nvPr>
+            <p:ph type="ftr" sz="quarter" idx="3"/>
+          </p:nvPr>
+        </p:nvSpPr>
+        <p:spPr>
+          <a:xfrm>
+            <a:off x="2023116" y="6288112"/>
+            <a:ext cx="3086100" cy="365125"/>
+          </a:xfrm>
+          <a:prstGeom prst="rect">
+            <a:avLst/>
+          </a:prstGeom>
+        </p:spPr>
+        <p:txBody>
+          <a:bodyPr vert="horz" lIns="91440" tIns="45720" rIns="91440" bIns="45720" rtlCol="0" anchor="ctr"/>
+          <a:lstStyle>
+            <a:lvl1pPr algn="ctr">
+              <a:defRPr sz="900">
+                <a:solidFill>
+                  <a:schemeClr val="bg1">
+                    <a:lumMod val="50000"/>
+                    <a:lumOff val="50000"/>
+                  </a:schemeClr>
+                </a:solidFill>
+              </a:defRPr>
+            </a:lvl1pPr>
+          </a:lstStyle>
+          <a:p>
+            <a:endParaRPr lang="en-NZ" dirty="0"/>
           </a:p>
         </p:txBody>
       </p:sp>
@@ -7088,7 +7660,7 @@
           <a:p>
             <a:fld id="{4010FC87-8C3C-489B-8CDA-82DCF3C54878}" type="datetime1">
               <a:rPr lang="en-NZ" smtClean="0"/>
-              <a:t>3/08/2017</a:t>
+              <a:t>24/10/2017</a:t>
             </a:fld>
             <a:endParaRPr lang="en-NZ"/>
           </a:p>

--- a/inst/extdata/mvl_template.pptx
+++ b/inst/extdata/mvl_template.pptx
@@ -118,10 +118,6 @@
 </p:presentation>
 </file>
 
-<file path=ppt/revisionInfo.xml><?xml version="1.0" encoding="utf-8"?>
-<p1510:revInfo xmlns:a="http://schemas.openxmlformats.org/drawingml/2006/main" xmlns:r="http://schemas.openxmlformats.org/officeDocument/2006/relationships" xmlns:p1510="http://schemas.microsoft.com/office/powerpoint/2015/10/main"/>
-</file>
-
 <file path=ppt/handoutMasters/handoutMaster1.xml><?xml version="1.0" encoding="utf-8"?>
 <p:handoutMaster xmlns:a="http://schemas.openxmlformats.org/drawingml/2006/main" xmlns:r="http://schemas.openxmlformats.org/officeDocument/2006/relationships" xmlns:p="http://schemas.openxmlformats.org/presentationml/2006/main">
   <p:cSld>
@@ -204,7 +200,7 @@
           <a:p>
             <a:fld id="{ED21EB8E-AD8C-457E-B271-4F818F87DEF3}" type="datetimeFigureOut">
               <a:rPr lang="en-NZ" smtClean="0"/>
-              <a:t>24/10/2017</a:t>
+              <a:t>27/02/2018</a:t>
             </a:fld>
             <a:endParaRPr lang="en-NZ"/>
           </a:p>
@@ -369,7 +365,7 @@
           <a:p>
             <a:fld id="{A45AD26A-F7A8-43D3-B537-31831A3052F2}" type="datetimeFigureOut">
               <a:rPr lang="en-NZ" smtClean="0"/>
-              <a:t>24/10/2017</a:t>
+              <a:t>27/02/2018</a:t>
             </a:fld>
             <a:endParaRPr lang="en-NZ"/>
           </a:p>
@@ -821,6 +817,335 @@
 
 <file path=ppt/slideLayouts/slideLayout10.xml><?xml version="1.0" encoding="utf-8"?>
 <p:sldLayout xmlns:a="http://schemas.openxmlformats.org/drawingml/2006/main" xmlns:r="http://schemas.openxmlformats.org/officeDocument/2006/relationships" xmlns:p="http://schemas.openxmlformats.org/presentationml/2006/main" preserve="1" userDrawn="1">
+  <p:cSld name="Text">
+    <p:bg>
+      <p:bgPr>
+        <a:blipFill dpi="0" rotWithShape="1">
+          <a:blip r:embed="rId2">
+            <a:lum/>
+          </a:blip>
+          <a:srcRect/>
+          <a:stretch>
+            <a:fillRect/>
+          </a:stretch>
+        </a:blipFill>
+        <a:effectLst/>
+      </p:bgPr>
+    </p:bg>
+    <p:spTree>
+      <p:nvGrpSpPr>
+        <p:cNvPr id="1" name=""/>
+        <p:cNvGrpSpPr/>
+        <p:nvPr/>
+      </p:nvGrpSpPr>
+      <p:grpSpPr>
+        <a:xfrm>
+          <a:off x="0" y="0"/>
+          <a:ext cx="0" cy="0"/>
+          <a:chOff x="0" y="0"/>
+          <a:chExt cx="0" cy="0"/>
+        </a:xfrm>
+      </p:grpSpPr>
+      <p:sp>
+        <p:nvSpPr>
+          <p:cNvPr id="10" name="Title 9"/>
+          <p:cNvSpPr>
+            <a:spLocks noGrp="1"/>
+          </p:cNvSpPr>
+          <p:nvPr>
+            <p:ph type="title"/>
+          </p:nvPr>
+        </p:nvSpPr>
+        <p:spPr>
+          <a:xfrm>
+            <a:off x="628650" y="216000"/>
+            <a:ext cx="7886700" cy="900000"/>
+          </a:xfrm>
+        </p:spPr>
+        <p:txBody>
+          <a:bodyPr/>
+          <a:lstStyle>
+            <a:lvl1pPr>
+              <a:defRPr b="1">
+                <a:solidFill>
+                  <a:schemeClr val="bg1">
+                    <a:lumMod val="75000"/>
+                    <a:lumOff val="25000"/>
+                  </a:schemeClr>
+                </a:solidFill>
+              </a:defRPr>
+            </a:lvl1pPr>
+          </a:lstStyle>
+          <a:p>
+            <a:r>
+              <a:rPr lang="en-US" dirty="0"/>
+              <a:t>Click to edit Master title style</a:t>
+            </a:r>
+            <a:endParaRPr lang="en-NZ" dirty="0"/>
+          </a:p>
+        </p:txBody>
+      </p:sp>
+      <p:cxnSp>
+        <p:nvCxnSpPr>
+          <p:cNvPr id="7" name="Straight Connector 6"/>
+          <p:cNvCxnSpPr/>
+          <p:nvPr userDrawn="1"/>
+        </p:nvCxnSpPr>
+        <p:spPr>
+          <a:xfrm>
+            <a:off x="716692" y="1128581"/>
+            <a:ext cx="7790420" cy="0"/>
+          </a:xfrm>
+          <a:prstGeom prst="line">
+            <a:avLst/>
+          </a:prstGeom>
+          <a:ln w="15875">
+            <a:solidFill>
+              <a:schemeClr val="bg1">
+                <a:lumMod val="65000"/>
+                <a:lumOff val="35000"/>
+              </a:schemeClr>
+            </a:solidFill>
+          </a:ln>
+        </p:spPr>
+        <p:style>
+          <a:lnRef idx="1">
+            <a:schemeClr val="accent1"/>
+          </a:lnRef>
+          <a:fillRef idx="0">
+            <a:schemeClr val="accent1"/>
+          </a:fillRef>
+          <a:effectRef idx="0">
+            <a:schemeClr val="accent1"/>
+          </a:effectRef>
+          <a:fontRef idx="minor">
+            <a:schemeClr val="tx1"/>
+          </a:fontRef>
+        </p:style>
+      </p:cxnSp>
+      <p:sp>
+        <p:nvSpPr>
+          <p:cNvPr id="8" name="Date Placeholder 2"/>
+          <p:cNvSpPr>
+            <a:spLocks noGrp="1"/>
+          </p:cNvSpPr>
+          <p:nvPr>
+            <p:ph type="dt" sz="half" idx="10"/>
+          </p:nvPr>
+        </p:nvSpPr>
+        <p:spPr>
+          <a:xfrm>
+            <a:off x="4763334" y="6303952"/>
+            <a:ext cx="2057400" cy="365125"/>
+          </a:xfrm>
+        </p:spPr>
+        <p:txBody>
+          <a:bodyPr/>
+          <a:lstStyle>
+            <a:lvl1pPr algn="r">
+              <a:defRPr>
+                <a:solidFill>
+                  <a:schemeClr val="bg1">
+                    <a:lumMod val="75000"/>
+                    <a:lumOff val="25000"/>
+                  </a:schemeClr>
+                </a:solidFill>
+              </a:defRPr>
+            </a:lvl1pPr>
+          </a:lstStyle>
+          <a:p>
+            <a:fld id="{DE6A2FC7-A113-4CA2-9FBE-04075F67766A}" type="datetime1">
+              <a:rPr lang="en-NZ" smtClean="0"/>
+              <a:t>27/02/2018</a:t>
+            </a:fld>
+            <a:endParaRPr lang="en-NZ" dirty="0"/>
+          </a:p>
+        </p:txBody>
+      </p:sp>
+      <p:sp>
+        <p:nvSpPr>
+          <p:cNvPr id="9" name="Slide Number Placeholder 4"/>
+          <p:cNvSpPr>
+            <a:spLocks noGrp="1"/>
+          </p:cNvSpPr>
+          <p:nvPr>
+            <p:ph type="sldNum" sz="quarter" idx="12"/>
+          </p:nvPr>
+        </p:nvSpPr>
+        <p:spPr>
+          <a:xfrm>
+            <a:off x="311598" y="6300694"/>
+            <a:ext cx="2057400" cy="365125"/>
+          </a:xfrm>
+        </p:spPr>
+        <p:txBody>
+          <a:bodyPr/>
+          <a:lstStyle>
+            <a:lvl1pPr>
+              <a:defRPr>
+                <a:solidFill>
+                  <a:schemeClr val="bg1">
+                    <a:lumMod val="75000"/>
+                    <a:lumOff val="25000"/>
+                  </a:schemeClr>
+                </a:solidFill>
+              </a:defRPr>
+            </a:lvl1pPr>
+          </a:lstStyle>
+          <a:p>
+            <a:pPr algn="l"/>
+            <a:r>
+              <a:rPr lang="en-NZ"/>
+              <a:t>Page </a:t>
+            </a:r>
+            <a:fld id="{F29C7AEF-255B-4C1D-B0BE-CB256ECA03A2}" type="slidenum">
+              <a:rPr lang="en-NZ" smtClean="0"/>
+              <a:pPr algn="l"/>
+              <a:t>‹#›</a:t>
+            </a:fld>
+            <a:endParaRPr lang="en-NZ" dirty="0"/>
+          </a:p>
+        </p:txBody>
+      </p:sp>
+      <p:sp>
+        <p:nvSpPr>
+          <p:cNvPr id="3" name="Text Placeholder 2"/>
+          <p:cNvSpPr>
+            <a:spLocks noGrp="1"/>
+          </p:cNvSpPr>
+          <p:nvPr>
+            <p:ph type="body" sz="quarter" idx="13"/>
+          </p:nvPr>
+        </p:nvSpPr>
+        <p:spPr>
+          <a:xfrm>
+            <a:off x="628650" y="1400175"/>
+            <a:ext cx="7886700" cy="4595813"/>
+          </a:xfrm>
+        </p:spPr>
+        <p:txBody>
+          <a:bodyPr/>
+          <a:lstStyle>
+            <a:lvl1pPr>
+              <a:defRPr sz="1600">
+                <a:solidFill>
+                  <a:schemeClr val="bg1">
+                    <a:lumMod val="75000"/>
+                    <a:lumOff val="25000"/>
+                  </a:schemeClr>
+                </a:solidFill>
+              </a:defRPr>
+            </a:lvl1pPr>
+            <a:lvl2pPr marL="342900" indent="0">
+              <a:buNone/>
+              <a:defRPr>
+                <a:solidFill>
+                  <a:schemeClr val="bg1">
+                    <a:lumMod val="75000"/>
+                    <a:lumOff val="25000"/>
+                  </a:schemeClr>
+                </a:solidFill>
+              </a:defRPr>
+            </a:lvl2pPr>
+            <a:lvl3pPr>
+              <a:defRPr>
+                <a:solidFill>
+                  <a:schemeClr val="bg1">
+                    <a:lumMod val="75000"/>
+                    <a:lumOff val="25000"/>
+                  </a:schemeClr>
+                </a:solidFill>
+              </a:defRPr>
+            </a:lvl3pPr>
+            <a:lvl4pPr>
+              <a:defRPr>
+                <a:solidFill>
+                  <a:schemeClr val="bg1">
+                    <a:lumMod val="75000"/>
+                    <a:lumOff val="25000"/>
+                  </a:schemeClr>
+                </a:solidFill>
+              </a:defRPr>
+            </a:lvl4pPr>
+            <a:lvl5pPr>
+              <a:defRPr>
+                <a:solidFill>
+                  <a:schemeClr val="bg1">
+                    <a:lumMod val="75000"/>
+                    <a:lumOff val="25000"/>
+                  </a:schemeClr>
+                </a:solidFill>
+              </a:defRPr>
+            </a:lvl5pPr>
+          </a:lstStyle>
+          <a:p>
+            <a:pPr lvl="0"/>
+            <a:r>
+              <a:rPr lang="en-US" dirty="0"/>
+              <a:t>Edit Master text styles</a:t>
+            </a:r>
+          </a:p>
+        </p:txBody>
+      </p:sp>
+      <p:sp>
+        <p:nvSpPr>
+          <p:cNvPr id="11" name="Footer Placeholder 4">
+            <a:extLst>
+              <a:ext uri="{FF2B5EF4-FFF2-40B4-BE49-F238E27FC236}">
+                <a16:creationId xmlns:a16="http://schemas.microsoft.com/office/drawing/2014/main" id="{0D753BB9-AEF3-4E70-B177-82C5CBBFAB42}"/>
+              </a:ext>
+            </a:extLst>
+          </p:cNvPr>
+          <p:cNvSpPr>
+            <a:spLocks noGrp="1"/>
+          </p:cNvSpPr>
+          <p:nvPr>
+            <p:ph type="ftr" sz="quarter" idx="3"/>
+          </p:nvPr>
+        </p:nvSpPr>
+        <p:spPr>
+          <a:xfrm>
+            <a:off x="2023116" y="6288112"/>
+            <a:ext cx="3086100" cy="365125"/>
+          </a:xfrm>
+          <a:prstGeom prst="rect">
+            <a:avLst/>
+          </a:prstGeom>
+        </p:spPr>
+        <p:txBody>
+          <a:bodyPr vert="horz" lIns="91440" tIns="45720" rIns="91440" bIns="45720" rtlCol="0" anchor="ctr"/>
+          <a:lstStyle>
+            <a:lvl1pPr algn="ctr">
+              <a:defRPr sz="900">
+                <a:solidFill>
+                  <a:schemeClr val="bg1">
+                    <a:lumMod val="50000"/>
+                    <a:lumOff val="50000"/>
+                  </a:schemeClr>
+                </a:solidFill>
+              </a:defRPr>
+            </a:lvl1pPr>
+          </a:lstStyle>
+          <a:p>
+            <a:endParaRPr lang="en-NZ" dirty="0"/>
+          </a:p>
+        </p:txBody>
+      </p:sp>
+    </p:spTree>
+    <p:extLst>
+      <p:ext uri="{BB962C8B-B14F-4D97-AF65-F5344CB8AC3E}">
+        <p14:creationId xmlns:p14="http://schemas.microsoft.com/office/powerpoint/2010/main" val="2857854869"/>
+      </p:ext>
+    </p:extLst>
+  </p:cSld>
+  <p:clrMapOvr>
+    <a:masterClrMapping/>
+  </p:clrMapOvr>
+</p:sldLayout>
+</file>
+
+<file path=ppt/slideLayouts/slideLayout11.xml><?xml version="1.0" encoding="utf-8"?>
+<p:sldLayout xmlns:a="http://schemas.openxmlformats.org/drawingml/2006/main" xmlns:r="http://schemas.openxmlformats.org/officeDocument/2006/relationships" xmlns:p="http://schemas.openxmlformats.org/presentationml/2006/main" preserve="1" userDrawn="1">
   <p:cSld name="Text Dark">
     <p:bg>
       <p:bgPr>
@@ -949,7 +1274,7 @@
           <a:p>
             <a:fld id="{A651E42D-AFD3-4A77-83B8-90AE6EFC0DC0}" type="datetime1">
               <a:rPr lang="en-NZ" smtClean="0"/>
-              <a:t>24/10/2017</a:t>
+              <a:t>27/02/2018</a:t>
             </a:fld>
             <a:endParaRPr lang="en-NZ" dirty="0"/>
           </a:p>
@@ -1131,7 +1456,7 @@
 </p:sldLayout>
 </file>
 
-<file path=ppt/slideLayouts/slideLayout11.xml><?xml version="1.0" encoding="utf-8"?>
+<file path=ppt/slideLayouts/slideLayout12.xml><?xml version="1.0" encoding="utf-8"?>
 <p:sldLayout xmlns:a="http://schemas.openxmlformats.org/drawingml/2006/main" xmlns:r="http://schemas.openxmlformats.org/officeDocument/2006/relationships" xmlns:p="http://schemas.openxmlformats.org/presentationml/2006/main" preserve="1" userDrawn="1">
   <p:cSld name="Image and Text">
     <p:bg>
@@ -1258,7 +1583,7 @@
           <a:p>
             <a:fld id="{49A57571-56FA-4878-A73D-1667A155613B}" type="datetime1">
               <a:rPr lang="en-NZ" smtClean="0"/>
-              <a:t>24/10/2017</a:t>
+              <a:t>27/02/2018</a:t>
             </a:fld>
             <a:endParaRPr lang="en-NZ" dirty="0"/>
           </a:p>
@@ -1492,7 +1817,7 @@
 </p:sldLayout>
 </file>
 
-<file path=ppt/slideLayouts/slideLayout12.xml><?xml version="1.0" encoding="utf-8"?>
+<file path=ppt/slideLayouts/slideLayout13.xml><?xml version="1.0" encoding="utf-8"?>
 <p:sldLayout xmlns:a="http://schemas.openxmlformats.org/drawingml/2006/main" xmlns:r="http://schemas.openxmlformats.org/officeDocument/2006/relationships" xmlns:p="http://schemas.openxmlformats.org/presentationml/2006/main" preserve="1" userDrawn="1">
   <p:cSld name="Wide Picture">
     <p:bg>
@@ -1619,7 +1944,7 @@
           <a:p>
             <a:fld id="{C1466F2A-31D5-469C-869E-5B387E7F19F1}" type="datetime1">
               <a:rPr lang="en-NZ" smtClean="0"/>
-              <a:t>24/10/2017</a:t>
+              <a:t>27/02/2018</a:t>
             </a:fld>
             <a:endParaRPr lang="en-NZ" dirty="0"/>
           </a:p>
@@ -1851,7 +2176,7 @@
 </p:sldLayout>
 </file>
 
-<file path=ppt/slideLayouts/slideLayout13.xml><?xml version="1.0" encoding="utf-8"?>
+<file path=ppt/slideLayouts/slideLayout14.xml><?xml version="1.0" encoding="utf-8"?>
 <p:sldLayout xmlns:a="http://schemas.openxmlformats.org/drawingml/2006/main" xmlns:r="http://schemas.openxmlformats.org/officeDocument/2006/relationships" xmlns:p="http://schemas.openxmlformats.org/presentationml/2006/main" preserve="1" userDrawn="1">
   <p:cSld name="Wide Picture Brief">
     <p:bg>
@@ -1978,7 +2303,7 @@
           <a:p>
             <a:fld id="{8D8AEC88-3187-4606-AB3A-E4AEDED6E271}" type="datetime1">
               <a:rPr lang="en-NZ" smtClean="0"/>
-              <a:t>24/10/2017</a:t>
+              <a:t>27/02/2018</a:t>
             </a:fld>
             <a:endParaRPr lang="en-NZ" dirty="0"/>
           </a:p>
@@ -2210,7 +2535,7 @@
 </p:sldLayout>
 </file>
 
-<file path=ppt/slideLayouts/slideLayout14.xml><?xml version="1.0" encoding="utf-8"?>
+<file path=ppt/slideLayouts/slideLayout15.xml><?xml version="1.0" encoding="utf-8"?>
 <p:sldLayout xmlns:a="http://schemas.openxmlformats.org/drawingml/2006/main" xmlns:r="http://schemas.openxmlformats.org/officeDocument/2006/relationships" xmlns:p="http://schemas.openxmlformats.org/presentationml/2006/main" preserve="1" userDrawn="1">
   <p:cSld name="Table">
     <p:bg>
@@ -2351,7 +2676,7 @@
           <a:p>
             <a:fld id="{9879788C-3F35-4AD4-B37A-A32A7BE28934}" type="datetime1">
               <a:rPr lang="en-NZ" smtClean="0"/>
-              <a:t>24/10/2017</a:t>
+              <a:t>27/02/2018</a:t>
             </a:fld>
             <a:endParaRPr lang="en-NZ" dirty="0"/>
           </a:p>
@@ -2652,7 +2977,7 @@
 </p:sldLayout>
 </file>
 
-<file path=ppt/slideLayouts/slideLayout15.xml><?xml version="1.0" encoding="utf-8"?>
+<file path=ppt/slideLayouts/slideLayout16.xml><?xml version="1.0" encoding="utf-8"?>
 <p:sldLayout xmlns:a="http://schemas.openxmlformats.org/drawingml/2006/main" xmlns:r="http://schemas.openxmlformats.org/officeDocument/2006/relationships" xmlns:p="http://schemas.openxmlformats.org/presentationml/2006/main" preserve="1" userDrawn="1">
   <p:cSld name="Long Table">
     <p:bg>
@@ -2793,7 +3118,7 @@
           <a:p>
             <a:fld id="{9879788C-3F35-4AD4-B37A-A32A7BE28934}" type="datetime1">
               <a:rPr lang="en-NZ" smtClean="0"/>
-              <a:t>24/10/2017</a:t>
+              <a:t>27/02/2018</a:t>
             </a:fld>
             <a:endParaRPr lang="en-NZ" dirty="0"/>
           </a:p>
@@ -3094,7 +3419,7 @@
 </p:sldLayout>
 </file>
 
-<file path=ppt/slideLayouts/slideLayout16.xml><?xml version="1.0" encoding="utf-8"?>
+<file path=ppt/slideLayouts/slideLayout17.xml><?xml version="1.0" encoding="utf-8"?>
 <p:sldLayout xmlns:a="http://schemas.openxmlformats.org/drawingml/2006/main" xmlns:r="http://schemas.openxmlformats.org/officeDocument/2006/relationships" xmlns:p="http://schemas.openxmlformats.org/presentationml/2006/main" preserve="1" userDrawn="1">
   <p:cSld name="Short Table">
     <p:bg>
@@ -3235,7 +3560,7 @@
           <a:p>
             <a:fld id="{9879788C-3F35-4AD4-B37A-A32A7BE28934}" type="datetime1">
               <a:rPr lang="en-NZ" smtClean="0"/>
-              <a:t>24/10/2017</a:t>
+              <a:t>27/02/2018</a:t>
             </a:fld>
             <a:endParaRPr lang="en-NZ" dirty="0"/>
           </a:p>
@@ -3536,7 +3861,7 @@
 </p:sldLayout>
 </file>
 
-<file path=ppt/slideLayouts/slideLayout17.xml><?xml version="1.0" encoding="utf-8"?>
+<file path=ppt/slideLayouts/slideLayout18.xml><?xml version="1.0" encoding="utf-8"?>
 <p:sldLayout xmlns:a="http://schemas.openxmlformats.org/drawingml/2006/main" xmlns:r="http://schemas.openxmlformats.org/officeDocument/2006/relationships" xmlns:p="http://schemas.openxmlformats.org/presentationml/2006/main" preserve="1" userDrawn="1">
   <p:cSld name="Table Dark">
     <p:bg>
@@ -3668,7 +3993,7 @@
           <a:p>
             <a:fld id="{9FB38DA5-FF68-44AA-80FB-3F4C5332234D}" type="datetime1">
               <a:rPr lang="en-NZ" smtClean="0"/>
-              <a:t>24/10/2017</a:t>
+              <a:t>27/02/2018</a:t>
             </a:fld>
             <a:endParaRPr lang="en-NZ" dirty="0"/>
           </a:p>
@@ -4316,7 +4641,7 @@
           <a:p>
             <a:fld id="{F990B386-C1C6-42B1-BD04-DE7D357B49CF}" type="datetime1">
               <a:rPr lang="en-NZ" smtClean="0"/>
-              <a:t>24/10/2017</a:t>
+              <a:t>27/02/2018</a:t>
             </a:fld>
             <a:endParaRPr lang="en-NZ" dirty="0"/>
           </a:p>
@@ -4564,7 +4889,7 @@
           <a:p>
             <a:fld id="{BE38C2FB-15A2-4BDF-BE09-A2A3D94E0D42}" type="datetime1">
               <a:rPr lang="en-NZ" smtClean="0"/>
-              <a:t>24/10/2017</a:t>
+              <a:t>27/02/2018</a:t>
             </a:fld>
             <a:endParaRPr lang="en-NZ" dirty="0"/>
           </a:p>
@@ -4673,6 +4998,863 @@
 </file>
 
 <file path=ppt/slideLayouts/slideLayout5.xml><?xml version="1.0" encoding="utf-8"?>
+<p:sldLayout xmlns:a="http://schemas.openxmlformats.org/drawingml/2006/main" xmlns:r="http://schemas.openxmlformats.org/officeDocument/2006/relationships" xmlns:p="http://schemas.openxmlformats.org/presentationml/2006/main" preserve="1" userDrawn="1">
+  <p:cSld name="MCDA Definitions">
+    <p:bg>
+      <p:bgPr>
+        <a:blipFill dpi="0" rotWithShape="1">
+          <a:blip r:embed="rId2">
+            <a:lum/>
+          </a:blip>
+          <a:srcRect/>
+          <a:stretch>
+            <a:fillRect/>
+          </a:stretch>
+        </a:blipFill>
+        <a:effectLst/>
+      </p:bgPr>
+    </p:bg>
+    <p:spTree>
+      <p:nvGrpSpPr>
+        <p:cNvPr id="1" name=""/>
+        <p:cNvGrpSpPr/>
+        <p:nvPr/>
+      </p:nvGrpSpPr>
+      <p:grpSpPr>
+        <a:xfrm>
+          <a:off x="0" y="0"/>
+          <a:ext cx="0" cy="0"/>
+          <a:chOff x="0" y="0"/>
+          <a:chExt cx="0" cy="0"/>
+        </a:xfrm>
+      </p:grpSpPr>
+      <p:cxnSp>
+        <p:nvCxnSpPr>
+          <p:cNvPr id="7" name="Straight Connector 6"/>
+          <p:cNvCxnSpPr/>
+          <p:nvPr userDrawn="1"/>
+        </p:nvCxnSpPr>
+        <p:spPr>
+          <a:xfrm>
+            <a:off x="716692" y="1128581"/>
+            <a:ext cx="7790420" cy="0"/>
+          </a:xfrm>
+          <a:prstGeom prst="line">
+            <a:avLst/>
+          </a:prstGeom>
+          <a:ln w="15875">
+            <a:solidFill>
+              <a:schemeClr val="bg1">
+                <a:lumMod val="65000"/>
+                <a:lumOff val="35000"/>
+              </a:schemeClr>
+            </a:solidFill>
+          </a:ln>
+        </p:spPr>
+        <p:style>
+          <a:lnRef idx="1">
+            <a:schemeClr val="accent1"/>
+          </a:lnRef>
+          <a:fillRef idx="0">
+            <a:schemeClr val="accent1"/>
+          </a:fillRef>
+          <a:effectRef idx="0">
+            <a:schemeClr val="accent1"/>
+          </a:effectRef>
+          <a:fontRef idx="minor">
+            <a:schemeClr val="tx1"/>
+          </a:fontRef>
+        </p:style>
+      </p:cxnSp>
+      <p:sp>
+        <p:nvSpPr>
+          <p:cNvPr id="8" name="Date Placeholder 2"/>
+          <p:cNvSpPr>
+            <a:spLocks noGrp="1"/>
+          </p:cNvSpPr>
+          <p:nvPr>
+            <p:ph type="dt" sz="half" idx="10"/>
+          </p:nvPr>
+        </p:nvSpPr>
+        <p:spPr>
+          <a:xfrm>
+            <a:off x="4763334" y="6303952"/>
+            <a:ext cx="2057400" cy="365125"/>
+          </a:xfrm>
+        </p:spPr>
+        <p:txBody>
+          <a:bodyPr/>
+          <a:lstStyle>
+            <a:lvl1pPr algn="r">
+              <a:defRPr>
+                <a:solidFill>
+                  <a:schemeClr val="bg1">
+                    <a:lumMod val="75000"/>
+                    <a:lumOff val="25000"/>
+                  </a:schemeClr>
+                </a:solidFill>
+              </a:defRPr>
+            </a:lvl1pPr>
+          </a:lstStyle>
+          <a:p>
+            <a:fld id="{4B161D54-48A7-4C4E-AB81-6F01F6194B97}" type="datetime1">
+              <a:rPr lang="en-NZ" smtClean="0"/>
+              <a:t>27/02/2018</a:t>
+            </a:fld>
+            <a:endParaRPr lang="en-NZ" dirty="0"/>
+          </a:p>
+        </p:txBody>
+      </p:sp>
+      <p:sp>
+        <p:nvSpPr>
+          <p:cNvPr id="9" name="Slide Number Placeholder 4"/>
+          <p:cNvSpPr>
+            <a:spLocks noGrp="1"/>
+          </p:cNvSpPr>
+          <p:nvPr>
+            <p:ph type="sldNum" sz="quarter" idx="12"/>
+          </p:nvPr>
+        </p:nvSpPr>
+        <p:spPr>
+          <a:xfrm>
+            <a:off x="311598" y="6300694"/>
+            <a:ext cx="2057400" cy="365125"/>
+          </a:xfrm>
+        </p:spPr>
+        <p:txBody>
+          <a:bodyPr/>
+          <a:lstStyle>
+            <a:lvl1pPr>
+              <a:defRPr>
+                <a:solidFill>
+                  <a:schemeClr val="bg1">
+                    <a:lumMod val="75000"/>
+                    <a:lumOff val="25000"/>
+                  </a:schemeClr>
+                </a:solidFill>
+              </a:defRPr>
+            </a:lvl1pPr>
+          </a:lstStyle>
+          <a:p>
+            <a:pPr algn="l"/>
+            <a:r>
+              <a:rPr lang="en-NZ"/>
+              <a:t>Page </a:t>
+            </a:r>
+            <a:fld id="{F29C7AEF-255B-4C1D-B0BE-CB256ECA03A2}" type="slidenum">
+              <a:rPr lang="en-NZ" smtClean="0"/>
+              <a:pPr algn="l"/>
+              <a:t>‹#›</a:t>
+            </a:fld>
+            <a:endParaRPr lang="en-NZ" dirty="0"/>
+          </a:p>
+        </p:txBody>
+      </p:sp>
+      <p:sp>
+        <p:nvSpPr>
+          <p:cNvPr id="12" name="TextBox 11"/>
+          <p:cNvSpPr txBox="1"/>
+          <p:nvPr userDrawn="1"/>
+        </p:nvSpPr>
+        <p:spPr>
+          <a:xfrm>
+            <a:off x="619512" y="216000"/>
+            <a:ext cx="7887600" cy="843471"/>
+          </a:xfrm>
+          <a:prstGeom prst="rect">
+            <a:avLst/>
+          </a:prstGeom>
+          <a:noFill/>
+        </p:spPr>
+        <p:txBody>
+          <a:bodyPr wrap="square" rtlCol="0" anchor="ctr">
+            <a:normAutofit/>
+          </a:bodyPr>
+          <a:lstStyle/>
+          <a:p>
+            <a:r>
+              <a:rPr lang="en-NZ" sz="2800" b="1" dirty="0">
+                <a:solidFill>
+                  <a:schemeClr val="bg1">
+                    <a:lumMod val="75000"/>
+                    <a:lumOff val="25000"/>
+                  </a:schemeClr>
+                </a:solidFill>
+              </a:rPr>
+              <a:t>Introduction</a:t>
+            </a:r>
+          </a:p>
+        </p:txBody>
+      </p:sp>
+      <p:sp>
+        <p:nvSpPr>
+          <p:cNvPr id="14" name="TextBox 13">
+            <a:extLst>
+              <a:ext uri="{FF2B5EF4-FFF2-40B4-BE49-F238E27FC236}">
+                <a16:creationId xmlns:a16="http://schemas.microsoft.com/office/drawing/2014/main" id="{CBF7D1B3-C855-4AAE-8653-CEFC7245E8DC}"/>
+              </a:ext>
+            </a:extLst>
+          </p:cNvPr>
+          <p:cNvSpPr txBox="1"/>
+          <p:nvPr userDrawn="1"/>
+        </p:nvSpPr>
+        <p:spPr>
+          <a:xfrm>
+            <a:off x="628650" y="4987223"/>
+            <a:ext cx="8229600" cy="1308050"/>
+          </a:xfrm>
+          <a:prstGeom prst="rect">
+            <a:avLst/>
+          </a:prstGeom>
+          <a:noFill/>
+        </p:spPr>
+        <p:txBody>
+          <a:bodyPr wrap="square" rtlCol="0">
+            <a:spAutoFit/>
+          </a:bodyPr>
+          <a:lstStyle/>
+          <a:p>
+            <a:r>
+              <a:rPr lang="en-US" sz="700" u="sng" dirty="0">
+                <a:solidFill>
+                  <a:schemeClr val="bg1">
+                    <a:lumMod val="75000"/>
+                    <a:lumOff val="25000"/>
+                  </a:schemeClr>
+                </a:solidFill>
+              </a:rPr>
+              <a:t>Privacy </a:t>
+            </a:r>
+            <a:br>
+              <a:rPr lang="en-US" sz="700" dirty="0">
+                <a:solidFill>
+                  <a:schemeClr val="bg1">
+                    <a:lumMod val="75000"/>
+                    <a:lumOff val="25000"/>
+                  </a:schemeClr>
+                </a:solidFill>
+              </a:rPr>
+            </a:br>
+            <a:r>
+              <a:rPr lang="en-US" sz="700" dirty="0">
+                <a:solidFill>
+                  <a:schemeClr val="bg1">
+                    <a:lumMod val="75000"/>
+                    <a:lumOff val="25000"/>
+                  </a:schemeClr>
+                </a:solidFill>
+              </a:rPr>
+              <a:t>No personal or household data is shown or can be derived, thereby maintaining the privacy of end customers. </a:t>
+            </a:r>
+            <a:endParaRPr lang="en-NZ" sz="700" dirty="0">
+              <a:solidFill>
+                <a:schemeClr val="bg1">
+                  <a:lumMod val="75000"/>
+                  <a:lumOff val="25000"/>
+                </a:schemeClr>
+              </a:solidFill>
+            </a:endParaRPr>
+          </a:p>
+          <a:p>
+            <a:r>
+              <a:rPr lang="en-US" sz="700" u="sng" dirty="0">
+                <a:solidFill>
+                  <a:schemeClr val="bg1">
+                    <a:lumMod val="75000"/>
+                    <a:lumOff val="25000"/>
+                  </a:schemeClr>
+                </a:solidFill>
+              </a:rPr>
+              <a:t>Copyright </a:t>
+            </a:r>
+            <a:br>
+              <a:rPr lang="en-US" sz="700" dirty="0">
+                <a:solidFill>
+                  <a:schemeClr val="bg1">
+                    <a:lumMod val="75000"/>
+                    <a:lumOff val="25000"/>
+                  </a:schemeClr>
+                </a:solidFill>
+              </a:rPr>
+            </a:br>
+            <a:r>
+              <a:rPr lang="en-US" sz="700" dirty="0">
+                <a:solidFill>
+                  <a:schemeClr val="bg1">
+                    <a:lumMod val="75000"/>
+                    <a:lumOff val="25000"/>
+                  </a:schemeClr>
+                </a:solidFill>
+              </a:rPr>
+              <a:t>This report is protected by the copyright and trademark laws.  No part of this report can be reproduced or copied in any form or by any means without the permission of Marketview.  Any reproduction is a breach of intellectual property rights and could subject you to civil and criminal penalties.</a:t>
+            </a:r>
+            <a:endParaRPr lang="en-NZ" sz="700" dirty="0">
+              <a:solidFill>
+                <a:schemeClr val="bg1">
+                  <a:lumMod val="75000"/>
+                  <a:lumOff val="25000"/>
+                </a:schemeClr>
+              </a:solidFill>
+            </a:endParaRPr>
+          </a:p>
+          <a:p>
+            <a:r>
+              <a:rPr lang="en-US" sz="700" u="sng" dirty="0">
+                <a:solidFill>
+                  <a:schemeClr val="bg1">
+                    <a:lumMod val="75000"/>
+                    <a:lumOff val="25000"/>
+                  </a:schemeClr>
+                </a:solidFill>
+              </a:rPr>
+              <a:t>Disclaimer</a:t>
+            </a:r>
+            <a:r>
+              <a:rPr lang="en-US" sz="700" dirty="0">
+                <a:solidFill>
+                  <a:schemeClr val="bg1">
+                    <a:lumMod val="75000"/>
+                    <a:lumOff val="25000"/>
+                  </a:schemeClr>
+                </a:solidFill>
+              </a:rPr>
+              <a:t> </a:t>
+            </a:r>
+            <a:br>
+              <a:rPr lang="en-US" sz="700" dirty="0">
+                <a:solidFill>
+                  <a:schemeClr val="bg1">
+                    <a:lumMod val="75000"/>
+                    <a:lumOff val="25000"/>
+                  </a:schemeClr>
+                </a:solidFill>
+              </a:rPr>
+            </a:br>
+            <a:r>
+              <a:rPr lang="en-US" sz="700" dirty="0">
+                <a:solidFill>
+                  <a:schemeClr val="bg1">
+                    <a:lumMod val="75000"/>
+                    <a:lumOff val="25000"/>
+                  </a:schemeClr>
+                </a:solidFill>
+              </a:rPr>
+              <a:t>While every effort has been made in the production of this report, Marketview Limited and Argus Information and Advisory Services are not responsible for the results of any actions taken on the basis of the information in this report and expressly disclaim any liability to any person for anything done or omitted to be done by any such person in reliance on the contents of this report and any losses suffered by any person whether direct or indirect, including loss of profits.</a:t>
+            </a:r>
+            <a:endParaRPr lang="en-NZ" sz="700" dirty="0">
+              <a:solidFill>
+                <a:schemeClr val="bg1">
+                  <a:lumMod val="75000"/>
+                  <a:lumOff val="25000"/>
+                </a:schemeClr>
+              </a:solidFill>
+            </a:endParaRPr>
+          </a:p>
+          <a:p>
+            <a:endParaRPr lang="en-NZ" sz="1600" dirty="0">
+              <a:solidFill>
+                <a:schemeClr val="bg1">
+                  <a:lumMod val="75000"/>
+                  <a:lumOff val="25000"/>
+                </a:schemeClr>
+              </a:solidFill>
+            </a:endParaRPr>
+          </a:p>
+        </p:txBody>
+      </p:sp>
+      <p:sp>
+        <p:nvSpPr>
+          <p:cNvPr id="3" name="Rectangle 2">
+            <a:extLst>
+              <a:ext uri="{FF2B5EF4-FFF2-40B4-BE49-F238E27FC236}">
+                <a16:creationId xmlns:a16="http://schemas.microsoft.com/office/drawing/2014/main" id="{F39483BC-7009-4329-8B75-344A67B0FEDB}"/>
+              </a:ext>
+            </a:extLst>
+          </p:cNvPr>
+          <p:cNvSpPr/>
+          <p:nvPr userDrawn="1"/>
+        </p:nvSpPr>
+        <p:spPr>
+          <a:xfrm>
+            <a:off x="619512" y="1397148"/>
+            <a:ext cx="8238738" cy="3520964"/>
+          </a:xfrm>
+          <a:prstGeom prst="rect">
+            <a:avLst/>
+          </a:prstGeom>
+        </p:spPr>
+        <p:txBody>
+          <a:bodyPr wrap="square">
+            <a:spAutoFit/>
+          </a:bodyPr>
+          <a:lstStyle/>
+          <a:p>
+            <a:pPr marL="0" marR="0" lvl="0" indent="0" algn="l" defTabSz="685800" rtl="0" eaLnBrk="1" fontAlgn="auto" latinLnBrk="0" hangingPunct="1">
+              <a:lnSpc>
+                <a:spcPct val="90000"/>
+              </a:lnSpc>
+              <a:spcBef>
+                <a:spcPts val="750"/>
+              </a:spcBef>
+              <a:spcAft>
+                <a:spcPts val="0"/>
+              </a:spcAft>
+              <a:buClr>
+                <a:srgbClr val="70AD47"/>
+              </a:buClr>
+              <a:buSzTx/>
+              <a:buFont typeface="Arial" panose="020B0604020202020204" pitchFamily="34" charset="0"/>
+              <a:buNone/>
+              <a:tabLst/>
+              <a:defRPr/>
+            </a:pPr>
+            <a:r>
+              <a:rPr kumimoji="0" lang="en-NZ" sz="1200" b="0" i="0" u="none" strike="noStrike" kern="1200" cap="none" spc="0" normalizeH="0" baseline="0" noProof="0" dirty="0">
+                <a:ln>
+                  <a:noFill/>
+                </a:ln>
+                <a:solidFill>
+                  <a:schemeClr val="bg1">
+                    <a:lumMod val="75000"/>
+                    <a:lumOff val="25000"/>
+                  </a:schemeClr>
+                </a:solidFill>
+                <a:effectLst/>
+                <a:uLnTx/>
+                <a:uFillTx/>
+                <a:latin typeface="+mn-lt"/>
+                <a:ea typeface="+mn-ea"/>
+                <a:cs typeface="+mn-cs"/>
+              </a:rPr>
+              <a:t>Through a relationship with Argus Information and Advisory Services, Marketview has access to credit card transactions in the Australian Marketplace.</a:t>
+            </a:r>
+          </a:p>
+          <a:p>
+            <a:pPr marL="0" marR="0" lvl="0" indent="0" algn="l" defTabSz="685800" rtl="0" eaLnBrk="1" fontAlgn="auto" latinLnBrk="0" hangingPunct="1">
+              <a:lnSpc>
+                <a:spcPct val="90000"/>
+              </a:lnSpc>
+              <a:spcBef>
+                <a:spcPts val="750"/>
+              </a:spcBef>
+              <a:spcAft>
+                <a:spcPts val="0"/>
+              </a:spcAft>
+              <a:buClr>
+                <a:srgbClr val="70AD47"/>
+              </a:buClr>
+              <a:buSzTx/>
+              <a:buFont typeface="Arial" panose="020B0604020202020204" pitchFamily="34" charset="0"/>
+              <a:buNone/>
+              <a:tabLst/>
+              <a:defRPr/>
+            </a:pPr>
+            <a:r>
+              <a:rPr kumimoji="0" lang="en-US" sz="1200" b="0" i="0" u="none" strike="noStrike" kern="1200" cap="none" spc="0" normalizeH="0" baseline="0" noProof="0" dirty="0">
+                <a:ln>
+                  <a:noFill/>
+                </a:ln>
+                <a:solidFill>
+                  <a:schemeClr val="bg1">
+                    <a:lumMod val="75000"/>
+                    <a:lumOff val="25000"/>
+                  </a:schemeClr>
+                </a:solidFill>
+                <a:effectLst/>
+                <a:uLnTx/>
+                <a:uFillTx/>
+                <a:latin typeface="+mn-lt"/>
+                <a:ea typeface="+mn-ea"/>
+                <a:cs typeface="+mn-cs"/>
+              </a:rPr>
+              <a:t>McDonald’s have requested Marketview prepare an analysis of the Australian marketplace to:</a:t>
+            </a:r>
+          </a:p>
+          <a:p>
+            <a:pPr marL="514350" marR="0" lvl="1" indent="-171450" algn="l" defTabSz="685800" rtl="0" eaLnBrk="1" fontAlgn="auto" latinLnBrk="0" hangingPunct="1">
+              <a:lnSpc>
+                <a:spcPct val="90000"/>
+              </a:lnSpc>
+              <a:spcBef>
+                <a:spcPts val="375"/>
+              </a:spcBef>
+              <a:spcAft>
+                <a:spcPts val="0"/>
+              </a:spcAft>
+              <a:buClr>
+                <a:srgbClr val="70AD47"/>
+              </a:buClr>
+              <a:buSzTx/>
+              <a:buFont typeface="Arial" panose="020B0604020202020204" pitchFamily="34" charset="0"/>
+              <a:buChar char="•"/>
+              <a:tabLst/>
+              <a:defRPr/>
+            </a:pPr>
+            <a:r>
+              <a:rPr kumimoji="0" lang="en-NZ" sz="1200" b="0" i="0" u="none" strike="noStrike" kern="1200" cap="none" spc="0" normalizeH="0" baseline="0" noProof="0" dirty="0">
+                <a:ln>
+                  <a:noFill/>
+                </a:ln>
+                <a:solidFill>
+                  <a:schemeClr val="bg1">
+                    <a:lumMod val="75000"/>
+                    <a:lumOff val="25000"/>
+                  </a:schemeClr>
+                </a:solidFill>
+                <a:effectLst/>
+                <a:uLnTx/>
+                <a:uFillTx/>
+                <a:latin typeface="+mn-lt"/>
+                <a:ea typeface="+mn-ea"/>
+                <a:cs typeface="+mn-cs"/>
+              </a:rPr>
+              <a:t>Measure the performance of the broad QSR and IEO markets</a:t>
+            </a:r>
+          </a:p>
+          <a:p>
+            <a:pPr marL="514350" marR="0" lvl="1" indent="-171450" algn="l" defTabSz="685800" rtl="0" eaLnBrk="1" fontAlgn="auto" latinLnBrk="0" hangingPunct="1">
+              <a:lnSpc>
+                <a:spcPct val="90000"/>
+              </a:lnSpc>
+              <a:spcBef>
+                <a:spcPts val="375"/>
+              </a:spcBef>
+              <a:spcAft>
+                <a:spcPts val="0"/>
+              </a:spcAft>
+              <a:buClr>
+                <a:srgbClr val="70AD47"/>
+              </a:buClr>
+              <a:buSzTx/>
+              <a:buFont typeface="Arial" panose="020B0604020202020204" pitchFamily="34" charset="0"/>
+              <a:buChar char="•"/>
+              <a:tabLst/>
+              <a:defRPr/>
+            </a:pPr>
+            <a:r>
+              <a:rPr kumimoji="0" lang="en-NZ" sz="1200" b="0" i="0" u="none" strike="noStrike" kern="1200" cap="none" spc="0" normalizeH="0" baseline="0" noProof="0" dirty="0">
+                <a:ln>
+                  <a:noFill/>
+                </a:ln>
+                <a:solidFill>
+                  <a:schemeClr val="bg1">
+                    <a:lumMod val="75000"/>
+                    <a:lumOff val="25000"/>
+                  </a:schemeClr>
+                </a:solidFill>
+                <a:effectLst/>
+                <a:uLnTx/>
+                <a:uFillTx/>
+                <a:latin typeface="+mn-lt"/>
+                <a:ea typeface="+mn-ea"/>
+                <a:cs typeface="+mn-cs"/>
+              </a:rPr>
+              <a:t>Identify any areas of concern </a:t>
+            </a:r>
+          </a:p>
+          <a:p>
+            <a:pPr marL="514350" marR="0" lvl="1" indent="-171450" algn="l" defTabSz="685800" rtl="0" eaLnBrk="1" fontAlgn="auto" latinLnBrk="0" hangingPunct="1">
+              <a:lnSpc>
+                <a:spcPct val="90000"/>
+              </a:lnSpc>
+              <a:spcBef>
+                <a:spcPts val="375"/>
+              </a:spcBef>
+              <a:spcAft>
+                <a:spcPts val="0"/>
+              </a:spcAft>
+              <a:buClr>
+                <a:srgbClr val="70AD47"/>
+              </a:buClr>
+              <a:buSzTx/>
+              <a:buFont typeface="Arial" panose="020B0604020202020204" pitchFamily="34" charset="0"/>
+              <a:buChar char="•"/>
+              <a:tabLst/>
+              <a:defRPr/>
+            </a:pPr>
+            <a:r>
+              <a:rPr kumimoji="0" lang="en-NZ" sz="1200" b="0" i="0" u="none" strike="noStrike" kern="1200" cap="none" spc="0" normalizeH="0" baseline="0" noProof="0" dirty="0">
+                <a:ln>
+                  <a:noFill/>
+                </a:ln>
+                <a:solidFill>
+                  <a:schemeClr val="bg1">
+                    <a:lumMod val="75000"/>
+                    <a:lumOff val="25000"/>
+                  </a:schemeClr>
+                </a:solidFill>
+                <a:effectLst/>
+                <a:uLnTx/>
+                <a:uFillTx/>
+                <a:latin typeface="+mn-lt"/>
+                <a:ea typeface="+mn-ea"/>
+                <a:cs typeface="+mn-cs"/>
+              </a:rPr>
+              <a:t>Identify areas with the greatest growth potential </a:t>
+            </a:r>
+          </a:p>
+          <a:p>
+            <a:pPr marL="0" marR="0" lvl="0" indent="0" algn="l" defTabSz="685800" rtl="0" eaLnBrk="1" fontAlgn="auto" latinLnBrk="0" hangingPunct="1">
+              <a:lnSpc>
+                <a:spcPct val="90000"/>
+              </a:lnSpc>
+              <a:spcBef>
+                <a:spcPts val="750"/>
+              </a:spcBef>
+              <a:spcAft>
+                <a:spcPts val="0"/>
+              </a:spcAft>
+              <a:buClr>
+                <a:srgbClr val="70AD47"/>
+              </a:buClr>
+              <a:buSzTx/>
+              <a:buFont typeface="Arial" panose="020B0604020202020204" pitchFamily="34" charset="0"/>
+              <a:buNone/>
+              <a:tabLst/>
+              <a:defRPr/>
+            </a:pPr>
+            <a:r>
+              <a:rPr kumimoji="0" lang="en-NZ" sz="1200" b="0" i="0" u="none" strike="noStrike" kern="1200" cap="none" spc="0" normalizeH="0" baseline="0" noProof="0" dirty="0">
+                <a:ln>
+                  <a:noFill/>
+                </a:ln>
+                <a:solidFill>
+                  <a:schemeClr val="bg1">
+                    <a:lumMod val="75000"/>
+                    <a:lumOff val="25000"/>
+                  </a:schemeClr>
+                </a:solidFill>
+                <a:effectLst/>
+                <a:uLnTx/>
+                <a:uFillTx/>
+                <a:latin typeface="+mn-lt"/>
+                <a:ea typeface="+mn-ea"/>
+                <a:cs typeface="+mn-cs"/>
+              </a:rPr>
+              <a:t>Note: all values are presented in Australian dollars.</a:t>
+            </a:r>
+          </a:p>
+          <a:p>
+            <a:pPr marL="0" marR="0" lvl="0" indent="0" algn="l" defTabSz="685800" rtl="0" eaLnBrk="1" fontAlgn="auto" latinLnBrk="0" hangingPunct="1">
+              <a:lnSpc>
+                <a:spcPct val="90000"/>
+              </a:lnSpc>
+              <a:spcBef>
+                <a:spcPts val="750"/>
+              </a:spcBef>
+              <a:spcAft>
+                <a:spcPts val="0"/>
+              </a:spcAft>
+              <a:buClr>
+                <a:srgbClr val="70AD47"/>
+              </a:buClr>
+              <a:buSzTx/>
+              <a:buFont typeface="Arial" panose="020B0604020202020204" pitchFamily="34" charset="0"/>
+              <a:buNone/>
+              <a:tabLst/>
+              <a:defRPr/>
+            </a:pPr>
+            <a:r>
+              <a:rPr kumimoji="0" lang="en-NZ" sz="1200" b="0" i="0" u="none" strike="noStrike" kern="1200" cap="none" spc="0" normalizeH="0" baseline="0" noProof="0" dirty="0">
+                <a:ln>
+                  <a:noFill/>
+                </a:ln>
+                <a:solidFill>
+                  <a:schemeClr val="bg1">
+                    <a:lumMod val="75000"/>
+                    <a:lumOff val="25000"/>
+                  </a:schemeClr>
+                </a:solidFill>
+                <a:effectLst/>
+                <a:uLnTx/>
+                <a:uFillTx/>
+                <a:latin typeface="+mn-lt"/>
+                <a:ea typeface="+mn-ea"/>
+                <a:cs typeface="+mn-cs"/>
+              </a:rPr>
+              <a:t>The figures presented in this report represent estimated real world spending in the Australian IEO market, including adjustments for cash, debit and other non-card methods of spending. This data covers the 21 month period from January 2016 to September 2017, inclusive.</a:t>
+            </a:r>
+          </a:p>
+          <a:p>
+            <a:pPr marL="0" marR="0" lvl="0" indent="0" algn="l" defTabSz="685800" rtl="0" eaLnBrk="1" fontAlgn="auto" latinLnBrk="0" hangingPunct="1">
+              <a:lnSpc>
+                <a:spcPct val="90000"/>
+              </a:lnSpc>
+              <a:spcBef>
+                <a:spcPts val="750"/>
+              </a:spcBef>
+              <a:spcAft>
+                <a:spcPts val="0"/>
+              </a:spcAft>
+              <a:buClr>
+                <a:srgbClr val="70AD47"/>
+              </a:buClr>
+              <a:buSzTx/>
+              <a:buFont typeface="Arial" panose="020B0604020202020204" pitchFamily="34" charset="0"/>
+              <a:buNone/>
+              <a:tabLst/>
+              <a:defRPr/>
+            </a:pPr>
+            <a:r>
+              <a:rPr kumimoji="0" lang="en-NZ" sz="1200" b="0" i="0" u="none" strike="noStrike" kern="1200" cap="none" spc="0" normalizeH="0" baseline="0" noProof="0" dirty="0">
+                <a:ln>
+                  <a:noFill/>
+                </a:ln>
+                <a:solidFill>
+                  <a:schemeClr val="bg1">
+                    <a:lumMod val="75000"/>
+                    <a:lumOff val="25000"/>
+                  </a:schemeClr>
+                </a:solidFill>
+                <a:effectLst/>
+                <a:uLnTx/>
+                <a:uFillTx/>
+                <a:latin typeface="+mn-lt"/>
+                <a:ea typeface="+mn-ea"/>
+                <a:cs typeface="+mn-cs"/>
+              </a:rPr>
+              <a:t>The data used in this report is received from two main sources:</a:t>
+            </a:r>
+          </a:p>
+          <a:p>
+            <a:pPr marL="628650" marR="0" lvl="1" indent="-285750" algn="l" defTabSz="685800" rtl="0" eaLnBrk="1" fontAlgn="auto" latinLnBrk="0" hangingPunct="1">
+              <a:lnSpc>
+                <a:spcPct val="90000"/>
+              </a:lnSpc>
+              <a:spcBef>
+                <a:spcPts val="375"/>
+              </a:spcBef>
+              <a:spcAft>
+                <a:spcPts val="0"/>
+              </a:spcAft>
+              <a:buClr>
+                <a:srgbClr val="70AD47"/>
+              </a:buClr>
+              <a:buSzTx/>
+              <a:buFont typeface="Arial" panose="020B0604020202020204" pitchFamily="34" charset="0"/>
+              <a:buChar char="•"/>
+              <a:tabLst/>
+              <a:defRPr/>
+            </a:pPr>
+            <a:r>
+              <a:rPr kumimoji="0" lang="en-NZ" sz="1200" b="0" i="0" u="none" strike="noStrike" kern="1200" cap="none" spc="0" normalizeH="0" baseline="0" noProof="0" dirty="0">
+                <a:ln>
+                  <a:noFill/>
+                </a:ln>
+                <a:solidFill>
+                  <a:schemeClr val="bg1">
+                    <a:lumMod val="75000"/>
+                    <a:lumOff val="25000"/>
+                  </a:schemeClr>
+                </a:solidFill>
+                <a:effectLst/>
+                <a:uLnTx/>
+                <a:uFillTx/>
+                <a:latin typeface="+mn-lt"/>
+                <a:ea typeface="+mn-ea"/>
+                <a:cs typeface="+mn-cs"/>
+              </a:rPr>
+              <a:t>Argus Information and Advisory Services credit card transactional spending for Australia</a:t>
+            </a:r>
+          </a:p>
+          <a:p>
+            <a:pPr marL="628650" marR="0" lvl="1" indent="-285750" algn="l" defTabSz="685800" rtl="0" eaLnBrk="1" fontAlgn="auto" latinLnBrk="0" hangingPunct="1">
+              <a:lnSpc>
+                <a:spcPct val="90000"/>
+              </a:lnSpc>
+              <a:spcBef>
+                <a:spcPts val="375"/>
+              </a:spcBef>
+              <a:spcAft>
+                <a:spcPts val="0"/>
+              </a:spcAft>
+              <a:buClr>
+                <a:srgbClr val="70AD47"/>
+              </a:buClr>
+              <a:buSzTx/>
+              <a:buFont typeface="Arial" panose="020B0604020202020204" pitchFamily="34" charset="0"/>
+              <a:buChar char="•"/>
+              <a:tabLst/>
+              <a:defRPr/>
+            </a:pPr>
+            <a:r>
+              <a:rPr kumimoji="0" lang="en-NZ" sz="1200" b="0" i="0" u="none" strike="noStrike" kern="1200" cap="none" spc="0" normalizeH="0" baseline="0" noProof="0" dirty="0">
+                <a:ln>
+                  <a:noFill/>
+                </a:ln>
+                <a:solidFill>
+                  <a:schemeClr val="bg1">
+                    <a:lumMod val="75000"/>
+                    <a:lumOff val="25000"/>
+                  </a:schemeClr>
+                </a:solidFill>
+                <a:effectLst/>
+                <a:uLnTx/>
+                <a:uFillTx/>
+                <a:latin typeface="+mn-lt"/>
+                <a:ea typeface="+mn-ea"/>
+                <a:cs typeface="+mn-cs"/>
+              </a:rPr>
+              <a:t>Australian Bureau of Statistics (ABS) industry level spending at cafes, restaurants, and takeaway food services</a:t>
+            </a:r>
+          </a:p>
+          <a:p>
+            <a:pPr marL="0" marR="0" lvl="0" indent="0" algn="l" defTabSz="685800" rtl="0" eaLnBrk="1" fontAlgn="auto" latinLnBrk="0" hangingPunct="1">
+              <a:lnSpc>
+                <a:spcPct val="90000"/>
+              </a:lnSpc>
+              <a:spcBef>
+                <a:spcPts val="750"/>
+              </a:spcBef>
+              <a:spcAft>
+                <a:spcPts val="0"/>
+              </a:spcAft>
+              <a:buClr>
+                <a:srgbClr val="70AD47"/>
+              </a:buClr>
+              <a:buSzTx/>
+              <a:buFont typeface="Arial" panose="020B0604020202020204" pitchFamily="34" charset="0"/>
+              <a:buNone/>
+              <a:tabLst/>
+              <a:defRPr/>
+            </a:pPr>
+            <a:r>
+              <a:rPr kumimoji="0" lang="en-NZ" sz="1200" b="0" i="0" u="none" strike="noStrike" kern="1200" cap="none" spc="0" normalizeH="0" baseline="0" noProof="0" dirty="0">
+                <a:ln>
+                  <a:noFill/>
+                </a:ln>
+                <a:solidFill>
+                  <a:schemeClr val="bg1">
+                    <a:lumMod val="75000"/>
+                    <a:lumOff val="25000"/>
+                  </a:schemeClr>
+                </a:solidFill>
+                <a:effectLst/>
+                <a:uLnTx/>
+                <a:uFillTx/>
+                <a:latin typeface="+mn-lt"/>
+                <a:ea typeface="+mn-ea"/>
+                <a:cs typeface="+mn-cs"/>
+              </a:rPr>
+              <a:t>Please note that this report is based on preliminary marketplaces, and as such reported revenue and market share may differ marginally from those in later reporting once marketplaces are established.</a:t>
+            </a:r>
+          </a:p>
+        </p:txBody>
+      </p:sp>
+    </p:spTree>
+    <p:extLst>
+      <p:ext uri="{BB962C8B-B14F-4D97-AF65-F5344CB8AC3E}">
+        <p14:creationId xmlns:p14="http://schemas.microsoft.com/office/powerpoint/2010/main" val="2227702411"/>
+      </p:ext>
+    </p:extLst>
+  </p:cSld>
+  <p:clrMapOvr>
+    <a:masterClrMapping/>
+  </p:clrMapOvr>
+</p:sldLayout>
+</file>
+
+<file path=ppt/slideLayouts/slideLayout6.xml><?xml version="1.0" encoding="utf-8"?>
 <p:sldLayout xmlns:a="http://schemas.openxmlformats.org/drawingml/2006/main" xmlns:r="http://schemas.openxmlformats.org/officeDocument/2006/relationships" xmlns:p="http://schemas.openxmlformats.org/presentationml/2006/main" preserve="1" userDrawn="1">
   <p:cSld name="Definitions 1">
     <p:bg>
@@ -4774,7 +5956,7 @@
           <a:p>
             <a:fld id="{C3CAB771-FC24-4381-9D0F-BF79CB395C80}" type="datetime1">
               <a:rPr lang="en-NZ" smtClean="0"/>
-              <a:t>24/10/2017</a:t>
+              <a:t>27/02/2018</a:t>
             </a:fld>
             <a:endParaRPr lang="en-NZ" dirty="0"/>
           </a:p>
@@ -5805,7 +6987,7 @@
 </p:sldLayout>
 </file>
 
-<file path=ppt/slideLayouts/slideLayout6.xml><?xml version="1.0" encoding="utf-8"?>
+<file path=ppt/slideLayouts/slideLayout7.xml><?xml version="1.0" encoding="utf-8"?>
 <p:sldLayout xmlns:a="http://schemas.openxmlformats.org/drawingml/2006/main" xmlns:r="http://schemas.openxmlformats.org/officeDocument/2006/relationships" xmlns:p="http://schemas.openxmlformats.org/presentationml/2006/main" preserve="1" userDrawn="1">
   <p:cSld name="McDefinitions">
     <p:bg>
@@ -5907,7 +7089,7 @@
           <a:p>
             <a:fld id="{C3CAB771-FC24-4381-9D0F-BF79CB395C80}" type="datetime1">
               <a:rPr lang="en-NZ" smtClean="0"/>
-              <a:t>24/10/2017</a:t>
+              <a:t>27/02/2018</a:t>
             </a:fld>
             <a:endParaRPr lang="en-NZ" dirty="0"/>
           </a:p>
@@ -6574,7 +7756,7 @@
 </p:sldLayout>
 </file>
 
-<file path=ppt/slideLayouts/slideLayout7.xml><?xml version="1.0" encoding="utf-8"?>
+<file path=ppt/slideLayouts/slideLayout8.xml><?xml version="1.0" encoding="utf-8"?>
 <p:sldLayout xmlns:a="http://schemas.openxmlformats.org/drawingml/2006/main" xmlns:r="http://schemas.openxmlformats.org/officeDocument/2006/relationships" xmlns:p="http://schemas.openxmlformats.org/presentationml/2006/main" preserve="1" userDrawn="1">
   <p:cSld name="Definitions 2">
     <p:bg>
@@ -6762,7 +7944,7 @@
           <a:p>
             <a:fld id="{5726B5F7-168C-4703-83FF-400E9A7043AE}" type="datetime1">
               <a:rPr lang="en-NZ" smtClean="0"/>
-              <a:t>24/10/2017</a:t>
+              <a:t>27/02/2018</a:t>
             </a:fld>
             <a:endParaRPr lang="en-NZ" dirty="0"/>
           </a:p>
@@ -6906,7 +8088,7 @@
 </p:sldLayout>
 </file>
 
-<file path=ppt/slideLayouts/slideLayout8.xml><?xml version="1.0" encoding="utf-8"?>
+<file path=ppt/slideLayouts/slideLayout9.xml><?xml version="1.0" encoding="utf-8"?>
 <p:sldLayout xmlns:a="http://schemas.openxmlformats.org/drawingml/2006/main" xmlns:r="http://schemas.openxmlformats.org/officeDocument/2006/relationships" xmlns:p="http://schemas.openxmlformats.org/presentationml/2006/main" preserve="1" userDrawn="1">
   <p:cSld name="Image">
     <p:bg>
@@ -7071,7 +8253,7 @@
           <a:p>
             <a:fld id="{3EFE64E4-9D8C-4E59-8AA4-818D3B9F2760}" type="datetime1">
               <a:rPr lang="en-NZ" smtClean="0"/>
-              <a:t>24/10/2017</a:t>
+              <a:t>27/02/2018</a:t>
             </a:fld>
             <a:endParaRPr lang="en-NZ" dirty="0"/>
           </a:p>
@@ -7170,335 +8352,6 @@
     <p:extLst>
       <p:ext uri="{BB962C8B-B14F-4D97-AF65-F5344CB8AC3E}">
         <p14:creationId xmlns:p14="http://schemas.microsoft.com/office/powerpoint/2010/main" val="1980669605"/>
-      </p:ext>
-    </p:extLst>
-  </p:cSld>
-  <p:clrMapOvr>
-    <a:masterClrMapping/>
-  </p:clrMapOvr>
-</p:sldLayout>
-</file>
-
-<file path=ppt/slideLayouts/slideLayout9.xml><?xml version="1.0" encoding="utf-8"?>
-<p:sldLayout xmlns:a="http://schemas.openxmlformats.org/drawingml/2006/main" xmlns:r="http://schemas.openxmlformats.org/officeDocument/2006/relationships" xmlns:p="http://schemas.openxmlformats.org/presentationml/2006/main" preserve="1" userDrawn="1">
-  <p:cSld name="Text">
-    <p:bg>
-      <p:bgPr>
-        <a:blipFill dpi="0" rotWithShape="1">
-          <a:blip r:embed="rId2">
-            <a:lum/>
-          </a:blip>
-          <a:srcRect/>
-          <a:stretch>
-            <a:fillRect/>
-          </a:stretch>
-        </a:blipFill>
-        <a:effectLst/>
-      </p:bgPr>
-    </p:bg>
-    <p:spTree>
-      <p:nvGrpSpPr>
-        <p:cNvPr id="1" name=""/>
-        <p:cNvGrpSpPr/>
-        <p:nvPr/>
-      </p:nvGrpSpPr>
-      <p:grpSpPr>
-        <a:xfrm>
-          <a:off x="0" y="0"/>
-          <a:ext cx="0" cy="0"/>
-          <a:chOff x="0" y="0"/>
-          <a:chExt cx="0" cy="0"/>
-        </a:xfrm>
-      </p:grpSpPr>
-      <p:sp>
-        <p:nvSpPr>
-          <p:cNvPr id="10" name="Title 9"/>
-          <p:cNvSpPr>
-            <a:spLocks noGrp="1"/>
-          </p:cNvSpPr>
-          <p:nvPr>
-            <p:ph type="title"/>
-          </p:nvPr>
-        </p:nvSpPr>
-        <p:spPr>
-          <a:xfrm>
-            <a:off x="628650" y="216000"/>
-            <a:ext cx="7886700" cy="900000"/>
-          </a:xfrm>
-        </p:spPr>
-        <p:txBody>
-          <a:bodyPr/>
-          <a:lstStyle>
-            <a:lvl1pPr>
-              <a:defRPr b="1">
-                <a:solidFill>
-                  <a:schemeClr val="bg1">
-                    <a:lumMod val="75000"/>
-                    <a:lumOff val="25000"/>
-                  </a:schemeClr>
-                </a:solidFill>
-              </a:defRPr>
-            </a:lvl1pPr>
-          </a:lstStyle>
-          <a:p>
-            <a:r>
-              <a:rPr lang="en-US" dirty="0"/>
-              <a:t>Click to edit Master title style</a:t>
-            </a:r>
-            <a:endParaRPr lang="en-NZ" dirty="0"/>
-          </a:p>
-        </p:txBody>
-      </p:sp>
-      <p:cxnSp>
-        <p:nvCxnSpPr>
-          <p:cNvPr id="7" name="Straight Connector 6"/>
-          <p:cNvCxnSpPr/>
-          <p:nvPr userDrawn="1"/>
-        </p:nvCxnSpPr>
-        <p:spPr>
-          <a:xfrm>
-            <a:off x="716692" y="1128581"/>
-            <a:ext cx="7790420" cy="0"/>
-          </a:xfrm>
-          <a:prstGeom prst="line">
-            <a:avLst/>
-          </a:prstGeom>
-          <a:ln w="15875">
-            <a:solidFill>
-              <a:schemeClr val="bg1">
-                <a:lumMod val="65000"/>
-                <a:lumOff val="35000"/>
-              </a:schemeClr>
-            </a:solidFill>
-          </a:ln>
-        </p:spPr>
-        <p:style>
-          <a:lnRef idx="1">
-            <a:schemeClr val="accent1"/>
-          </a:lnRef>
-          <a:fillRef idx="0">
-            <a:schemeClr val="accent1"/>
-          </a:fillRef>
-          <a:effectRef idx="0">
-            <a:schemeClr val="accent1"/>
-          </a:effectRef>
-          <a:fontRef idx="minor">
-            <a:schemeClr val="tx1"/>
-          </a:fontRef>
-        </p:style>
-      </p:cxnSp>
-      <p:sp>
-        <p:nvSpPr>
-          <p:cNvPr id="8" name="Date Placeholder 2"/>
-          <p:cNvSpPr>
-            <a:spLocks noGrp="1"/>
-          </p:cNvSpPr>
-          <p:nvPr>
-            <p:ph type="dt" sz="half" idx="10"/>
-          </p:nvPr>
-        </p:nvSpPr>
-        <p:spPr>
-          <a:xfrm>
-            <a:off x="4763334" y="6303952"/>
-            <a:ext cx="2057400" cy="365125"/>
-          </a:xfrm>
-        </p:spPr>
-        <p:txBody>
-          <a:bodyPr/>
-          <a:lstStyle>
-            <a:lvl1pPr algn="r">
-              <a:defRPr>
-                <a:solidFill>
-                  <a:schemeClr val="bg1">
-                    <a:lumMod val="75000"/>
-                    <a:lumOff val="25000"/>
-                  </a:schemeClr>
-                </a:solidFill>
-              </a:defRPr>
-            </a:lvl1pPr>
-          </a:lstStyle>
-          <a:p>
-            <a:fld id="{DE6A2FC7-A113-4CA2-9FBE-04075F67766A}" type="datetime1">
-              <a:rPr lang="en-NZ" smtClean="0"/>
-              <a:t>24/10/2017</a:t>
-            </a:fld>
-            <a:endParaRPr lang="en-NZ" dirty="0"/>
-          </a:p>
-        </p:txBody>
-      </p:sp>
-      <p:sp>
-        <p:nvSpPr>
-          <p:cNvPr id="9" name="Slide Number Placeholder 4"/>
-          <p:cNvSpPr>
-            <a:spLocks noGrp="1"/>
-          </p:cNvSpPr>
-          <p:nvPr>
-            <p:ph type="sldNum" sz="quarter" idx="12"/>
-          </p:nvPr>
-        </p:nvSpPr>
-        <p:spPr>
-          <a:xfrm>
-            <a:off x="311598" y="6300694"/>
-            <a:ext cx="2057400" cy="365125"/>
-          </a:xfrm>
-        </p:spPr>
-        <p:txBody>
-          <a:bodyPr/>
-          <a:lstStyle>
-            <a:lvl1pPr>
-              <a:defRPr>
-                <a:solidFill>
-                  <a:schemeClr val="bg1">
-                    <a:lumMod val="75000"/>
-                    <a:lumOff val="25000"/>
-                  </a:schemeClr>
-                </a:solidFill>
-              </a:defRPr>
-            </a:lvl1pPr>
-          </a:lstStyle>
-          <a:p>
-            <a:pPr algn="l"/>
-            <a:r>
-              <a:rPr lang="en-NZ"/>
-              <a:t>Page </a:t>
-            </a:r>
-            <a:fld id="{F29C7AEF-255B-4C1D-B0BE-CB256ECA03A2}" type="slidenum">
-              <a:rPr lang="en-NZ" smtClean="0"/>
-              <a:pPr algn="l"/>
-              <a:t>‹#›</a:t>
-            </a:fld>
-            <a:endParaRPr lang="en-NZ" dirty="0"/>
-          </a:p>
-        </p:txBody>
-      </p:sp>
-      <p:sp>
-        <p:nvSpPr>
-          <p:cNvPr id="3" name="Text Placeholder 2"/>
-          <p:cNvSpPr>
-            <a:spLocks noGrp="1"/>
-          </p:cNvSpPr>
-          <p:nvPr>
-            <p:ph type="body" sz="quarter" idx="13"/>
-          </p:nvPr>
-        </p:nvSpPr>
-        <p:spPr>
-          <a:xfrm>
-            <a:off x="628650" y="1400175"/>
-            <a:ext cx="7886700" cy="4595813"/>
-          </a:xfrm>
-        </p:spPr>
-        <p:txBody>
-          <a:bodyPr/>
-          <a:lstStyle>
-            <a:lvl1pPr>
-              <a:defRPr sz="1600">
-                <a:solidFill>
-                  <a:schemeClr val="bg1">
-                    <a:lumMod val="75000"/>
-                    <a:lumOff val="25000"/>
-                  </a:schemeClr>
-                </a:solidFill>
-              </a:defRPr>
-            </a:lvl1pPr>
-            <a:lvl2pPr marL="342900" indent="0">
-              <a:buNone/>
-              <a:defRPr>
-                <a:solidFill>
-                  <a:schemeClr val="bg1">
-                    <a:lumMod val="75000"/>
-                    <a:lumOff val="25000"/>
-                  </a:schemeClr>
-                </a:solidFill>
-              </a:defRPr>
-            </a:lvl2pPr>
-            <a:lvl3pPr>
-              <a:defRPr>
-                <a:solidFill>
-                  <a:schemeClr val="bg1">
-                    <a:lumMod val="75000"/>
-                    <a:lumOff val="25000"/>
-                  </a:schemeClr>
-                </a:solidFill>
-              </a:defRPr>
-            </a:lvl3pPr>
-            <a:lvl4pPr>
-              <a:defRPr>
-                <a:solidFill>
-                  <a:schemeClr val="bg1">
-                    <a:lumMod val="75000"/>
-                    <a:lumOff val="25000"/>
-                  </a:schemeClr>
-                </a:solidFill>
-              </a:defRPr>
-            </a:lvl4pPr>
-            <a:lvl5pPr>
-              <a:defRPr>
-                <a:solidFill>
-                  <a:schemeClr val="bg1">
-                    <a:lumMod val="75000"/>
-                    <a:lumOff val="25000"/>
-                  </a:schemeClr>
-                </a:solidFill>
-              </a:defRPr>
-            </a:lvl5pPr>
-          </a:lstStyle>
-          <a:p>
-            <a:pPr lvl="0"/>
-            <a:r>
-              <a:rPr lang="en-US" dirty="0"/>
-              <a:t>Edit Master text styles</a:t>
-            </a:r>
-          </a:p>
-        </p:txBody>
-      </p:sp>
-      <p:sp>
-        <p:nvSpPr>
-          <p:cNvPr id="11" name="Footer Placeholder 4">
-            <a:extLst>
-              <a:ext uri="{FF2B5EF4-FFF2-40B4-BE49-F238E27FC236}">
-                <a16:creationId xmlns:a16="http://schemas.microsoft.com/office/drawing/2014/main" id="{0D753BB9-AEF3-4E70-B177-82C5CBBFAB42}"/>
-              </a:ext>
-            </a:extLst>
-          </p:cNvPr>
-          <p:cNvSpPr>
-            <a:spLocks noGrp="1"/>
-          </p:cNvSpPr>
-          <p:nvPr>
-            <p:ph type="ftr" sz="quarter" idx="3"/>
-          </p:nvPr>
-        </p:nvSpPr>
-        <p:spPr>
-          <a:xfrm>
-            <a:off x="2023116" y="6288112"/>
-            <a:ext cx="3086100" cy="365125"/>
-          </a:xfrm>
-          <a:prstGeom prst="rect">
-            <a:avLst/>
-          </a:prstGeom>
-        </p:spPr>
-        <p:txBody>
-          <a:bodyPr vert="horz" lIns="91440" tIns="45720" rIns="91440" bIns="45720" rtlCol="0" anchor="ctr"/>
-          <a:lstStyle>
-            <a:lvl1pPr algn="ctr">
-              <a:defRPr sz="900">
-                <a:solidFill>
-                  <a:schemeClr val="bg1">
-                    <a:lumMod val="50000"/>
-                    <a:lumOff val="50000"/>
-                  </a:schemeClr>
-                </a:solidFill>
-              </a:defRPr>
-            </a:lvl1pPr>
-          </a:lstStyle>
-          <a:p>
-            <a:endParaRPr lang="en-NZ" dirty="0"/>
-          </a:p>
-        </p:txBody>
-      </p:sp>
-    </p:spTree>
-    <p:extLst>
-      <p:ext uri="{BB962C8B-B14F-4D97-AF65-F5344CB8AC3E}">
-        <p14:creationId xmlns:p14="http://schemas.microsoft.com/office/powerpoint/2010/main" val="2857854869"/>
       </p:ext>
     </p:extLst>
   </p:cSld>
@@ -7660,7 +8513,7 @@
           <a:p>
             <a:fld id="{4010FC87-8C3C-489B-8CDA-82DCF3C54878}" type="datetime1">
               <a:rPr lang="en-NZ" smtClean="0"/>
-              <a:t>24/10/2017</a:t>
+              <a:t>27/02/2018</a:t>
             </a:fld>
             <a:endParaRPr lang="en-NZ"/>
           </a:p>
@@ -7757,19 +8610,20 @@
     <p:sldLayoutId id="2147483675" r:id="rId2"/>
     <p:sldLayoutId id="2147483661" r:id="rId3"/>
     <p:sldLayoutId id="2147483676" r:id="rId4"/>
-    <p:sldLayoutId id="2147483678" r:id="rId5"/>
-    <p:sldLayoutId id="2147483687" r:id="rId6"/>
-    <p:sldLayoutId id="2147483679" r:id="rId7"/>
-    <p:sldLayoutId id="2147483677" r:id="rId8"/>
-    <p:sldLayoutId id="2147483680" r:id="rId9"/>
-    <p:sldLayoutId id="2147483681" r:id="rId10"/>
-    <p:sldLayoutId id="2147483682" r:id="rId11"/>
-    <p:sldLayoutId id="2147483683" r:id="rId12"/>
-    <p:sldLayoutId id="2147483684" r:id="rId13"/>
-    <p:sldLayoutId id="2147483685" r:id="rId14"/>
-    <p:sldLayoutId id="2147483689" r:id="rId15"/>
-    <p:sldLayoutId id="2147483688" r:id="rId16"/>
-    <p:sldLayoutId id="2147483686" r:id="rId17"/>
+    <p:sldLayoutId id="2147483690" r:id="rId5"/>
+    <p:sldLayoutId id="2147483678" r:id="rId6"/>
+    <p:sldLayoutId id="2147483687" r:id="rId7"/>
+    <p:sldLayoutId id="2147483679" r:id="rId8"/>
+    <p:sldLayoutId id="2147483677" r:id="rId9"/>
+    <p:sldLayoutId id="2147483680" r:id="rId10"/>
+    <p:sldLayoutId id="2147483681" r:id="rId11"/>
+    <p:sldLayoutId id="2147483682" r:id="rId12"/>
+    <p:sldLayoutId id="2147483683" r:id="rId13"/>
+    <p:sldLayoutId id="2147483684" r:id="rId14"/>
+    <p:sldLayoutId id="2147483685" r:id="rId15"/>
+    <p:sldLayoutId id="2147483689" r:id="rId16"/>
+    <p:sldLayoutId id="2147483688" r:id="rId17"/>
+    <p:sldLayoutId id="2147483686" r:id="rId18"/>
   </p:sldLayoutIdLst>
   <p:hf hdr="0" ftr="0" dt="0"/>
   <p:txStyles>

--- a/inst/extdata/mvl_template.pptx
+++ b/inst/extdata/mvl_template.pptx
@@ -200,7 +200,7 @@
           <a:p>
             <a:fld id="{ED21EB8E-AD8C-457E-B271-4F818F87DEF3}" type="datetimeFigureOut">
               <a:rPr lang="en-NZ" smtClean="0"/>
-              <a:t>3/05/2018</a:t>
+              <a:t>6/06/2018</a:t>
             </a:fld>
             <a:endParaRPr lang="en-NZ"/>
           </a:p>
@@ -365,7 +365,7 @@
           <a:p>
             <a:fld id="{A45AD26A-F7A8-43D3-B537-31831A3052F2}" type="datetimeFigureOut">
               <a:rPr lang="en-NZ" smtClean="0"/>
-              <a:t>3/05/2018</a:t>
+              <a:t>6/06/2018</a:t>
             </a:fld>
             <a:endParaRPr lang="en-NZ"/>
           </a:p>
@@ -829,6 +829,588 @@
 
 <file path=ppt/slideLayouts/slideLayout10.xml><?xml version="1.0" encoding="utf-8"?>
 <p:sldLayout xmlns:a="http://schemas.openxmlformats.org/drawingml/2006/main" xmlns:r="http://schemas.openxmlformats.org/officeDocument/2006/relationships" xmlns:p="http://schemas.openxmlformats.org/presentationml/2006/main" preserve="1">
+  <p:cSld name="Definitions 2">
+    <p:bg>
+      <p:bgPr>
+        <a:blipFill dpi="0" rotWithShape="1">
+          <a:blip r:embed="rId2">
+            <a:lum/>
+          </a:blip>
+          <a:srcRect/>
+          <a:stretch>
+            <a:fillRect/>
+          </a:stretch>
+        </a:blipFill>
+        <a:effectLst/>
+      </p:bgPr>
+    </p:bg>
+    <p:spTree>
+      <p:nvGrpSpPr>
+        <p:cNvPr id="1" name=""/>
+        <p:cNvGrpSpPr/>
+        <p:nvPr/>
+      </p:nvGrpSpPr>
+      <p:grpSpPr>
+        <a:xfrm>
+          <a:off x="0" y="0"/>
+          <a:ext cx="0" cy="0"/>
+          <a:chOff x="0" y="0"/>
+          <a:chExt cx="0" cy="0"/>
+        </a:xfrm>
+      </p:grpSpPr>
+      <p:sp>
+        <p:nvSpPr>
+          <p:cNvPr id="3" name="Text Placeholder 2"/>
+          <p:cNvSpPr>
+            <a:spLocks noGrp="1"/>
+          </p:cNvSpPr>
+          <p:nvPr>
+            <p:ph type="body" sz="quarter" idx="13"/>
+          </p:nvPr>
+        </p:nvSpPr>
+        <p:spPr>
+          <a:xfrm>
+            <a:off x="716692" y="1400299"/>
+            <a:ext cx="7791450" cy="4141787"/>
+          </a:xfrm>
+        </p:spPr>
+        <p:txBody>
+          <a:bodyPr/>
+          <a:lstStyle>
+            <a:lvl1pPr>
+              <a:defRPr sz="1200">
+                <a:solidFill>
+                  <a:schemeClr val="bg1"/>
+                </a:solidFill>
+              </a:defRPr>
+            </a:lvl1pPr>
+            <a:lvl2pPr>
+              <a:defRPr sz="1100">
+                <a:solidFill>
+                  <a:schemeClr val="bg1"/>
+                </a:solidFill>
+              </a:defRPr>
+            </a:lvl2pPr>
+            <a:lvl3pPr>
+              <a:defRPr>
+                <a:solidFill>
+                  <a:schemeClr val="bg1">
+                    <a:lumMod val="75000"/>
+                    <a:lumOff val="25000"/>
+                  </a:schemeClr>
+                </a:solidFill>
+              </a:defRPr>
+            </a:lvl3pPr>
+            <a:lvl4pPr>
+              <a:defRPr>
+                <a:solidFill>
+                  <a:schemeClr val="bg1">
+                    <a:lumMod val="75000"/>
+                    <a:lumOff val="25000"/>
+                  </a:schemeClr>
+                </a:solidFill>
+              </a:defRPr>
+            </a:lvl4pPr>
+            <a:lvl5pPr>
+              <a:defRPr>
+                <a:solidFill>
+                  <a:schemeClr val="bg1">
+                    <a:lumMod val="75000"/>
+                    <a:lumOff val="25000"/>
+                  </a:schemeClr>
+                </a:solidFill>
+              </a:defRPr>
+            </a:lvl5pPr>
+          </a:lstStyle>
+          <a:p>
+            <a:pPr lvl="0"/>
+            <a:r>
+              <a:rPr lang="en-US" dirty="0"/>
+              <a:t>Click to edit Master text styles</a:t>
+            </a:r>
+          </a:p>
+          <a:p>
+            <a:pPr lvl="1"/>
+            <a:r>
+              <a:rPr lang="en-US" dirty="0"/>
+              <a:t>Second level</a:t>
+            </a:r>
+          </a:p>
+        </p:txBody>
+      </p:sp>
+      <p:cxnSp>
+        <p:nvCxnSpPr>
+          <p:cNvPr id="7" name="Straight Connector 6"/>
+          <p:cNvCxnSpPr/>
+          <p:nvPr/>
+        </p:nvCxnSpPr>
+        <p:spPr>
+          <a:xfrm>
+            <a:off x="716692" y="1128581"/>
+            <a:ext cx="7790420" cy="0"/>
+          </a:xfrm>
+          <a:prstGeom prst="line">
+            <a:avLst/>
+          </a:prstGeom>
+          <a:ln w="15875">
+            <a:solidFill>
+              <a:schemeClr val="bg1">
+                <a:lumMod val="65000"/>
+                <a:lumOff val="35000"/>
+              </a:schemeClr>
+            </a:solidFill>
+          </a:ln>
+        </p:spPr>
+        <p:style>
+          <a:lnRef idx="1">
+            <a:schemeClr val="accent1"/>
+          </a:lnRef>
+          <a:fillRef idx="0">
+            <a:schemeClr val="accent1"/>
+          </a:fillRef>
+          <a:effectRef idx="0">
+            <a:schemeClr val="accent1"/>
+          </a:effectRef>
+          <a:fontRef idx="minor">
+            <a:schemeClr val="tx1"/>
+          </a:fontRef>
+        </p:style>
+      </p:cxnSp>
+      <p:sp>
+        <p:nvSpPr>
+          <p:cNvPr id="8" name="Date Placeholder 2"/>
+          <p:cNvSpPr>
+            <a:spLocks noGrp="1"/>
+          </p:cNvSpPr>
+          <p:nvPr>
+            <p:ph type="dt" sz="half" idx="10"/>
+          </p:nvPr>
+        </p:nvSpPr>
+        <p:spPr>
+          <a:xfrm>
+            <a:off x="4763334" y="6303952"/>
+            <a:ext cx="2057400" cy="365125"/>
+          </a:xfrm>
+        </p:spPr>
+        <p:txBody>
+          <a:bodyPr/>
+          <a:lstStyle>
+            <a:lvl1pPr algn="r">
+              <a:defRPr>
+                <a:solidFill>
+                  <a:schemeClr val="bg1">
+                    <a:lumMod val="75000"/>
+                    <a:lumOff val="25000"/>
+                  </a:schemeClr>
+                </a:solidFill>
+              </a:defRPr>
+            </a:lvl1pPr>
+          </a:lstStyle>
+          <a:p>
+            <a:fld id="{5726B5F7-168C-4703-83FF-400E9A7043AE}" type="datetime1">
+              <a:rPr lang="en-NZ" smtClean="0"/>
+              <a:t>6/06/2018</a:t>
+            </a:fld>
+            <a:endParaRPr lang="en-NZ" dirty="0"/>
+          </a:p>
+        </p:txBody>
+      </p:sp>
+      <p:sp>
+        <p:nvSpPr>
+          <p:cNvPr id="9" name="Slide Number Placeholder 4"/>
+          <p:cNvSpPr>
+            <a:spLocks noGrp="1"/>
+          </p:cNvSpPr>
+          <p:nvPr>
+            <p:ph type="sldNum" sz="quarter" idx="12"/>
+          </p:nvPr>
+        </p:nvSpPr>
+        <p:spPr>
+          <a:xfrm>
+            <a:off x="311598" y="6300694"/>
+            <a:ext cx="2057400" cy="365125"/>
+          </a:xfrm>
+        </p:spPr>
+        <p:txBody>
+          <a:bodyPr/>
+          <a:lstStyle>
+            <a:lvl1pPr>
+              <a:defRPr>
+                <a:solidFill>
+                  <a:schemeClr val="bg1">
+                    <a:lumMod val="75000"/>
+                    <a:lumOff val="25000"/>
+                  </a:schemeClr>
+                </a:solidFill>
+              </a:defRPr>
+            </a:lvl1pPr>
+          </a:lstStyle>
+          <a:p>
+            <a:pPr algn="l"/>
+            <a:r>
+              <a:rPr lang="en-NZ"/>
+              <a:t>Page </a:t>
+            </a:r>
+            <a:fld id="{F29C7AEF-255B-4C1D-B0BE-CB256ECA03A2}" type="slidenum">
+              <a:rPr lang="en-NZ" smtClean="0"/>
+              <a:pPr algn="l"/>
+              <a:t>‹#›</a:t>
+            </a:fld>
+            <a:endParaRPr lang="en-NZ" dirty="0"/>
+          </a:p>
+        </p:txBody>
+      </p:sp>
+      <p:sp>
+        <p:nvSpPr>
+          <p:cNvPr id="12" name="TextBox 11"/>
+          <p:cNvSpPr txBox="1"/>
+          <p:nvPr/>
+        </p:nvSpPr>
+        <p:spPr>
+          <a:xfrm>
+            <a:off x="676790" y="216000"/>
+            <a:ext cx="7830322" cy="843471"/>
+          </a:xfrm>
+          <a:prstGeom prst="rect">
+            <a:avLst/>
+          </a:prstGeom>
+          <a:noFill/>
+        </p:spPr>
+        <p:txBody>
+          <a:bodyPr wrap="square" rtlCol="0" anchor="ctr">
+            <a:normAutofit/>
+          </a:bodyPr>
+          <a:lstStyle/>
+          <a:p>
+            <a:r>
+              <a:rPr lang="en-NZ" sz="2800" b="1" dirty="0">
+                <a:solidFill>
+                  <a:schemeClr val="bg1"/>
+                </a:solidFill>
+              </a:rPr>
+              <a:t>Input Data &amp; Definitions</a:t>
+            </a:r>
+          </a:p>
+        </p:txBody>
+      </p:sp>
+      <p:cxnSp>
+        <p:nvCxnSpPr>
+          <p:cNvPr id="10" name="Straight Connector 9"/>
+          <p:cNvCxnSpPr/>
+          <p:nvPr userDrawn="1"/>
+        </p:nvCxnSpPr>
+        <p:spPr>
+          <a:xfrm>
+            <a:off x="676790" y="1128581"/>
+            <a:ext cx="7790420" cy="0"/>
+          </a:xfrm>
+          <a:prstGeom prst="line">
+            <a:avLst/>
+          </a:prstGeom>
+          <a:ln w="15875">
+            <a:solidFill>
+              <a:schemeClr val="bg1"/>
+            </a:solidFill>
+          </a:ln>
+        </p:spPr>
+        <p:style>
+          <a:lnRef idx="1">
+            <a:schemeClr val="accent1"/>
+          </a:lnRef>
+          <a:fillRef idx="0">
+            <a:schemeClr val="accent1"/>
+          </a:fillRef>
+          <a:effectRef idx="0">
+            <a:schemeClr val="accent1"/>
+          </a:effectRef>
+          <a:fontRef idx="minor">
+            <a:schemeClr val="tx1"/>
+          </a:fontRef>
+        </p:style>
+      </p:cxnSp>
+    </p:spTree>
+    <p:extLst>
+      <p:ext uri="{BB962C8B-B14F-4D97-AF65-F5344CB8AC3E}">
+        <p14:creationId xmlns:p14="http://schemas.microsoft.com/office/powerpoint/2010/main" val="494561859"/>
+      </p:ext>
+    </p:extLst>
+  </p:cSld>
+  <p:clrMapOvr>
+    <a:masterClrMapping/>
+  </p:clrMapOvr>
+</p:sldLayout>
+</file>
+
+<file path=ppt/slideLayouts/slideLayout11.xml><?xml version="1.0" encoding="utf-8"?>
+<p:sldLayout xmlns:a="http://schemas.openxmlformats.org/drawingml/2006/main" xmlns:r="http://schemas.openxmlformats.org/officeDocument/2006/relationships" xmlns:p="http://schemas.openxmlformats.org/presentationml/2006/main" preserve="1">
+  <p:cSld name="Picture">
+    <p:bg>
+      <p:bgPr>
+        <a:blipFill dpi="0" rotWithShape="1">
+          <a:blip r:embed="rId2">
+            <a:lum/>
+          </a:blip>
+          <a:srcRect/>
+          <a:stretch>
+            <a:fillRect/>
+          </a:stretch>
+        </a:blipFill>
+        <a:effectLst/>
+      </p:bgPr>
+    </p:bg>
+    <p:spTree>
+      <p:nvGrpSpPr>
+        <p:cNvPr id="1" name=""/>
+        <p:cNvGrpSpPr/>
+        <p:nvPr/>
+      </p:nvGrpSpPr>
+      <p:grpSpPr>
+        <a:xfrm>
+          <a:off x="0" y="0"/>
+          <a:ext cx="0" cy="0"/>
+          <a:chOff x="0" y="0"/>
+          <a:chExt cx="0" cy="0"/>
+        </a:xfrm>
+      </p:grpSpPr>
+      <p:sp>
+        <p:nvSpPr>
+          <p:cNvPr id="10" name="Title 9"/>
+          <p:cNvSpPr>
+            <a:spLocks noGrp="1"/>
+          </p:cNvSpPr>
+          <p:nvPr>
+            <p:ph type="title"/>
+          </p:nvPr>
+        </p:nvSpPr>
+        <p:spPr>
+          <a:xfrm>
+            <a:off x="676790" y="216000"/>
+            <a:ext cx="7838560" cy="900000"/>
+          </a:xfrm>
+          <a:prstGeom prst="rect">
+            <a:avLst/>
+          </a:prstGeom>
+        </p:spPr>
+        <p:txBody>
+          <a:bodyPr anchor="ctr"/>
+          <a:lstStyle>
+            <a:lvl1pPr>
+              <a:defRPr b="1">
+                <a:solidFill>
+                  <a:schemeClr val="bg1"/>
+                </a:solidFill>
+              </a:defRPr>
+            </a:lvl1pPr>
+          </a:lstStyle>
+          <a:p>
+            <a:r>
+              <a:rPr lang="en-US" dirty="0"/>
+              <a:t>Click to edit Master title style</a:t>
+            </a:r>
+            <a:endParaRPr lang="en-NZ" dirty="0"/>
+          </a:p>
+        </p:txBody>
+      </p:sp>
+      <p:cxnSp>
+        <p:nvCxnSpPr>
+          <p:cNvPr id="7" name="Straight Connector 6"/>
+          <p:cNvCxnSpPr/>
+          <p:nvPr/>
+        </p:nvCxnSpPr>
+        <p:spPr>
+          <a:xfrm>
+            <a:off x="716692" y="1128581"/>
+            <a:ext cx="7790420" cy="0"/>
+          </a:xfrm>
+          <a:prstGeom prst="line">
+            <a:avLst/>
+          </a:prstGeom>
+          <a:ln w="15875">
+            <a:solidFill>
+              <a:schemeClr val="bg1">
+                <a:lumMod val="75000"/>
+                <a:lumOff val="25000"/>
+              </a:schemeClr>
+            </a:solidFill>
+          </a:ln>
+        </p:spPr>
+        <p:style>
+          <a:lnRef idx="1">
+            <a:schemeClr val="accent1"/>
+          </a:lnRef>
+          <a:fillRef idx="0">
+            <a:schemeClr val="accent1"/>
+          </a:fillRef>
+          <a:effectRef idx="0">
+            <a:schemeClr val="accent1"/>
+          </a:effectRef>
+          <a:fontRef idx="minor">
+            <a:schemeClr val="tx1"/>
+          </a:fontRef>
+        </p:style>
+      </p:cxnSp>
+      <p:sp>
+        <p:nvSpPr>
+          <p:cNvPr id="6" name="Picture Placeholder 5"/>
+          <p:cNvSpPr>
+            <a:spLocks noGrp="1"/>
+          </p:cNvSpPr>
+          <p:nvPr>
+            <p:ph type="pic" sz="quarter" idx="13"/>
+          </p:nvPr>
+        </p:nvSpPr>
+        <p:spPr>
+          <a:xfrm>
+            <a:off x="676790" y="1338943"/>
+            <a:ext cx="7838560" cy="4674679"/>
+          </a:xfrm>
+        </p:spPr>
+        <p:txBody>
+          <a:bodyPr/>
+          <a:lstStyle/>
+          <a:p>
+            <a:r>
+              <a:rPr lang="en-US" dirty="0"/>
+              <a:t>Click icon to add picture</a:t>
+            </a:r>
+            <a:endParaRPr lang="en-NZ" dirty="0"/>
+          </a:p>
+        </p:txBody>
+      </p:sp>
+      <p:sp>
+        <p:nvSpPr>
+          <p:cNvPr id="12" name="Date Placeholder 2"/>
+          <p:cNvSpPr>
+            <a:spLocks noGrp="1"/>
+          </p:cNvSpPr>
+          <p:nvPr>
+            <p:ph type="dt" sz="half" idx="10"/>
+          </p:nvPr>
+        </p:nvSpPr>
+        <p:spPr>
+          <a:xfrm>
+            <a:off x="4763334" y="6303952"/>
+            <a:ext cx="2057400" cy="365125"/>
+          </a:xfrm>
+        </p:spPr>
+        <p:txBody>
+          <a:bodyPr/>
+          <a:lstStyle>
+            <a:lvl1pPr algn="r">
+              <a:defRPr>
+                <a:solidFill>
+                  <a:schemeClr val="bg1">
+                    <a:lumMod val="75000"/>
+                    <a:lumOff val="25000"/>
+                  </a:schemeClr>
+                </a:solidFill>
+              </a:defRPr>
+            </a:lvl1pPr>
+          </a:lstStyle>
+          <a:p>
+            <a:fld id="{3EFE64E4-9D8C-4E59-8AA4-818D3B9F2760}" type="datetime1">
+              <a:rPr lang="en-NZ" smtClean="0"/>
+              <a:t>6/06/2018</a:t>
+            </a:fld>
+            <a:endParaRPr lang="en-NZ" dirty="0"/>
+          </a:p>
+        </p:txBody>
+      </p:sp>
+      <p:sp>
+        <p:nvSpPr>
+          <p:cNvPr id="13" name="Slide Number Placeholder 4"/>
+          <p:cNvSpPr>
+            <a:spLocks noGrp="1"/>
+          </p:cNvSpPr>
+          <p:nvPr>
+            <p:ph type="sldNum" sz="quarter" idx="12"/>
+          </p:nvPr>
+        </p:nvSpPr>
+        <p:spPr>
+          <a:xfrm>
+            <a:off x="311598" y="6300694"/>
+            <a:ext cx="2057400" cy="365125"/>
+          </a:xfrm>
+        </p:spPr>
+        <p:txBody>
+          <a:bodyPr/>
+          <a:lstStyle>
+            <a:lvl1pPr>
+              <a:defRPr>
+                <a:solidFill>
+                  <a:schemeClr val="bg1">
+                    <a:lumMod val="75000"/>
+                    <a:lumOff val="25000"/>
+                  </a:schemeClr>
+                </a:solidFill>
+              </a:defRPr>
+            </a:lvl1pPr>
+          </a:lstStyle>
+          <a:p>
+            <a:pPr algn="l"/>
+            <a:r>
+              <a:rPr lang="en-NZ"/>
+              <a:t>Page </a:t>
+            </a:r>
+            <a:fld id="{F29C7AEF-255B-4C1D-B0BE-CB256ECA03A2}" type="slidenum">
+              <a:rPr lang="en-NZ" smtClean="0"/>
+              <a:pPr algn="l"/>
+              <a:t>‹#›</a:t>
+            </a:fld>
+            <a:endParaRPr lang="en-NZ" dirty="0"/>
+          </a:p>
+        </p:txBody>
+      </p:sp>
+      <p:cxnSp>
+        <p:nvCxnSpPr>
+          <p:cNvPr id="8" name="Straight Connector 7"/>
+          <p:cNvCxnSpPr/>
+          <p:nvPr userDrawn="1"/>
+        </p:nvCxnSpPr>
+        <p:spPr>
+          <a:xfrm>
+            <a:off x="676790" y="1128581"/>
+            <a:ext cx="7790420" cy="0"/>
+          </a:xfrm>
+          <a:prstGeom prst="line">
+            <a:avLst/>
+          </a:prstGeom>
+          <a:ln w="15875">
+            <a:solidFill>
+              <a:schemeClr val="bg1"/>
+            </a:solidFill>
+          </a:ln>
+        </p:spPr>
+        <p:style>
+          <a:lnRef idx="1">
+            <a:schemeClr val="accent1"/>
+          </a:lnRef>
+          <a:fillRef idx="0">
+            <a:schemeClr val="accent1"/>
+          </a:fillRef>
+          <a:effectRef idx="0">
+            <a:schemeClr val="accent1"/>
+          </a:effectRef>
+          <a:fontRef idx="minor">
+            <a:schemeClr val="tx1"/>
+          </a:fontRef>
+        </p:style>
+      </p:cxnSp>
+    </p:spTree>
+    <p:extLst>
+      <p:ext uri="{BB962C8B-B14F-4D97-AF65-F5344CB8AC3E}">
+        <p14:creationId xmlns:p14="http://schemas.microsoft.com/office/powerpoint/2010/main" val="3745926445"/>
+      </p:ext>
+    </p:extLst>
+  </p:cSld>
+  <p:clrMapOvr>
+    <a:masterClrMapping/>
+  </p:clrMapOvr>
+</p:sldLayout>
+</file>
+
+<file path=ppt/slideLayouts/slideLayout12.xml><?xml version="1.0" encoding="utf-8"?>
+<p:sldLayout xmlns:a="http://schemas.openxmlformats.org/drawingml/2006/main" xmlns:r="http://schemas.openxmlformats.org/officeDocument/2006/relationships" xmlns:p="http://schemas.openxmlformats.org/presentationml/2006/main" preserve="1">
   <p:cSld name="Image">
     <p:bg>
       <p:bgPr>
@@ -996,7 +1578,7 @@
           <a:p>
             <a:fld id="{3EFE64E4-9D8C-4E59-8AA4-818D3B9F2760}" type="datetime1">
               <a:rPr lang="en-NZ" smtClean="0"/>
-              <a:t>3/05/2018</a:t>
+              <a:t>6/06/2018</a:t>
             </a:fld>
             <a:endParaRPr lang="en-NZ" dirty="0"/>
           </a:p>
@@ -1085,7 +1667,7 @@
     </p:spTree>
     <p:extLst>
       <p:ext uri="{BB962C8B-B14F-4D97-AF65-F5344CB8AC3E}">
-        <p14:creationId xmlns:p14="http://schemas.microsoft.com/office/powerpoint/2010/main" val="3745926445"/>
+        <p14:creationId xmlns:p14="http://schemas.microsoft.com/office/powerpoint/2010/main" val="3086385013"/>
       </p:ext>
     </p:extLst>
   </p:cSld>
@@ -1095,7 +1677,398 @@
 </p:sldLayout>
 </file>
 
-<file path=ppt/slideLayouts/slideLayout11.xml><?xml version="1.0" encoding="utf-8"?>
+<file path=ppt/slideLayouts/slideLayout13.xml><?xml version="1.0" encoding="utf-8"?>
+<p:sldLayout xmlns:a="http://schemas.openxmlformats.org/drawingml/2006/main" xmlns:r="http://schemas.openxmlformats.org/officeDocument/2006/relationships" xmlns:p="http://schemas.openxmlformats.org/presentationml/2006/main" preserve="1">
+  <p:cSld name="Picture and Text">
+    <p:bg>
+      <p:bgPr>
+        <a:blipFill dpi="0" rotWithShape="1">
+          <a:blip r:embed="rId2">
+            <a:lum/>
+          </a:blip>
+          <a:srcRect/>
+          <a:stretch>
+            <a:fillRect/>
+          </a:stretch>
+        </a:blipFill>
+        <a:effectLst/>
+      </p:bgPr>
+    </p:bg>
+    <p:spTree>
+      <p:nvGrpSpPr>
+        <p:cNvPr id="1" name=""/>
+        <p:cNvGrpSpPr/>
+        <p:nvPr/>
+      </p:nvGrpSpPr>
+      <p:grpSpPr>
+        <a:xfrm>
+          <a:off x="0" y="0"/>
+          <a:ext cx="0" cy="0"/>
+          <a:chOff x="0" y="0"/>
+          <a:chExt cx="0" cy="0"/>
+        </a:xfrm>
+      </p:grpSpPr>
+      <p:sp>
+        <p:nvSpPr>
+          <p:cNvPr id="10" name="Title 9"/>
+          <p:cNvSpPr>
+            <a:spLocks noGrp="1"/>
+          </p:cNvSpPr>
+          <p:nvPr>
+            <p:ph type="title"/>
+          </p:nvPr>
+        </p:nvSpPr>
+        <p:spPr>
+          <a:xfrm>
+            <a:off x="676790" y="216000"/>
+            <a:ext cx="7830322" cy="900000"/>
+          </a:xfrm>
+          <a:prstGeom prst="rect">
+            <a:avLst/>
+          </a:prstGeom>
+        </p:spPr>
+        <p:txBody>
+          <a:bodyPr anchor="ctr"/>
+          <a:lstStyle>
+            <a:lvl1pPr>
+              <a:defRPr b="1">
+                <a:solidFill>
+                  <a:schemeClr val="bg1"/>
+                </a:solidFill>
+              </a:defRPr>
+            </a:lvl1pPr>
+          </a:lstStyle>
+          <a:p>
+            <a:r>
+              <a:rPr lang="en-US" dirty="0"/>
+              <a:t>Click to edit Master title style</a:t>
+            </a:r>
+            <a:endParaRPr lang="en-NZ" dirty="0"/>
+          </a:p>
+        </p:txBody>
+      </p:sp>
+      <p:sp>
+        <p:nvSpPr>
+          <p:cNvPr id="6" name="Picture Placeholder 5"/>
+          <p:cNvSpPr>
+            <a:spLocks noGrp="1"/>
+          </p:cNvSpPr>
+          <p:nvPr>
+            <p:ph type="pic" sz="quarter" idx="13"/>
+          </p:nvPr>
+        </p:nvSpPr>
+        <p:spPr>
+          <a:xfrm>
+            <a:off x="676790" y="1306287"/>
+            <a:ext cx="5683189" cy="4610215"/>
+          </a:xfrm>
+        </p:spPr>
+        <p:txBody>
+          <a:bodyPr/>
+          <a:lstStyle/>
+          <a:p>
+            <a:r>
+              <a:rPr lang="en-US"/>
+              <a:t>Click icon to add picture</a:t>
+            </a:r>
+            <a:endParaRPr lang="en-NZ"/>
+          </a:p>
+        </p:txBody>
+      </p:sp>
+      <p:sp>
+        <p:nvSpPr>
+          <p:cNvPr id="12" name="Date Placeholder 2"/>
+          <p:cNvSpPr>
+            <a:spLocks noGrp="1"/>
+          </p:cNvSpPr>
+          <p:nvPr>
+            <p:ph type="dt" sz="half" idx="10"/>
+          </p:nvPr>
+        </p:nvSpPr>
+        <p:spPr>
+          <a:xfrm>
+            <a:off x="4763334" y="6303952"/>
+            <a:ext cx="2057400" cy="365125"/>
+          </a:xfrm>
+        </p:spPr>
+        <p:txBody>
+          <a:bodyPr/>
+          <a:lstStyle>
+            <a:lvl1pPr algn="r">
+              <a:defRPr>
+                <a:solidFill>
+                  <a:schemeClr val="bg1">
+                    <a:lumMod val="75000"/>
+                    <a:lumOff val="25000"/>
+                  </a:schemeClr>
+                </a:solidFill>
+              </a:defRPr>
+            </a:lvl1pPr>
+          </a:lstStyle>
+          <a:p>
+            <a:fld id="{49A57571-56FA-4878-A73D-1667A155613B}" type="datetime1">
+              <a:rPr lang="en-NZ" smtClean="0"/>
+              <a:t>6/06/2018</a:t>
+            </a:fld>
+            <a:endParaRPr lang="en-NZ" dirty="0"/>
+          </a:p>
+        </p:txBody>
+      </p:sp>
+      <p:sp>
+        <p:nvSpPr>
+          <p:cNvPr id="13" name="Slide Number Placeholder 4"/>
+          <p:cNvSpPr>
+            <a:spLocks noGrp="1"/>
+          </p:cNvSpPr>
+          <p:nvPr>
+            <p:ph type="sldNum" sz="quarter" idx="12"/>
+          </p:nvPr>
+        </p:nvSpPr>
+        <p:spPr>
+          <a:xfrm>
+            <a:off x="311598" y="6300694"/>
+            <a:ext cx="2057400" cy="365125"/>
+          </a:xfrm>
+        </p:spPr>
+        <p:txBody>
+          <a:bodyPr/>
+          <a:lstStyle>
+            <a:lvl1pPr>
+              <a:defRPr>
+                <a:solidFill>
+                  <a:schemeClr val="bg1">
+                    <a:lumMod val="75000"/>
+                    <a:lumOff val="25000"/>
+                  </a:schemeClr>
+                </a:solidFill>
+              </a:defRPr>
+            </a:lvl1pPr>
+          </a:lstStyle>
+          <a:p>
+            <a:pPr algn="l"/>
+            <a:r>
+              <a:rPr lang="en-NZ"/>
+              <a:t>Page </a:t>
+            </a:r>
+            <a:fld id="{F29C7AEF-255B-4C1D-B0BE-CB256ECA03A2}" type="slidenum">
+              <a:rPr lang="en-NZ" smtClean="0"/>
+              <a:pPr algn="l"/>
+              <a:t>‹#›</a:t>
+            </a:fld>
+            <a:endParaRPr lang="en-NZ" dirty="0"/>
+          </a:p>
+        </p:txBody>
+      </p:sp>
+      <p:sp>
+        <p:nvSpPr>
+          <p:cNvPr id="3" name="Text Placeholder 2"/>
+          <p:cNvSpPr>
+            <a:spLocks noGrp="1"/>
+          </p:cNvSpPr>
+          <p:nvPr>
+            <p:ph type="body" sz="quarter" idx="14"/>
+          </p:nvPr>
+        </p:nvSpPr>
+        <p:spPr>
+          <a:xfrm>
+            <a:off x="6482443" y="1306287"/>
+            <a:ext cx="2024669" cy="4610216"/>
+          </a:xfrm>
+        </p:spPr>
+        <p:txBody>
+          <a:bodyPr anchor="ctr"/>
+          <a:lstStyle>
+            <a:lvl1pPr marL="171450" indent="-171450">
+              <a:buFont typeface="Arial" panose="020B0604020202020204" pitchFamily="34" charset="0"/>
+              <a:buChar char="•"/>
+              <a:defRPr sz="1200">
+                <a:solidFill>
+                  <a:schemeClr val="bg1"/>
+                </a:solidFill>
+              </a:defRPr>
+            </a:lvl1pPr>
+            <a:lvl2pPr>
+              <a:defRPr sz="1100">
+                <a:solidFill>
+                  <a:schemeClr val="bg1"/>
+                </a:solidFill>
+              </a:defRPr>
+            </a:lvl2pPr>
+            <a:lvl3pPr>
+              <a:defRPr>
+                <a:solidFill>
+                  <a:schemeClr val="bg1">
+                    <a:lumMod val="75000"/>
+                    <a:lumOff val="25000"/>
+                  </a:schemeClr>
+                </a:solidFill>
+              </a:defRPr>
+            </a:lvl3pPr>
+            <a:lvl4pPr>
+              <a:defRPr>
+                <a:solidFill>
+                  <a:schemeClr val="bg1">
+                    <a:lumMod val="75000"/>
+                    <a:lumOff val="25000"/>
+                  </a:schemeClr>
+                </a:solidFill>
+              </a:defRPr>
+            </a:lvl4pPr>
+            <a:lvl5pPr>
+              <a:defRPr>
+                <a:solidFill>
+                  <a:schemeClr val="bg1">
+                    <a:lumMod val="75000"/>
+                    <a:lumOff val="25000"/>
+                  </a:schemeClr>
+                </a:solidFill>
+              </a:defRPr>
+            </a:lvl5pPr>
+          </a:lstStyle>
+          <a:p>
+            <a:pPr lvl="0"/>
+            <a:r>
+              <a:rPr lang="en-US" dirty="0"/>
+              <a:t>Click to edit Master text styles</a:t>
+            </a:r>
+          </a:p>
+          <a:p>
+            <a:pPr lvl="1"/>
+            <a:r>
+              <a:rPr lang="en-US" dirty="0"/>
+              <a:t>Second level</a:t>
+            </a:r>
+          </a:p>
+        </p:txBody>
+      </p:sp>
+      <p:cxnSp>
+        <p:nvCxnSpPr>
+          <p:cNvPr id="11" name="Straight Connector 10"/>
+          <p:cNvCxnSpPr/>
+          <p:nvPr/>
+        </p:nvCxnSpPr>
+        <p:spPr>
+          <a:xfrm>
+            <a:off x="716692" y="1128581"/>
+            <a:ext cx="7790420" cy="0"/>
+          </a:xfrm>
+          <a:prstGeom prst="line">
+            <a:avLst/>
+          </a:prstGeom>
+          <a:ln w="15875">
+            <a:solidFill>
+              <a:schemeClr val="bg1">
+                <a:lumMod val="65000"/>
+                <a:lumOff val="35000"/>
+              </a:schemeClr>
+            </a:solidFill>
+          </a:ln>
+        </p:spPr>
+        <p:style>
+          <a:lnRef idx="1">
+            <a:schemeClr val="accent1"/>
+          </a:lnRef>
+          <a:fillRef idx="0">
+            <a:schemeClr val="accent1"/>
+          </a:fillRef>
+          <a:effectRef idx="0">
+            <a:schemeClr val="accent1"/>
+          </a:effectRef>
+          <a:fontRef idx="minor">
+            <a:schemeClr val="tx1"/>
+          </a:fontRef>
+        </p:style>
+      </p:cxnSp>
+      <p:cxnSp>
+        <p:nvCxnSpPr>
+          <p:cNvPr id="8" name="Straight Connector 7"/>
+          <p:cNvCxnSpPr/>
+          <p:nvPr userDrawn="1"/>
+        </p:nvCxnSpPr>
+        <p:spPr>
+          <a:xfrm>
+            <a:off x="676790" y="1128581"/>
+            <a:ext cx="7790420" cy="0"/>
+          </a:xfrm>
+          <a:prstGeom prst="line">
+            <a:avLst/>
+          </a:prstGeom>
+          <a:ln w="15875">
+            <a:solidFill>
+              <a:schemeClr val="bg1"/>
+            </a:solidFill>
+          </a:ln>
+        </p:spPr>
+        <p:style>
+          <a:lnRef idx="1">
+            <a:schemeClr val="accent1"/>
+          </a:lnRef>
+          <a:fillRef idx="0">
+            <a:schemeClr val="accent1"/>
+          </a:fillRef>
+          <a:effectRef idx="0">
+            <a:schemeClr val="accent1"/>
+          </a:effectRef>
+          <a:fontRef idx="minor">
+            <a:schemeClr val="tx1"/>
+          </a:fontRef>
+        </p:style>
+      </p:cxnSp>
+      <p:sp>
+        <p:nvSpPr>
+          <p:cNvPr id="9" name="Footer Placeholder 4">
+            <a:extLst>
+              <a:ext uri="{FF2B5EF4-FFF2-40B4-BE49-F238E27FC236}">
+                <a16:creationId xmlns:a16="http://schemas.microsoft.com/office/drawing/2014/main" id="{7796D10D-8415-4573-90AE-EBB768A40C13}"/>
+              </a:ext>
+            </a:extLst>
+          </p:cNvPr>
+          <p:cNvSpPr>
+            <a:spLocks noGrp="1"/>
+          </p:cNvSpPr>
+          <p:nvPr>
+            <p:ph type="ftr" sz="quarter" idx="3"/>
+          </p:nvPr>
+        </p:nvSpPr>
+        <p:spPr>
+          <a:xfrm>
+            <a:off x="2368998" y="6300693"/>
+            <a:ext cx="3086100" cy="365125"/>
+          </a:xfrm>
+          <a:prstGeom prst="rect">
+            <a:avLst/>
+          </a:prstGeom>
+        </p:spPr>
+        <p:txBody>
+          <a:bodyPr vert="horz" lIns="91440" tIns="45720" rIns="91440" bIns="45720" rtlCol="0" anchor="ctr"/>
+          <a:lstStyle>
+            <a:lvl1pPr algn="ctr">
+              <a:defRPr sz="900">
+                <a:solidFill>
+                  <a:schemeClr val="bg2"/>
+                </a:solidFill>
+              </a:defRPr>
+            </a:lvl1pPr>
+          </a:lstStyle>
+          <a:p>
+            <a:endParaRPr lang="en-NZ" dirty="0"/>
+          </a:p>
+        </p:txBody>
+      </p:sp>
+    </p:spTree>
+    <p:extLst>
+      <p:ext uri="{BB962C8B-B14F-4D97-AF65-F5344CB8AC3E}">
+        <p14:creationId xmlns:p14="http://schemas.microsoft.com/office/powerpoint/2010/main" val="420839576"/>
+      </p:ext>
+    </p:extLst>
+  </p:cSld>
+  <p:clrMapOvr>
+    <a:masterClrMapping/>
+  </p:clrMapOvr>
+</p:sldLayout>
+</file>
+
+<file path=ppt/slideLayouts/slideLayout14.xml><?xml version="1.0" encoding="utf-8"?>
 <p:sldLayout xmlns:a="http://schemas.openxmlformats.org/drawingml/2006/main" xmlns:r="http://schemas.openxmlformats.org/officeDocument/2006/relationships" xmlns:p="http://schemas.openxmlformats.org/presentationml/2006/main" preserve="1">
   <p:cSld name="Image and Text">
     <p:bg>
@@ -1226,7 +2199,7 @@
           <a:p>
             <a:fld id="{49A57571-56FA-4878-A73D-1667A155613B}" type="datetime1">
               <a:rPr lang="en-NZ" smtClean="0"/>
-              <a:t>3/05/2018</a:t>
+              <a:t>6/06/2018</a:t>
             </a:fld>
             <a:endParaRPr lang="en-NZ" dirty="0"/>
           </a:p>
@@ -1476,7 +2449,7 @@
     </p:spTree>
     <p:extLst>
       <p:ext uri="{BB962C8B-B14F-4D97-AF65-F5344CB8AC3E}">
-        <p14:creationId xmlns:p14="http://schemas.microsoft.com/office/powerpoint/2010/main" val="420839576"/>
+        <p14:creationId xmlns:p14="http://schemas.microsoft.com/office/powerpoint/2010/main" val="1662445330"/>
       </p:ext>
     </p:extLst>
   </p:cSld>
@@ -1486,7 +2459,7 @@
 </p:sldLayout>
 </file>
 
-<file path=ppt/slideLayouts/slideLayout12.xml><?xml version="1.0" encoding="utf-8"?>
+<file path=ppt/slideLayouts/slideLayout15.xml><?xml version="1.0" encoding="utf-8"?>
 <p:sldLayout xmlns:a="http://schemas.openxmlformats.org/drawingml/2006/main" xmlns:r="http://schemas.openxmlformats.org/officeDocument/2006/relationships" xmlns:p="http://schemas.openxmlformats.org/presentationml/2006/main" preserve="1">
   <p:cSld name="Wide Picture">
     <p:bg>
@@ -1617,7 +2590,7 @@
           <a:p>
             <a:fld id="{C1466F2A-31D5-469C-869E-5B387E7F19F1}" type="datetime1">
               <a:rPr lang="en-NZ" smtClean="0"/>
-              <a:t>3/05/2018</a:t>
+              <a:t>6/06/2018</a:t>
             </a:fld>
             <a:endParaRPr lang="en-NZ" dirty="0"/>
           </a:p>
@@ -1875,7 +2848,436 @@
 </p:sldLayout>
 </file>
 
-<file path=ppt/slideLayouts/slideLayout13.xml><?xml version="1.0" encoding="utf-8"?>
+<file path=ppt/slideLayouts/slideLayout16.xml><?xml version="1.0" encoding="utf-8"?>
+<p:sldLayout xmlns:a="http://schemas.openxmlformats.org/drawingml/2006/main" xmlns:r="http://schemas.openxmlformats.org/officeDocument/2006/relationships" xmlns:p="http://schemas.openxmlformats.org/presentationml/2006/main" preserve="1" userDrawn="1">
+  <p:cSld name="Two Pictures">
+    <p:bg>
+      <p:bgPr>
+        <a:blipFill dpi="0" rotWithShape="1">
+          <a:blip r:embed="rId2">
+            <a:lum/>
+          </a:blip>
+          <a:srcRect/>
+          <a:stretch>
+            <a:fillRect/>
+          </a:stretch>
+        </a:blipFill>
+        <a:effectLst/>
+      </p:bgPr>
+    </p:bg>
+    <p:spTree>
+      <p:nvGrpSpPr>
+        <p:cNvPr id="1" name=""/>
+        <p:cNvGrpSpPr/>
+        <p:nvPr/>
+      </p:nvGrpSpPr>
+      <p:grpSpPr>
+        <a:xfrm>
+          <a:off x="0" y="0"/>
+          <a:ext cx="0" cy="0"/>
+          <a:chOff x="0" y="0"/>
+          <a:chExt cx="0" cy="0"/>
+        </a:xfrm>
+      </p:grpSpPr>
+      <p:sp>
+        <p:nvSpPr>
+          <p:cNvPr id="10" name="Title 9"/>
+          <p:cNvSpPr>
+            <a:spLocks noGrp="1"/>
+          </p:cNvSpPr>
+          <p:nvPr>
+            <p:ph type="title"/>
+          </p:nvPr>
+        </p:nvSpPr>
+        <p:spPr>
+          <a:xfrm>
+            <a:off x="676790" y="216000"/>
+            <a:ext cx="7838560" cy="900000"/>
+          </a:xfrm>
+          <a:prstGeom prst="rect">
+            <a:avLst/>
+          </a:prstGeom>
+        </p:spPr>
+        <p:txBody>
+          <a:bodyPr anchor="ctr"/>
+          <a:lstStyle>
+            <a:lvl1pPr>
+              <a:defRPr b="1">
+                <a:solidFill>
+                  <a:schemeClr val="bg1"/>
+                </a:solidFill>
+              </a:defRPr>
+            </a:lvl1pPr>
+          </a:lstStyle>
+          <a:p>
+            <a:r>
+              <a:rPr lang="en-US" dirty="0"/>
+              <a:t>Click to edit Master title style</a:t>
+            </a:r>
+            <a:endParaRPr lang="en-NZ" dirty="0"/>
+          </a:p>
+        </p:txBody>
+      </p:sp>
+      <p:sp>
+        <p:nvSpPr>
+          <p:cNvPr id="6" name="Picture Placeholder 5"/>
+          <p:cNvSpPr>
+            <a:spLocks noGrp="1"/>
+          </p:cNvSpPr>
+          <p:nvPr>
+            <p:ph type="pic" sz="quarter" idx="13"/>
+          </p:nvPr>
+        </p:nvSpPr>
+        <p:spPr>
+          <a:xfrm>
+            <a:off x="260415" y="1265464"/>
+            <a:ext cx="4086544" cy="3640492"/>
+          </a:xfrm>
+        </p:spPr>
+        <p:txBody>
+          <a:bodyPr/>
+          <a:lstStyle/>
+          <a:p>
+            <a:r>
+              <a:rPr lang="en-US"/>
+              <a:t>Click icon to add picture</a:t>
+            </a:r>
+            <a:endParaRPr lang="en-NZ"/>
+          </a:p>
+        </p:txBody>
+      </p:sp>
+      <p:sp>
+        <p:nvSpPr>
+          <p:cNvPr id="12" name="Date Placeholder 2"/>
+          <p:cNvSpPr>
+            <a:spLocks noGrp="1"/>
+          </p:cNvSpPr>
+          <p:nvPr>
+            <p:ph type="dt" sz="half" idx="10"/>
+          </p:nvPr>
+        </p:nvSpPr>
+        <p:spPr>
+          <a:xfrm>
+            <a:off x="4763334" y="6303952"/>
+            <a:ext cx="2057400" cy="365125"/>
+          </a:xfrm>
+        </p:spPr>
+        <p:txBody>
+          <a:bodyPr/>
+          <a:lstStyle>
+            <a:lvl1pPr algn="r">
+              <a:defRPr>
+                <a:solidFill>
+                  <a:schemeClr val="bg1">
+                    <a:lumMod val="75000"/>
+                    <a:lumOff val="25000"/>
+                  </a:schemeClr>
+                </a:solidFill>
+              </a:defRPr>
+            </a:lvl1pPr>
+          </a:lstStyle>
+          <a:p>
+            <a:fld id="{C1466F2A-31D5-469C-869E-5B387E7F19F1}" type="datetime1">
+              <a:rPr lang="en-NZ" smtClean="0"/>
+              <a:t>6/06/2018</a:t>
+            </a:fld>
+            <a:endParaRPr lang="en-NZ" dirty="0"/>
+          </a:p>
+        </p:txBody>
+      </p:sp>
+      <p:sp>
+        <p:nvSpPr>
+          <p:cNvPr id="13" name="Slide Number Placeholder 4"/>
+          <p:cNvSpPr>
+            <a:spLocks noGrp="1"/>
+          </p:cNvSpPr>
+          <p:nvPr>
+            <p:ph type="sldNum" sz="quarter" idx="12"/>
+          </p:nvPr>
+        </p:nvSpPr>
+        <p:spPr>
+          <a:xfrm>
+            <a:off x="311598" y="6300694"/>
+            <a:ext cx="2057400" cy="365125"/>
+          </a:xfrm>
+        </p:spPr>
+        <p:txBody>
+          <a:bodyPr/>
+          <a:lstStyle>
+            <a:lvl1pPr>
+              <a:defRPr>
+                <a:solidFill>
+                  <a:schemeClr val="bg1">
+                    <a:lumMod val="75000"/>
+                    <a:lumOff val="25000"/>
+                  </a:schemeClr>
+                </a:solidFill>
+              </a:defRPr>
+            </a:lvl1pPr>
+          </a:lstStyle>
+          <a:p>
+            <a:pPr algn="l"/>
+            <a:r>
+              <a:rPr lang="en-NZ"/>
+              <a:t>Page </a:t>
+            </a:r>
+            <a:fld id="{F29C7AEF-255B-4C1D-B0BE-CB256ECA03A2}" type="slidenum">
+              <a:rPr lang="en-NZ" smtClean="0"/>
+              <a:pPr algn="l"/>
+              <a:t>‹#›</a:t>
+            </a:fld>
+            <a:endParaRPr lang="en-NZ" dirty="0"/>
+          </a:p>
+        </p:txBody>
+      </p:sp>
+      <p:cxnSp>
+        <p:nvCxnSpPr>
+          <p:cNvPr id="9" name="Straight Connector 8"/>
+          <p:cNvCxnSpPr/>
+          <p:nvPr/>
+        </p:nvCxnSpPr>
+        <p:spPr>
+          <a:xfrm>
+            <a:off x="716692" y="1128581"/>
+            <a:ext cx="7790420" cy="0"/>
+          </a:xfrm>
+          <a:prstGeom prst="line">
+            <a:avLst/>
+          </a:prstGeom>
+          <a:ln w="15875">
+            <a:solidFill>
+              <a:schemeClr val="bg1">
+                <a:lumMod val="65000"/>
+                <a:lumOff val="35000"/>
+              </a:schemeClr>
+            </a:solidFill>
+          </a:ln>
+        </p:spPr>
+        <p:style>
+          <a:lnRef idx="1">
+            <a:schemeClr val="accent1"/>
+          </a:lnRef>
+          <a:fillRef idx="0">
+            <a:schemeClr val="accent1"/>
+          </a:fillRef>
+          <a:effectRef idx="0">
+            <a:schemeClr val="accent1"/>
+          </a:effectRef>
+          <a:fontRef idx="minor">
+            <a:schemeClr val="tx1"/>
+          </a:fontRef>
+        </p:style>
+      </p:cxnSp>
+      <p:cxnSp>
+        <p:nvCxnSpPr>
+          <p:cNvPr id="8" name="Straight Connector 7"/>
+          <p:cNvCxnSpPr/>
+          <p:nvPr userDrawn="1"/>
+        </p:nvCxnSpPr>
+        <p:spPr>
+          <a:xfrm>
+            <a:off x="676790" y="1128581"/>
+            <a:ext cx="7790420" cy="0"/>
+          </a:xfrm>
+          <a:prstGeom prst="line">
+            <a:avLst/>
+          </a:prstGeom>
+          <a:ln w="15875">
+            <a:solidFill>
+              <a:schemeClr val="bg1"/>
+            </a:solidFill>
+          </a:ln>
+        </p:spPr>
+        <p:style>
+          <a:lnRef idx="1">
+            <a:schemeClr val="accent1"/>
+          </a:lnRef>
+          <a:fillRef idx="0">
+            <a:schemeClr val="accent1"/>
+          </a:fillRef>
+          <a:effectRef idx="0">
+            <a:schemeClr val="accent1"/>
+          </a:effectRef>
+          <a:fontRef idx="minor">
+            <a:schemeClr val="tx1"/>
+          </a:fontRef>
+        </p:style>
+      </p:cxnSp>
+      <p:sp>
+        <p:nvSpPr>
+          <p:cNvPr id="11" name="Footer Placeholder 4">
+            <a:extLst>
+              <a:ext uri="{FF2B5EF4-FFF2-40B4-BE49-F238E27FC236}">
+                <a16:creationId xmlns:a16="http://schemas.microsoft.com/office/drawing/2014/main" id="{AE353A44-46C5-4A6F-BDE4-38DB1F7F4C20}"/>
+              </a:ext>
+            </a:extLst>
+          </p:cNvPr>
+          <p:cNvSpPr>
+            <a:spLocks noGrp="1"/>
+          </p:cNvSpPr>
+          <p:nvPr>
+            <p:ph type="ftr" sz="quarter" idx="3"/>
+          </p:nvPr>
+        </p:nvSpPr>
+        <p:spPr>
+          <a:xfrm>
+            <a:off x="2368998" y="6300693"/>
+            <a:ext cx="3086100" cy="365125"/>
+          </a:xfrm>
+          <a:prstGeom prst="rect">
+            <a:avLst/>
+          </a:prstGeom>
+        </p:spPr>
+        <p:txBody>
+          <a:bodyPr vert="horz" lIns="91440" tIns="45720" rIns="91440" bIns="45720" rtlCol="0" anchor="ctr"/>
+          <a:lstStyle>
+            <a:lvl1pPr algn="ctr">
+              <a:defRPr sz="900">
+                <a:solidFill>
+                  <a:schemeClr val="bg2"/>
+                </a:solidFill>
+              </a:defRPr>
+            </a:lvl1pPr>
+          </a:lstStyle>
+          <a:p>
+            <a:endParaRPr lang="en-NZ" dirty="0"/>
+          </a:p>
+        </p:txBody>
+      </p:sp>
+      <p:sp>
+        <p:nvSpPr>
+          <p:cNvPr id="14" name="Picture Placeholder 5">
+            <a:extLst>
+              <a:ext uri="{FF2B5EF4-FFF2-40B4-BE49-F238E27FC236}">
+                <a16:creationId xmlns:a16="http://schemas.microsoft.com/office/drawing/2014/main" id="{48B20F80-0698-4844-9D8F-0C0D4BA6154C}"/>
+              </a:ext>
+            </a:extLst>
+          </p:cNvPr>
+          <p:cNvSpPr>
+            <a:spLocks noGrp="1"/>
+          </p:cNvSpPr>
+          <p:nvPr>
+            <p:ph type="pic" sz="quarter" idx="15"/>
+          </p:nvPr>
+        </p:nvSpPr>
+        <p:spPr>
+          <a:xfrm>
+            <a:off x="4801954" y="1265464"/>
+            <a:ext cx="4086544" cy="3640492"/>
+          </a:xfrm>
+        </p:spPr>
+        <p:txBody>
+          <a:bodyPr/>
+          <a:lstStyle/>
+          <a:p>
+            <a:r>
+              <a:rPr lang="en-US"/>
+              <a:t>Click icon to add picture</a:t>
+            </a:r>
+            <a:endParaRPr lang="en-NZ"/>
+          </a:p>
+        </p:txBody>
+      </p:sp>
+      <p:sp>
+        <p:nvSpPr>
+          <p:cNvPr id="15" name="Text Placeholder 2">
+            <a:extLst>
+              <a:ext uri="{FF2B5EF4-FFF2-40B4-BE49-F238E27FC236}">
+                <a16:creationId xmlns:a16="http://schemas.microsoft.com/office/drawing/2014/main" id="{47A7BF08-81B7-458D-B23D-DE97976B9E71}"/>
+              </a:ext>
+            </a:extLst>
+          </p:cNvPr>
+          <p:cNvSpPr>
+            <a:spLocks noGrp="1"/>
+          </p:cNvSpPr>
+          <p:nvPr>
+            <p:ph type="body" sz="quarter" idx="14"/>
+          </p:nvPr>
+        </p:nvSpPr>
+        <p:spPr>
+          <a:xfrm>
+            <a:off x="676790" y="4976813"/>
+            <a:ext cx="8106268" cy="1097416"/>
+          </a:xfrm>
+        </p:spPr>
+        <p:txBody>
+          <a:bodyPr/>
+          <a:lstStyle>
+            <a:lvl1pPr>
+              <a:defRPr sz="1200">
+                <a:solidFill>
+                  <a:schemeClr val="bg1"/>
+                </a:solidFill>
+              </a:defRPr>
+            </a:lvl1pPr>
+            <a:lvl2pPr>
+              <a:defRPr sz="1100">
+                <a:solidFill>
+                  <a:schemeClr val="bg1"/>
+                </a:solidFill>
+              </a:defRPr>
+            </a:lvl2pPr>
+            <a:lvl3pPr>
+              <a:defRPr>
+                <a:solidFill>
+                  <a:schemeClr val="bg1">
+                    <a:lumMod val="75000"/>
+                    <a:lumOff val="25000"/>
+                  </a:schemeClr>
+                </a:solidFill>
+              </a:defRPr>
+            </a:lvl3pPr>
+            <a:lvl4pPr>
+              <a:defRPr>
+                <a:solidFill>
+                  <a:schemeClr val="bg1">
+                    <a:lumMod val="75000"/>
+                    <a:lumOff val="25000"/>
+                  </a:schemeClr>
+                </a:solidFill>
+              </a:defRPr>
+            </a:lvl4pPr>
+            <a:lvl5pPr>
+              <a:defRPr>
+                <a:solidFill>
+                  <a:schemeClr val="bg1">
+                    <a:lumMod val="75000"/>
+                    <a:lumOff val="25000"/>
+                  </a:schemeClr>
+                </a:solidFill>
+              </a:defRPr>
+            </a:lvl5pPr>
+          </a:lstStyle>
+          <a:p>
+            <a:pPr lvl="0"/>
+            <a:r>
+              <a:rPr lang="en-US" dirty="0"/>
+              <a:t>Click to edit Master text styles</a:t>
+            </a:r>
+          </a:p>
+          <a:p>
+            <a:pPr lvl="1"/>
+            <a:r>
+              <a:rPr lang="en-US" dirty="0"/>
+              <a:t>Second level</a:t>
+            </a:r>
+          </a:p>
+        </p:txBody>
+      </p:sp>
+    </p:spTree>
+    <p:extLst>
+      <p:ext uri="{BB962C8B-B14F-4D97-AF65-F5344CB8AC3E}">
+        <p14:creationId xmlns:p14="http://schemas.microsoft.com/office/powerpoint/2010/main" val="2937590873"/>
+      </p:ext>
+    </p:extLst>
+  </p:cSld>
+  <p:clrMapOvr>
+    <a:masterClrMapping/>
+  </p:clrMapOvr>
+</p:sldLayout>
+</file>
+
+<file path=ppt/slideLayouts/slideLayout17.xml><?xml version="1.0" encoding="utf-8"?>
 <p:sldLayout xmlns:a="http://schemas.openxmlformats.org/drawingml/2006/main" xmlns:r="http://schemas.openxmlformats.org/officeDocument/2006/relationships" xmlns:p="http://schemas.openxmlformats.org/presentationml/2006/main" preserve="1">
   <p:cSld name="Wide Picture Brief">
     <p:bg>
@@ -2006,7 +3408,7 @@
           <a:p>
             <a:fld id="{8D8AEC88-3187-4606-AB3A-E4AEDED6E271}" type="datetime1">
               <a:rPr lang="en-NZ" smtClean="0"/>
-              <a:t>3/05/2018</a:t>
+              <a:t>6/06/2018</a:t>
             </a:fld>
             <a:endParaRPr lang="en-NZ" dirty="0"/>
           </a:p>
@@ -2264,7 +3666,7 @@
 </p:sldLayout>
 </file>
 
-<file path=ppt/slideLayouts/slideLayout14.xml><?xml version="1.0" encoding="utf-8"?>
+<file path=ppt/slideLayouts/slideLayout18.xml><?xml version="1.0" encoding="utf-8"?>
 <p:sldLayout xmlns:a="http://schemas.openxmlformats.org/drawingml/2006/main" xmlns:r="http://schemas.openxmlformats.org/officeDocument/2006/relationships" xmlns:p="http://schemas.openxmlformats.org/presentationml/2006/main" preserve="1">
   <p:cSld name="Table">
     <p:bg>
@@ -2405,7 +3807,7 @@
           <a:p>
             <a:fld id="{9879788C-3F35-4AD4-B37A-A32A7BE28934}" type="datetime1">
               <a:rPr lang="en-NZ" smtClean="0"/>
-              <a:t>3/05/2018</a:t>
+              <a:t>6/06/2018</a:t>
             </a:fld>
             <a:endParaRPr lang="en-NZ" dirty="0"/>
           </a:p>
@@ -2733,7 +4135,7 @@
 </p:sldLayout>
 </file>
 
-<file path=ppt/slideLayouts/slideLayout15.xml><?xml version="1.0" encoding="utf-8"?>
+<file path=ppt/slideLayouts/slideLayout19.xml><?xml version="1.0" encoding="utf-8"?>
 <p:sldLayout xmlns:a="http://schemas.openxmlformats.org/drawingml/2006/main" xmlns:r="http://schemas.openxmlformats.org/officeDocument/2006/relationships" xmlns:p="http://schemas.openxmlformats.org/presentationml/2006/main" preserve="1">
   <p:cSld name="Table Long">
     <p:bg>
@@ -2871,7 +4273,7 @@
           <a:p>
             <a:fld id="{4010FC87-8C3C-489B-8CDA-82DCF3C54878}" type="datetime1">
               <a:rPr lang="en-NZ" smtClean="0"/>
-              <a:t>3/05/2018</a:t>
+              <a:t>6/06/2018</a:t>
             </a:fld>
             <a:endParaRPr lang="en-NZ"/>
           </a:p>
@@ -3156,894 +4558,6 @@
     <a:masterClrMapping/>
   </p:clrMapOvr>
   <p:hf hdr="0" ftr="0" dt="0"/>
-</p:sldLayout>
-</file>
-
-<file path=ppt/slideLayouts/slideLayout16.xml><?xml version="1.0" encoding="utf-8"?>
-<p:sldLayout xmlns:a="http://schemas.openxmlformats.org/drawingml/2006/main" xmlns:r="http://schemas.openxmlformats.org/officeDocument/2006/relationships" xmlns:p="http://schemas.openxmlformats.org/presentationml/2006/main" preserve="1">
-  <p:cSld name="Short Table">
-    <p:bg>
-      <p:bgPr>
-        <a:blipFill dpi="0" rotWithShape="1">
-          <a:blip r:embed="rId2">
-            <a:lum/>
-          </a:blip>
-          <a:srcRect/>
-          <a:stretch>
-            <a:fillRect/>
-          </a:stretch>
-        </a:blipFill>
-        <a:effectLst/>
-      </p:bgPr>
-    </p:bg>
-    <p:spTree>
-      <p:nvGrpSpPr>
-        <p:cNvPr id="1" name=""/>
-        <p:cNvGrpSpPr/>
-        <p:nvPr/>
-      </p:nvGrpSpPr>
-      <p:grpSpPr>
-        <a:xfrm>
-          <a:off x="0" y="0"/>
-          <a:ext cx="0" cy="0"/>
-          <a:chOff x="0" y="0"/>
-          <a:chExt cx="0" cy="0"/>
-        </a:xfrm>
-      </p:grpSpPr>
-      <p:sp>
-        <p:nvSpPr>
-          <p:cNvPr id="10" name="Title 9"/>
-          <p:cNvSpPr>
-            <a:spLocks noGrp="1"/>
-          </p:cNvSpPr>
-          <p:nvPr>
-            <p:ph type="title"/>
-          </p:nvPr>
-        </p:nvSpPr>
-        <p:spPr>
-          <a:xfrm>
-            <a:off x="676790" y="216000"/>
-            <a:ext cx="7790420" cy="900000"/>
-          </a:xfrm>
-          <a:prstGeom prst="rect">
-            <a:avLst/>
-          </a:prstGeom>
-        </p:spPr>
-        <p:txBody>
-          <a:bodyPr anchor="ctr"/>
-          <a:lstStyle>
-            <a:lvl1pPr>
-              <a:defRPr b="1">
-                <a:solidFill>
-                  <a:schemeClr val="bg1"/>
-                </a:solidFill>
-              </a:defRPr>
-            </a:lvl1pPr>
-          </a:lstStyle>
-          <a:p>
-            <a:r>
-              <a:rPr lang="en-US" dirty="0"/>
-              <a:t>Click to edit Master title style</a:t>
-            </a:r>
-            <a:endParaRPr lang="en-NZ" dirty="0"/>
-          </a:p>
-        </p:txBody>
-      </p:sp>
-      <p:cxnSp>
-        <p:nvCxnSpPr>
-          <p:cNvPr id="7" name="Straight Connector 6"/>
-          <p:cNvCxnSpPr/>
-          <p:nvPr/>
-        </p:nvCxnSpPr>
-        <p:spPr>
-          <a:xfrm>
-            <a:off x="676790" y="1128581"/>
-            <a:ext cx="7790420" cy="0"/>
-          </a:xfrm>
-          <a:prstGeom prst="line">
-            <a:avLst/>
-          </a:prstGeom>
-          <a:ln w="15875">
-            <a:solidFill>
-              <a:schemeClr val="bg1"/>
-            </a:solidFill>
-          </a:ln>
-        </p:spPr>
-        <p:style>
-          <a:lnRef idx="1">
-            <a:schemeClr val="accent1"/>
-          </a:lnRef>
-          <a:fillRef idx="0">
-            <a:schemeClr val="accent1"/>
-          </a:fillRef>
-          <a:effectRef idx="0">
-            <a:schemeClr val="accent1"/>
-          </a:effectRef>
-          <a:fontRef idx="minor">
-            <a:schemeClr val="tx1"/>
-          </a:fontRef>
-        </p:style>
-      </p:cxnSp>
-      <p:sp>
-        <p:nvSpPr>
-          <p:cNvPr id="8" name="Date Placeholder 2"/>
-          <p:cNvSpPr>
-            <a:spLocks noGrp="1"/>
-          </p:cNvSpPr>
-          <p:nvPr>
-            <p:ph type="dt" sz="half" idx="10"/>
-          </p:nvPr>
-        </p:nvSpPr>
-        <p:spPr>
-          <a:xfrm>
-            <a:off x="4763334" y="6303952"/>
-            <a:ext cx="2057400" cy="365125"/>
-          </a:xfrm>
-        </p:spPr>
-        <p:txBody>
-          <a:bodyPr/>
-          <a:lstStyle>
-            <a:lvl1pPr algn="r">
-              <a:defRPr>
-                <a:solidFill>
-                  <a:schemeClr val="bg1">
-                    <a:lumMod val="75000"/>
-                    <a:lumOff val="25000"/>
-                  </a:schemeClr>
-                </a:solidFill>
-              </a:defRPr>
-            </a:lvl1pPr>
-          </a:lstStyle>
-          <a:p>
-            <a:fld id="{4010FC87-8C3C-489B-8CDA-82DCF3C54878}" type="datetime1">
-              <a:rPr lang="en-NZ" smtClean="0"/>
-              <a:t>3/05/2018</a:t>
-            </a:fld>
-            <a:endParaRPr lang="en-NZ"/>
-          </a:p>
-        </p:txBody>
-      </p:sp>
-      <p:sp>
-        <p:nvSpPr>
-          <p:cNvPr id="9" name="Slide Number Placeholder 4"/>
-          <p:cNvSpPr>
-            <a:spLocks noGrp="1"/>
-          </p:cNvSpPr>
-          <p:nvPr>
-            <p:ph type="sldNum" sz="quarter" idx="12"/>
-          </p:nvPr>
-        </p:nvSpPr>
-        <p:spPr>
-          <a:xfrm>
-            <a:off x="311598" y="6300694"/>
-            <a:ext cx="2057400" cy="365125"/>
-          </a:xfrm>
-        </p:spPr>
-        <p:txBody>
-          <a:bodyPr/>
-          <a:lstStyle>
-            <a:lvl1pPr>
-              <a:defRPr>
-                <a:solidFill>
-                  <a:schemeClr val="bg1">
-                    <a:lumMod val="75000"/>
-                    <a:lumOff val="25000"/>
-                  </a:schemeClr>
-                </a:solidFill>
-              </a:defRPr>
-            </a:lvl1pPr>
-          </a:lstStyle>
-          <a:p>
-            <a:fld id="{F29C7AEF-255B-4C1D-B0BE-CB256ECA03A2}" type="slidenum">
-              <a:rPr lang="en-NZ" smtClean="0"/>
-              <a:t>‹#›</a:t>
-            </a:fld>
-            <a:endParaRPr lang="en-NZ"/>
-          </a:p>
-        </p:txBody>
-      </p:sp>
-      <p:sp>
-        <p:nvSpPr>
-          <p:cNvPr id="3" name="Text Placeholder 2"/>
-          <p:cNvSpPr>
-            <a:spLocks noGrp="1"/>
-          </p:cNvSpPr>
-          <p:nvPr>
-            <p:ph type="body" sz="quarter" idx="13"/>
-          </p:nvPr>
-        </p:nvSpPr>
-        <p:spPr>
-          <a:xfrm>
-            <a:off x="676790" y="1301319"/>
-            <a:ext cx="7790420" cy="317307"/>
-          </a:xfrm>
-        </p:spPr>
-        <p:txBody>
-          <a:bodyPr>
-            <a:normAutofit/>
-          </a:bodyPr>
-          <a:lstStyle>
-            <a:lvl1pPr marL="0" indent="0">
-              <a:buNone/>
-              <a:defRPr sz="1800" b="1">
-                <a:solidFill>
-                  <a:schemeClr val="bg1"/>
-                </a:solidFill>
-              </a:defRPr>
-            </a:lvl1pPr>
-            <a:lvl2pPr marL="342900" indent="0">
-              <a:buNone/>
-              <a:defRPr>
-                <a:solidFill>
-                  <a:schemeClr val="bg1">
-                    <a:lumMod val="75000"/>
-                    <a:lumOff val="25000"/>
-                  </a:schemeClr>
-                </a:solidFill>
-              </a:defRPr>
-            </a:lvl2pPr>
-            <a:lvl3pPr>
-              <a:defRPr>
-                <a:solidFill>
-                  <a:schemeClr val="bg1">
-                    <a:lumMod val="75000"/>
-                    <a:lumOff val="25000"/>
-                  </a:schemeClr>
-                </a:solidFill>
-              </a:defRPr>
-            </a:lvl3pPr>
-            <a:lvl4pPr>
-              <a:defRPr>
-                <a:solidFill>
-                  <a:schemeClr val="bg1">
-                    <a:lumMod val="75000"/>
-                    <a:lumOff val="25000"/>
-                  </a:schemeClr>
-                </a:solidFill>
-              </a:defRPr>
-            </a:lvl4pPr>
-            <a:lvl5pPr>
-              <a:defRPr>
-                <a:solidFill>
-                  <a:schemeClr val="bg1">
-                    <a:lumMod val="75000"/>
-                    <a:lumOff val="25000"/>
-                  </a:schemeClr>
-                </a:solidFill>
-              </a:defRPr>
-            </a:lvl5pPr>
-          </a:lstStyle>
-          <a:p>
-            <a:pPr lvl="0"/>
-            <a:r>
-              <a:rPr lang="en-US" dirty="0"/>
-              <a:t>Click to edit Master text styles</a:t>
-            </a:r>
-          </a:p>
-        </p:txBody>
-      </p:sp>
-      <p:sp>
-        <p:nvSpPr>
-          <p:cNvPr id="4" name="Table Placeholder 3"/>
-          <p:cNvSpPr>
-            <a:spLocks noGrp="1"/>
-          </p:cNvSpPr>
-          <p:nvPr>
-            <p:ph type="tbl" sz="quarter" idx="14"/>
-          </p:nvPr>
-        </p:nvSpPr>
-        <p:spPr>
-          <a:xfrm>
-            <a:off x="676790" y="1690297"/>
-            <a:ext cx="7750517" cy="2584450"/>
-          </a:xfrm>
-        </p:spPr>
-        <p:txBody>
-          <a:bodyPr/>
-          <a:lstStyle/>
-          <a:p>
-            <a:r>
-              <a:rPr lang="en-US"/>
-              <a:t>Click icon to add table</a:t>
-            </a:r>
-            <a:endParaRPr lang="en-NZ"/>
-          </a:p>
-        </p:txBody>
-      </p:sp>
-      <p:sp>
-        <p:nvSpPr>
-          <p:cNvPr id="11" name="Text Placeholder 2"/>
-          <p:cNvSpPr>
-            <a:spLocks noGrp="1"/>
-          </p:cNvSpPr>
-          <p:nvPr>
-            <p:ph type="body" sz="quarter" idx="15"/>
-          </p:nvPr>
-        </p:nvSpPr>
-        <p:spPr>
-          <a:xfrm>
-            <a:off x="440745" y="3644574"/>
-            <a:ext cx="8342313" cy="2327858"/>
-          </a:xfrm>
-        </p:spPr>
-        <p:txBody>
-          <a:bodyPr/>
-          <a:lstStyle>
-            <a:lvl1pPr>
-              <a:defRPr sz="1200">
-                <a:solidFill>
-                  <a:schemeClr val="bg1"/>
-                </a:solidFill>
-              </a:defRPr>
-            </a:lvl1pPr>
-            <a:lvl2pPr>
-              <a:defRPr sz="1100">
-                <a:solidFill>
-                  <a:schemeClr val="bg1"/>
-                </a:solidFill>
-              </a:defRPr>
-            </a:lvl2pPr>
-            <a:lvl3pPr>
-              <a:defRPr>
-                <a:solidFill>
-                  <a:schemeClr val="bg1">
-                    <a:lumMod val="75000"/>
-                    <a:lumOff val="25000"/>
-                  </a:schemeClr>
-                </a:solidFill>
-              </a:defRPr>
-            </a:lvl3pPr>
-            <a:lvl4pPr>
-              <a:defRPr>
-                <a:solidFill>
-                  <a:schemeClr val="bg1">
-                    <a:lumMod val="75000"/>
-                    <a:lumOff val="25000"/>
-                  </a:schemeClr>
-                </a:solidFill>
-              </a:defRPr>
-            </a:lvl4pPr>
-            <a:lvl5pPr>
-              <a:defRPr>
-                <a:solidFill>
-                  <a:schemeClr val="bg1">
-                    <a:lumMod val="75000"/>
-                    <a:lumOff val="25000"/>
-                  </a:schemeClr>
-                </a:solidFill>
-              </a:defRPr>
-            </a:lvl5pPr>
-          </a:lstStyle>
-          <a:p>
-            <a:pPr lvl="0"/>
-            <a:r>
-              <a:rPr lang="en-US" dirty="0"/>
-              <a:t>Click to edit Master text styles</a:t>
-            </a:r>
-          </a:p>
-          <a:p>
-            <a:pPr lvl="1"/>
-            <a:r>
-              <a:rPr lang="en-US" dirty="0"/>
-              <a:t>Second level</a:t>
-            </a:r>
-          </a:p>
-        </p:txBody>
-      </p:sp>
-      <p:sp>
-        <p:nvSpPr>
-          <p:cNvPr id="12" name="Footer Placeholder 4">
-            <a:extLst>
-              <a:ext uri="{FF2B5EF4-FFF2-40B4-BE49-F238E27FC236}">
-                <a16:creationId xmlns:a16="http://schemas.microsoft.com/office/drawing/2014/main" id="{EA2865A4-19A3-40C8-8F43-4C332B3F9F99}"/>
-              </a:ext>
-            </a:extLst>
-          </p:cNvPr>
-          <p:cNvSpPr>
-            <a:spLocks noGrp="1"/>
-          </p:cNvSpPr>
-          <p:nvPr>
-            <p:ph type="ftr" sz="quarter" idx="3"/>
-          </p:nvPr>
-        </p:nvSpPr>
-        <p:spPr>
-          <a:xfrm>
-            <a:off x="2368998" y="6300693"/>
-            <a:ext cx="3086100" cy="365125"/>
-          </a:xfrm>
-          <a:prstGeom prst="rect">
-            <a:avLst/>
-          </a:prstGeom>
-        </p:spPr>
-        <p:txBody>
-          <a:bodyPr vert="horz" lIns="91440" tIns="45720" rIns="91440" bIns="45720" rtlCol="0" anchor="ctr"/>
-          <a:lstStyle>
-            <a:lvl1pPr algn="ctr">
-              <a:defRPr sz="900">
-                <a:solidFill>
-                  <a:schemeClr val="bg2"/>
-                </a:solidFill>
-              </a:defRPr>
-            </a:lvl1pPr>
-          </a:lstStyle>
-          <a:p>
-            <a:endParaRPr lang="en-NZ" dirty="0"/>
-          </a:p>
-        </p:txBody>
-      </p:sp>
-    </p:spTree>
-    <p:extLst>
-      <p:ext uri="{BB962C8B-B14F-4D97-AF65-F5344CB8AC3E}">
-        <p14:creationId xmlns:p14="http://schemas.microsoft.com/office/powerpoint/2010/main" val="3570837598"/>
-      </p:ext>
-    </p:extLst>
-  </p:cSld>
-  <p:clrMapOvr>
-    <a:masterClrMapping/>
-  </p:clrMapOvr>
-  <p:hf hdr="0" ftr="0" dt="0"/>
-</p:sldLayout>
-</file>
-
-<file path=ppt/slideLayouts/slideLayout17.xml><?xml version="1.0" encoding="utf-8"?>
-<p:sldLayout xmlns:a="http://schemas.openxmlformats.org/drawingml/2006/main" xmlns:r="http://schemas.openxmlformats.org/officeDocument/2006/relationships" xmlns:p="http://schemas.openxmlformats.org/presentationml/2006/main" preserve="1">
-  <p:cSld name="Table Dark">
-    <p:bg>
-      <p:bgPr>
-        <a:blipFill dpi="0" rotWithShape="1">
-          <a:blip r:embed="rId2">
-            <a:lum/>
-          </a:blip>
-          <a:srcRect/>
-          <a:stretch>
-            <a:fillRect/>
-          </a:stretch>
-        </a:blipFill>
-        <a:effectLst/>
-      </p:bgPr>
-    </p:bg>
-    <p:spTree>
-      <p:nvGrpSpPr>
-        <p:cNvPr id="1" name=""/>
-        <p:cNvGrpSpPr/>
-        <p:nvPr/>
-      </p:nvGrpSpPr>
-      <p:grpSpPr>
-        <a:xfrm>
-          <a:off x="0" y="0"/>
-          <a:ext cx="0" cy="0"/>
-          <a:chOff x="0" y="0"/>
-          <a:chExt cx="0" cy="0"/>
-        </a:xfrm>
-      </p:grpSpPr>
-      <p:sp>
-        <p:nvSpPr>
-          <p:cNvPr id="10" name="Title 9"/>
-          <p:cNvSpPr>
-            <a:spLocks noGrp="1"/>
-          </p:cNvSpPr>
-          <p:nvPr>
-            <p:ph type="title"/>
-          </p:nvPr>
-        </p:nvSpPr>
-        <p:spPr>
-          <a:xfrm>
-            <a:off x="676790" y="216000"/>
-            <a:ext cx="7838560" cy="900000"/>
-          </a:xfrm>
-          <a:prstGeom prst="rect">
-            <a:avLst/>
-          </a:prstGeom>
-        </p:spPr>
-        <p:txBody>
-          <a:bodyPr anchor="ctr"/>
-          <a:lstStyle>
-            <a:lvl1pPr>
-              <a:defRPr b="1">
-                <a:solidFill>
-                  <a:schemeClr val="tx2"/>
-                </a:solidFill>
-              </a:defRPr>
-            </a:lvl1pPr>
-          </a:lstStyle>
-          <a:p>
-            <a:r>
-              <a:rPr lang="en-US"/>
-              <a:t>Click to edit Master title style</a:t>
-            </a:r>
-            <a:endParaRPr lang="en-NZ" dirty="0"/>
-          </a:p>
-        </p:txBody>
-      </p:sp>
-      <p:cxnSp>
-        <p:nvCxnSpPr>
-          <p:cNvPr id="7" name="Straight Connector 6"/>
-          <p:cNvCxnSpPr/>
-          <p:nvPr/>
-        </p:nvCxnSpPr>
-        <p:spPr>
-          <a:xfrm>
-            <a:off x="716692" y="1128581"/>
-            <a:ext cx="7790420" cy="0"/>
-          </a:xfrm>
-          <a:prstGeom prst="line">
-            <a:avLst/>
-          </a:prstGeom>
-          <a:ln w="15875">
-            <a:solidFill>
-              <a:schemeClr val="tx2"/>
-            </a:solidFill>
-          </a:ln>
-        </p:spPr>
-        <p:style>
-          <a:lnRef idx="1">
-            <a:schemeClr val="accent1"/>
-          </a:lnRef>
-          <a:fillRef idx="0">
-            <a:schemeClr val="accent1"/>
-          </a:fillRef>
-          <a:effectRef idx="0">
-            <a:schemeClr val="accent1"/>
-          </a:effectRef>
-          <a:fontRef idx="minor">
-            <a:schemeClr val="tx1"/>
-          </a:fontRef>
-        </p:style>
-      </p:cxnSp>
-      <p:sp>
-        <p:nvSpPr>
-          <p:cNvPr id="8" name="Date Placeholder 2"/>
-          <p:cNvSpPr>
-            <a:spLocks noGrp="1"/>
-          </p:cNvSpPr>
-          <p:nvPr>
-            <p:ph type="dt" sz="half" idx="10"/>
-          </p:nvPr>
-        </p:nvSpPr>
-        <p:spPr>
-          <a:xfrm>
-            <a:off x="4763334" y="6303952"/>
-            <a:ext cx="2057400" cy="365125"/>
-          </a:xfrm>
-        </p:spPr>
-        <p:txBody>
-          <a:bodyPr/>
-          <a:lstStyle>
-            <a:lvl1pPr algn="r">
-              <a:defRPr>
-                <a:solidFill>
-                  <a:schemeClr val="tx2"/>
-                </a:solidFill>
-              </a:defRPr>
-            </a:lvl1pPr>
-          </a:lstStyle>
-          <a:p>
-            <a:fld id="{9FB38DA5-FF68-44AA-80FB-3F4C5332234D}" type="datetime1">
-              <a:rPr lang="en-NZ" smtClean="0"/>
-              <a:t>3/05/2018</a:t>
-            </a:fld>
-            <a:endParaRPr lang="en-NZ" dirty="0"/>
-          </a:p>
-        </p:txBody>
-      </p:sp>
-      <p:sp>
-        <p:nvSpPr>
-          <p:cNvPr id="9" name="Slide Number Placeholder 4"/>
-          <p:cNvSpPr>
-            <a:spLocks noGrp="1"/>
-          </p:cNvSpPr>
-          <p:nvPr>
-            <p:ph type="sldNum" sz="quarter" idx="12"/>
-          </p:nvPr>
-        </p:nvSpPr>
-        <p:spPr>
-          <a:xfrm>
-            <a:off x="311598" y="6300694"/>
-            <a:ext cx="2057400" cy="365125"/>
-          </a:xfrm>
-        </p:spPr>
-        <p:txBody>
-          <a:bodyPr/>
-          <a:lstStyle>
-            <a:lvl1pPr>
-              <a:defRPr>
-                <a:solidFill>
-                  <a:schemeClr val="tx2"/>
-                </a:solidFill>
-              </a:defRPr>
-            </a:lvl1pPr>
-          </a:lstStyle>
-          <a:p>
-            <a:pPr algn="l"/>
-            <a:r>
-              <a:rPr lang="en-NZ"/>
-              <a:t>Page </a:t>
-            </a:r>
-            <a:fld id="{F29C7AEF-255B-4C1D-B0BE-CB256ECA03A2}" type="slidenum">
-              <a:rPr lang="en-NZ" smtClean="0"/>
-              <a:pPr algn="l"/>
-              <a:t>‹#›</a:t>
-            </a:fld>
-            <a:endParaRPr lang="en-NZ" dirty="0"/>
-          </a:p>
-        </p:txBody>
-      </p:sp>
-      <p:sp>
-        <p:nvSpPr>
-          <p:cNvPr id="3" name="Text Placeholder 2"/>
-          <p:cNvSpPr>
-            <a:spLocks noGrp="1"/>
-          </p:cNvSpPr>
-          <p:nvPr>
-            <p:ph type="body" sz="quarter" idx="13"/>
-          </p:nvPr>
-        </p:nvSpPr>
-        <p:spPr>
-          <a:xfrm>
-            <a:off x="676790" y="1301319"/>
-            <a:ext cx="7838560" cy="317307"/>
-          </a:xfrm>
-        </p:spPr>
-        <p:txBody>
-          <a:bodyPr>
-            <a:normAutofit/>
-          </a:bodyPr>
-          <a:lstStyle>
-            <a:lvl1pPr marL="0" indent="0">
-              <a:buNone/>
-              <a:defRPr sz="1800" b="1">
-                <a:solidFill>
-                  <a:schemeClr val="tx2"/>
-                </a:solidFill>
-              </a:defRPr>
-            </a:lvl1pPr>
-            <a:lvl2pPr marL="342900" indent="0">
-              <a:buNone/>
-              <a:defRPr>
-                <a:solidFill>
-                  <a:schemeClr val="bg1">
-                    <a:lumMod val="75000"/>
-                    <a:lumOff val="25000"/>
-                  </a:schemeClr>
-                </a:solidFill>
-              </a:defRPr>
-            </a:lvl2pPr>
-            <a:lvl3pPr>
-              <a:defRPr>
-                <a:solidFill>
-                  <a:schemeClr val="bg1">
-                    <a:lumMod val="75000"/>
-                    <a:lumOff val="25000"/>
-                  </a:schemeClr>
-                </a:solidFill>
-              </a:defRPr>
-            </a:lvl3pPr>
-            <a:lvl4pPr>
-              <a:defRPr>
-                <a:solidFill>
-                  <a:schemeClr val="bg1">
-                    <a:lumMod val="75000"/>
-                    <a:lumOff val="25000"/>
-                  </a:schemeClr>
-                </a:solidFill>
-              </a:defRPr>
-            </a:lvl4pPr>
-            <a:lvl5pPr>
-              <a:defRPr>
-                <a:solidFill>
-                  <a:schemeClr val="bg1">
-                    <a:lumMod val="75000"/>
-                    <a:lumOff val="25000"/>
-                  </a:schemeClr>
-                </a:solidFill>
-              </a:defRPr>
-            </a:lvl5pPr>
-          </a:lstStyle>
-          <a:p>
-            <a:pPr lvl="0"/>
-            <a:r>
-              <a:rPr lang="en-US"/>
-              <a:t>Click to edit Master text styles</a:t>
-            </a:r>
-          </a:p>
-        </p:txBody>
-      </p:sp>
-      <p:sp>
-        <p:nvSpPr>
-          <p:cNvPr id="4" name="Table Placeholder 3"/>
-          <p:cNvSpPr>
-            <a:spLocks noGrp="1"/>
-          </p:cNvSpPr>
-          <p:nvPr>
-            <p:ph type="tbl" sz="quarter" idx="14"/>
-          </p:nvPr>
-        </p:nvSpPr>
-        <p:spPr>
-          <a:xfrm>
-            <a:off x="676790" y="1690297"/>
-            <a:ext cx="7750517" cy="2584450"/>
-          </a:xfrm>
-        </p:spPr>
-        <p:txBody>
-          <a:bodyPr/>
-          <a:lstStyle/>
-          <a:p>
-            <a:r>
-              <a:rPr lang="en-US"/>
-              <a:t>Click icon to add table</a:t>
-            </a:r>
-            <a:endParaRPr lang="en-NZ"/>
-          </a:p>
-        </p:txBody>
-      </p:sp>
-      <p:sp>
-        <p:nvSpPr>
-          <p:cNvPr id="11" name="Text Placeholder 2"/>
-          <p:cNvSpPr>
-            <a:spLocks noGrp="1"/>
-          </p:cNvSpPr>
-          <p:nvPr>
-            <p:ph type="body" sz="quarter" idx="15"/>
-          </p:nvPr>
-        </p:nvSpPr>
-        <p:spPr>
-          <a:xfrm>
-            <a:off x="440745" y="4976813"/>
-            <a:ext cx="8342313" cy="1187450"/>
-          </a:xfrm>
-        </p:spPr>
-        <p:txBody>
-          <a:bodyPr/>
-          <a:lstStyle>
-            <a:lvl1pPr>
-              <a:defRPr sz="1200">
-                <a:solidFill>
-                  <a:schemeClr val="tx2"/>
-                </a:solidFill>
-              </a:defRPr>
-            </a:lvl1pPr>
-            <a:lvl2pPr>
-              <a:defRPr sz="1100">
-                <a:solidFill>
-                  <a:schemeClr val="tx2"/>
-                </a:solidFill>
-              </a:defRPr>
-            </a:lvl2pPr>
-            <a:lvl3pPr>
-              <a:defRPr>
-                <a:solidFill>
-                  <a:schemeClr val="bg1">
-                    <a:lumMod val="75000"/>
-                    <a:lumOff val="25000"/>
-                  </a:schemeClr>
-                </a:solidFill>
-              </a:defRPr>
-            </a:lvl3pPr>
-            <a:lvl4pPr>
-              <a:defRPr>
-                <a:solidFill>
-                  <a:schemeClr val="bg1">
-                    <a:lumMod val="75000"/>
-                    <a:lumOff val="25000"/>
-                  </a:schemeClr>
-                </a:solidFill>
-              </a:defRPr>
-            </a:lvl4pPr>
-            <a:lvl5pPr>
-              <a:defRPr>
-                <a:solidFill>
-                  <a:schemeClr val="bg1">
-                    <a:lumMod val="75000"/>
-                    <a:lumOff val="25000"/>
-                  </a:schemeClr>
-                </a:solidFill>
-              </a:defRPr>
-            </a:lvl5pPr>
-          </a:lstStyle>
-          <a:p>
-            <a:pPr lvl="0"/>
-            <a:r>
-              <a:rPr lang="en-US"/>
-              <a:t>Click to edit Master text styles</a:t>
-            </a:r>
-          </a:p>
-          <a:p>
-            <a:pPr lvl="1"/>
-            <a:r>
-              <a:rPr lang="en-US"/>
-              <a:t>Second level</a:t>
-            </a:r>
-          </a:p>
-        </p:txBody>
-      </p:sp>
-      <p:cxnSp>
-        <p:nvCxnSpPr>
-          <p:cNvPr id="12" name="Straight Connector 11"/>
-          <p:cNvCxnSpPr/>
-          <p:nvPr userDrawn="1"/>
-        </p:nvCxnSpPr>
-        <p:spPr>
-          <a:xfrm>
-            <a:off x="676790" y="1128581"/>
-            <a:ext cx="7790420" cy="0"/>
-          </a:xfrm>
-          <a:prstGeom prst="line">
-            <a:avLst/>
-          </a:prstGeom>
-          <a:ln w="15875">
-            <a:solidFill>
-              <a:schemeClr val="tx2"/>
-            </a:solidFill>
-          </a:ln>
-        </p:spPr>
-        <p:style>
-          <a:lnRef idx="1">
-            <a:schemeClr val="accent1"/>
-          </a:lnRef>
-          <a:fillRef idx="0">
-            <a:schemeClr val="accent1"/>
-          </a:fillRef>
-          <a:effectRef idx="0">
-            <a:schemeClr val="accent1"/>
-          </a:effectRef>
-          <a:fontRef idx="minor">
-            <a:schemeClr val="tx1"/>
-          </a:fontRef>
-        </p:style>
-      </p:cxnSp>
-      <p:sp>
-        <p:nvSpPr>
-          <p:cNvPr id="13" name="Footer Placeholder 4">
-            <a:extLst>
-              <a:ext uri="{FF2B5EF4-FFF2-40B4-BE49-F238E27FC236}">
-                <a16:creationId xmlns:a16="http://schemas.microsoft.com/office/drawing/2014/main" id="{ADC31E64-6A1F-429C-B9BA-7C283A58BAEF}"/>
-              </a:ext>
-            </a:extLst>
-          </p:cNvPr>
-          <p:cNvSpPr>
-            <a:spLocks noGrp="1"/>
-          </p:cNvSpPr>
-          <p:nvPr>
-            <p:ph type="ftr" sz="quarter" idx="3"/>
-          </p:nvPr>
-        </p:nvSpPr>
-        <p:spPr>
-          <a:xfrm>
-            <a:off x="2368998" y="6300693"/>
-            <a:ext cx="3086100" cy="365125"/>
-          </a:xfrm>
-          <a:prstGeom prst="rect">
-            <a:avLst/>
-          </a:prstGeom>
-        </p:spPr>
-        <p:txBody>
-          <a:bodyPr vert="horz" lIns="91440" tIns="45720" rIns="91440" bIns="45720" rtlCol="0" anchor="ctr"/>
-          <a:lstStyle>
-            <a:lvl1pPr algn="ctr">
-              <a:defRPr sz="900">
-                <a:solidFill>
-                  <a:schemeClr val="tx1">
-                    <a:tint val="75000"/>
-                  </a:schemeClr>
-                </a:solidFill>
-              </a:defRPr>
-            </a:lvl1pPr>
-          </a:lstStyle>
-          <a:p>
-            <a:endParaRPr lang="en-NZ" dirty="0"/>
-          </a:p>
-        </p:txBody>
-      </p:sp>
-    </p:spTree>
-    <p:extLst>
-      <p:ext uri="{BB962C8B-B14F-4D97-AF65-F5344CB8AC3E}">
-        <p14:creationId xmlns:p14="http://schemas.microsoft.com/office/powerpoint/2010/main" val="899306004"/>
-      </p:ext>
-    </p:extLst>
-  </p:cSld>
-  <p:clrMapOvr>
-    <a:masterClrMapping/>
-  </p:clrMapOvr>
 </p:sldLayout>
 </file>
 
@@ -4301,6 +4815,894 @@
     <p:extLst>
       <p:ext uri="{BB962C8B-B14F-4D97-AF65-F5344CB8AC3E}">
         <p14:creationId xmlns:p14="http://schemas.microsoft.com/office/powerpoint/2010/main" val="3227625406"/>
+      </p:ext>
+    </p:extLst>
+  </p:cSld>
+  <p:clrMapOvr>
+    <a:masterClrMapping/>
+  </p:clrMapOvr>
+</p:sldLayout>
+</file>
+
+<file path=ppt/slideLayouts/slideLayout20.xml><?xml version="1.0" encoding="utf-8"?>
+<p:sldLayout xmlns:a="http://schemas.openxmlformats.org/drawingml/2006/main" xmlns:r="http://schemas.openxmlformats.org/officeDocument/2006/relationships" xmlns:p="http://schemas.openxmlformats.org/presentationml/2006/main" preserve="1">
+  <p:cSld name="Short Table">
+    <p:bg>
+      <p:bgPr>
+        <a:blipFill dpi="0" rotWithShape="1">
+          <a:blip r:embed="rId2">
+            <a:lum/>
+          </a:blip>
+          <a:srcRect/>
+          <a:stretch>
+            <a:fillRect/>
+          </a:stretch>
+        </a:blipFill>
+        <a:effectLst/>
+      </p:bgPr>
+    </p:bg>
+    <p:spTree>
+      <p:nvGrpSpPr>
+        <p:cNvPr id="1" name=""/>
+        <p:cNvGrpSpPr/>
+        <p:nvPr/>
+      </p:nvGrpSpPr>
+      <p:grpSpPr>
+        <a:xfrm>
+          <a:off x="0" y="0"/>
+          <a:ext cx="0" cy="0"/>
+          <a:chOff x="0" y="0"/>
+          <a:chExt cx="0" cy="0"/>
+        </a:xfrm>
+      </p:grpSpPr>
+      <p:sp>
+        <p:nvSpPr>
+          <p:cNvPr id="10" name="Title 9"/>
+          <p:cNvSpPr>
+            <a:spLocks noGrp="1"/>
+          </p:cNvSpPr>
+          <p:nvPr>
+            <p:ph type="title"/>
+          </p:nvPr>
+        </p:nvSpPr>
+        <p:spPr>
+          <a:xfrm>
+            <a:off x="676790" y="216000"/>
+            <a:ext cx="7790420" cy="900000"/>
+          </a:xfrm>
+          <a:prstGeom prst="rect">
+            <a:avLst/>
+          </a:prstGeom>
+        </p:spPr>
+        <p:txBody>
+          <a:bodyPr anchor="ctr"/>
+          <a:lstStyle>
+            <a:lvl1pPr>
+              <a:defRPr b="1">
+                <a:solidFill>
+                  <a:schemeClr val="bg1"/>
+                </a:solidFill>
+              </a:defRPr>
+            </a:lvl1pPr>
+          </a:lstStyle>
+          <a:p>
+            <a:r>
+              <a:rPr lang="en-US" dirty="0"/>
+              <a:t>Click to edit Master title style</a:t>
+            </a:r>
+            <a:endParaRPr lang="en-NZ" dirty="0"/>
+          </a:p>
+        </p:txBody>
+      </p:sp>
+      <p:cxnSp>
+        <p:nvCxnSpPr>
+          <p:cNvPr id="7" name="Straight Connector 6"/>
+          <p:cNvCxnSpPr/>
+          <p:nvPr/>
+        </p:nvCxnSpPr>
+        <p:spPr>
+          <a:xfrm>
+            <a:off x="676790" y="1128581"/>
+            <a:ext cx="7790420" cy="0"/>
+          </a:xfrm>
+          <a:prstGeom prst="line">
+            <a:avLst/>
+          </a:prstGeom>
+          <a:ln w="15875">
+            <a:solidFill>
+              <a:schemeClr val="bg1"/>
+            </a:solidFill>
+          </a:ln>
+        </p:spPr>
+        <p:style>
+          <a:lnRef idx="1">
+            <a:schemeClr val="accent1"/>
+          </a:lnRef>
+          <a:fillRef idx="0">
+            <a:schemeClr val="accent1"/>
+          </a:fillRef>
+          <a:effectRef idx="0">
+            <a:schemeClr val="accent1"/>
+          </a:effectRef>
+          <a:fontRef idx="minor">
+            <a:schemeClr val="tx1"/>
+          </a:fontRef>
+        </p:style>
+      </p:cxnSp>
+      <p:sp>
+        <p:nvSpPr>
+          <p:cNvPr id="8" name="Date Placeholder 2"/>
+          <p:cNvSpPr>
+            <a:spLocks noGrp="1"/>
+          </p:cNvSpPr>
+          <p:nvPr>
+            <p:ph type="dt" sz="half" idx="10"/>
+          </p:nvPr>
+        </p:nvSpPr>
+        <p:spPr>
+          <a:xfrm>
+            <a:off x="4763334" y="6303952"/>
+            <a:ext cx="2057400" cy="365125"/>
+          </a:xfrm>
+        </p:spPr>
+        <p:txBody>
+          <a:bodyPr/>
+          <a:lstStyle>
+            <a:lvl1pPr algn="r">
+              <a:defRPr>
+                <a:solidFill>
+                  <a:schemeClr val="bg1">
+                    <a:lumMod val="75000"/>
+                    <a:lumOff val="25000"/>
+                  </a:schemeClr>
+                </a:solidFill>
+              </a:defRPr>
+            </a:lvl1pPr>
+          </a:lstStyle>
+          <a:p>
+            <a:fld id="{4010FC87-8C3C-489B-8CDA-82DCF3C54878}" type="datetime1">
+              <a:rPr lang="en-NZ" smtClean="0"/>
+              <a:t>6/06/2018</a:t>
+            </a:fld>
+            <a:endParaRPr lang="en-NZ"/>
+          </a:p>
+        </p:txBody>
+      </p:sp>
+      <p:sp>
+        <p:nvSpPr>
+          <p:cNvPr id="9" name="Slide Number Placeholder 4"/>
+          <p:cNvSpPr>
+            <a:spLocks noGrp="1"/>
+          </p:cNvSpPr>
+          <p:nvPr>
+            <p:ph type="sldNum" sz="quarter" idx="12"/>
+          </p:nvPr>
+        </p:nvSpPr>
+        <p:spPr>
+          <a:xfrm>
+            <a:off x="311598" y="6300694"/>
+            <a:ext cx="2057400" cy="365125"/>
+          </a:xfrm>
+        </p:spPr>
+        <p:txBody>
+          <a:bodyPr/>
+          <a:lstStyle>
+            <a:lvl1pPr>
+              <a:defRPr>
+                <a:solidFill>
+                  <a:schemeClr val="bg1">
+                    <a:lumMod val="75000"/>
+                    <a:lumOff val="25000"/>
+                  </a:schemeClr>
+                </a:solidFill>
+              </a:defRPr>
+            </a:lvl1pPr>
+          </a:lstStyle>
+          <a:p>
+            <a:fld id="{F29C7AEF-255B-4C1D-B0BE-CB256ECA03A2}" type="slidenum">
+              <a:rPr lang="en-NZ" smtClean="0"/>
+              <a:t>‹#›</a:t>
+            </a:fld>
+            <a:endParaRPr lang="en-NZ"/>
+          </a:p>
+        </p:txBody>
+      </p:sp>
+      <p:sp>
+        <p:nvSpPr>
+          <p:cNvPr id="3" name="Text Placeholder 2"/>
+          <p:cNvSpPr>
+            <a:spLocks noGrp="1"/>
+          </p:cNvSpPr>
+          <p:nvPr>
+            <p:ph type="body" sz="quarter" idx="13"/>
+          </p:nvPr>
+        </p:nvSpPr>
+        <p:spPr>
+          <a:xfrm>
+            <a:off x="676790" y="1301319"/>
+            <a:ext cx="7790420" cy="317307"/>
+          </a:xfrm>
+        </p:spPr>
+        <p:txBody>
+          <a:bodyPr>
+            <a:normAutofit/>
+          </a:bodyPr>
+          <a:lstStyle>
+            <a:lvl1pPr marL="0" indent="0">
+              <a:buNone/>
+              <a:defRPr sz="1800" b="1">
+                <a:solidFill>
+                  <a:schemeClr val="bg1"/>
+                </a:solidFill>
+              </a:defRPr>
+            </a:lvl1pPr>
+            <a:lvl2pPr marL="342900" indent="0">
+              <a:buNone/>
+              <a:defRPr>
+                <a:solidFill>
+                  <a:schemeClr val="bg1">
+                    <a:lumMod val="75000"/>
+                    <a:lumOff val="25000"/>
+                  </a:schemeClr>
+                </a:solidFill>
+              </a:defRPr>
+            </a:lvl2pPr>
+            <a:lvl3pPr>
+              <a:defRPr>
+                <a:solidFill>
+                  <a:schemeClr val="bg1">
+                    <a:lumMod val="75000"/>
+                    <a:lumOff val="25000"/>
+                  </a:schemeClr>
+                </a:solidFill>
+              </a:defRPr>
+            </a:lvl3pPr>
+            <a:lvl4pPr>
+              <a:defRPr>
+                <a:solidFill>
+                  <a:schemeClr val="bg1">
+                    <a:lumMod val="75000"/>
+                    <a:lumOff val="25000"/>
+                  </a:schemeClr>
+                </a:solidFill>
+              </a:defRPr>
+            </a:lvl4pPr>
+            <a:lvl5pPr>
+              <a:defRPr>
+                <a:solidFill>
+                  <a:schemeClr val="bg1">
+                    <a:lumMod val="75000"/>
+                    <a:lumOff val="25000"/>
+                  </a:schemeClr>
+                </a:solidFill>
+              </a:defRPr>
+            </a:lvl5pPr>
+          </a:lstStyle>
+          <a:p>
+            <a:pPr lvl="0"/>
+            <a:r>
+              <a:rPr lang="en-US" dirty="0"/>
+              <a:t>Click to edit Master text styles</a:t>
+            </a:r>
+          </a:p>
+        </p:txBody>
+      </p:sp>
+      <p:sp>
+        <p:nvSpPr>
+          <p:cNvPr id="4" name="Table Placeholder 3"/>
+          <p:cNvSpPr>
+            <a:spLocks noGrp="1"/>
+          </p:cNvSpPr>
+          <p:nvPr>
+            <p:ph type="tbl" sz="quarter" idx="14"/>
+          </p:nvPr>
+        </p:nvSpPr>
+        <p:spPr>
+          <a:xfrm>
+            <a:off x="676790" y="1690297"/>
+            <a:ext cx="7750517" cy="2584450"/>
+          </a:xfrm>
+        </p:spPr>
+        <p:txBody>
+          <a:bodyPr/>
+          <a:lstStyle/>
+          <a:p>
+            <a:r>
+              <a:rPr lang="en-US"/>
+              <a:t>Click icon to add table</a:t>
+            </a:r>
+            <a:endParaRPr lang="en-NZ"/>
+          </a:p>
+        </p:txBody>
+      </p:sp>
+      <p:sp>
+        <p:nvSpPr>
+          <p:cNvPr id="11" name="Text Placeholder 2"/>
+          <p:cNvSpPr>
+            <a:spLocks noGrp="1"/>
+          </p:cNvSpPr>
+          <p:nvPr>
+            <p:ph type="body" sz="quarter" idx="15"/>
+          </p:nvPr>
+        </p:nvSpPr>
+        <p:spPr>
+          <a:xfrm>
+            <a:off x="440745" y="3644574"/>
+            <a:ext cx="8342313" cy="2327858"/>
+          </a:xfrm>
+        </p:spPr>
+        <p:txBody>
+          <a:bodyPr/>
+          <a:lstStyle>
+            <a:lvl1pPr>
+              <a:defRPr sz="1200">
+                <a:solidFill>
+                  <a:schemeClr val="bg1"/>
+                </a:solidFill>
+              </a:defRPr>
+            </a:lvl1pPr>
+            <a:lvl2pPr>
+              <a:defRPr sz="1100">
+                <a:solidFill>
+                  <a:schemeClr val="bg1"/>
+                </a:solidFill>
+              </a:defRPr>
+            </a:lvl2pPr>
+            <a:lvl3pPr>
+              <a:defRPr>
+                <a:solidFill>
+                  <a:schemeClr val="bg1">
+                    <a:lumMod val="75000"/>
+                    <a:lumOff val="25000"/>
+                  </a:schemeClr>
+                </a:solidFill>
+              </a:defRPr>
+            </a:lvl3pPr>
+            <a:lvl4pPr>
+              <a:defRPr>
+                <a:solidFill>
+                  <a:schemeClr val="bg1">
+                    <a:lumMod val="75000"/>
+                    <a:lumOff val="25000"/>
+                  </a:schemeClr>
+                </a:solidFill>
+              </a:defRPr>
+            </a:lvl4pPr>
+            <a:lvl5pPr>
+              <a:defRPr>
+                <a:solidFill>
+                  <a:schemeClr val="bg1">
+                    <a:lumMod val="75000"/>
+                    <a:lumOff val="25000"/>
+                  </a:schemeClr>
+                </a:solidFill>
+              </a:defRPr>
+            </a:lvl5pPr>
+          </a:lstStyle>
+          <a:p>
+            <a:pPr lvl="0"/>
+            <a:r>
+              <a:rPr lang="en-US" dirty="0"/>
+              <a:t>Click to edit Master text styles</a:t>
+            </a:r>
+          </a:p>
+          <a:p>
+            <a:pPr lvl="1"/>
+            <a:r>
+              <a:rPr lang="en-US" dirty="0"/>
+              <a:t>Second level</a:t>
+            </a:r>
+          </a:p>
+        </p:txBody>
+      </p:sp>
+      <p:sp>
+        <p:nvSpPr>
+          <p:cNvPr id="12" name="Footer Placeholder 4">
+            <a:extLst>
+              <a:ext uri="{FF2B5EF4-FFF2-40B4-BE49-F238E27FC236}">
+                <a16:creationId xmlns:a16="http://schemas.microsoft.com/office/drawing/2014/main" id="{EA2865A4-19A3-40C8-8F43-4C332B3F9F99}"/>
+              </a:ext>
+            </a:extLst>
+          </p:cNvPr>
+          <p:cNvSpPr>
+            <a:spLocks noGrp="1"/>
+          </p:cNvSpPr>
+          <p:nvPr>
+            <p:ph type="ftr" sz="quarter" idx="3"/>
+          </p:nvPr>
+        </p:nvSpPr>
+        <p:spPr>
+          <a:xfrm>
+            <a:off x="2368998" y="6300693"/>
+            <a:ext cx="3086100" cy="365125"/>
+          </a:xfrm>
+          <a:prstGeom prst="rect">
+            <a:avLst/>
+          </a:prstGeom>
+        </p:spPr>
+        <p:txBody>
+          <a:bodyPr vert="horz" lIns="91440" tIns="45720" rIns="91440" bIns="45720" rtlCol="0" anchor="ctr"/>
+          <a:lstStyle>
+            <a:lvl1pPr algn="ctr">
+              <a:defRPr sz="900">
+                <a:solidFill>
+                  <a:schemeClr val="bg2"/>
+                </a:solidFill>
+              </a:defRPr>
+            </a:lvl1pPr>
+          </a:lstStyle>
+          <a:p>
+            <a:endParaRPr lang="en-NZ" dirty="0"/>
+          </a:p>
+        </p:txBody>
+      </p:sp>
+    </p:spTree>
+    <p:extLst>
+      <p:ext uri="{BB962C8B-B14F-4D97-AF65-F5344CB8AC3E}">
+        <p14:creationId xmlns:p14="http://schemas.microsoft.com/office/powerpoint/2010/main" val="3570837598"/>
+      </p:ext>
+    </p:extLst>
+  </p:cSld>
+  <p:clrMapOvr>
+    <a:masterClrMapping/>
+  </p:clrMapOvr>
+  <p:hf hdr="0" ftr="0" dt="0"/>
+</p:sldLayout>
+</file>
+
+<file path=ppt/slideLayouts/slideLayout21.xml><?xml version="1.0" encoding="utf-8"?>
+<p:sldLayout xmlns:a="http://schemas.openxmlformats.org/drawingml/2006/main" xmlns:r="http://schemas.openxmlformats.org/officeDocument/2006/relationships" xmlns:p="http://schemas.openxmlformats.org/presentationml/2006/main" preserve="1">
+  <p:cSld name="Table Dark">
+    <p:bg>
+      <p:bgPr>
+        <a:blipFill dpi="0" rotWithShape="1">
+          <a:blip r:embed="rId2">
+            <a:lum/>
+          </a:blip>
+          <a:srcRect/>
+          <a:stretch>
+            <a:fillRect/>
+          </a:stretch>
+        </a:blipFill>
+        <a:effectLst/>
+      </p:bgPr>
+    </p:bg>
+    <p:spTree>
+      <p:nvGrpSpPr>
+        <p:cNvPr id="1" name=""/>
+        <p:cNvGrpSpPr/>
+        <p:nvPr/>
+      </p:nvGrpSpPr>
+      <p:grpSpPr>
+        <a:xfrm>
+          <a:off x="0" y="0"/>
+          <a:ext cx="0" cy="0"/>
+          <a:chOff x="0" y="0"/>
+          <a:chExt cx="0" cy="0"/>
+        </a:xfrm>
+      </p:grpSpPr>
+      <p:sp>
+        <p:nvSpPr>
+          <p:cNvPr id="10" name="Title 9"/>
+          <p:cNvSpPr>
+            <a:spLocks noGrp="1"/>
+          </p:cNvSpPr>
+          <p:nvPr>
+            <p:ph type="title"/>
+          </p:nvPr>
+        </p:nvSpPr>
+        <p:spPr>
+          <a:xfrm>
+            <a:off x="676790" y="216000"/>
+            <a:ext cx="7838560" cy="900000"/>
+          </a:xfrm>
+          <a:prstGeom prst="rect">
+            <a:avLst/>
+          </a:prstGeom>
+        </p:spPr>
+        <p:txBody>
+          <a:bodyPr anchor="ctr"/>
+          <a:lstStyle>
+            <a:lvl1pPr>
+              <a:defRPr b="1">
+                <a:solidFill>
+                  <a:schemeClr val="tx2"/>
+                </a:solidFill>
+              </a:defRPr>
+            </a:lvl1pPr>
+          </a:lstStyle>
+          <a:p>
+            <a:r>
+              <a:rPr lang="en-US"/>
+              <a:t>Click to edit Master title style</a:t>
+            </a:r>
+            <a:endParaRPr lang="en-NZ" dirty="0"/>
+          </a:p>
+        </p:txBody>
+      </p:sp>
+      <p:cxnSp>
+        <p:nvCxnSpPr>
+          <p:cNvPr id="7" name="Straight Connector 6"/>
+          <p:cNvCxnSpPr/>
+          <p:nvPr/>
+        </p:nvCxnSpPr>
+        <p:spPr>
+          <a:xfrm>
+            <a:off x="716692" y="1128581"/>
+            <a:ext cx="7790420" cy="0"/>
+          </a:xfrm>
+          <a:prstGeom prst="line">
+            <a:avLst/>
+          </a:prstGeom>
+          <a:ln w="15875">
+            <a:solidFill>
+              <a:schemeClr val="tx2"/>
+            </a:solidFill>
+          </a:ln>
+        </p:spPr>
+        <p:style>
+          <a:lnRef idx="1">
+            <a:schemeClr val="accent1"/>
+          </a:lnRef>
+          <a:fillRef idx="0">
+            <a:schemeClr val="accent1"/>
+          </a:fillRef>
+          <a:effectRef idx="0">
+            <a:schemeClr val="accent1"/>
+          </a:effectRef>
+          <a:fontRef idx="minor">
+            <a:schemeClr val="tx1"/>
+          </a:fontRef>
+        </p:style>
+      </p:cxnSp>
+      <p:sp>
+        <p:nvSpPr>
+          <p:cNvPr id="8" name="Date Placeholder 2"/>
+          <p:cNvSpPr>
+            <a:spLocks noGrp="1"/>
+          </p:cNvSpPr>
+          <p:nvPr>
+            <p:ph type="dt" sz="half" idx="10"/>
+          </p:nvPr>
+        </p:nvSpPr>
+        <p:spPr>
+          <a:xfrm>
+            <a:off x="4763334" y="6303952"/>
+            <a:ext cx="2057400" cy="365125"/>
+          </a:xfrm>
+        </p:spPr>
+        <p:txBody>
+          <a:bodyPr/>
+          <a:lstStyle>
+            <a:lvl1pPr algn="r">
+              <a:defRPr>
+                <a:solidFill>
+                  <a:schemeClr val="tx2"/>
+                </a:solidFill>
+              </a:defRPr>
+            </a:lvl1pPr>
+          </a:lstStyle>
+          <a:p>
+            <a:fld id="{9FB38DA5-FF68-44AA-80FB-3F4C5332234D}" type="datetime1">
+              <a:rPr lang="en-NZ" smtClean="0"/>
+              <a:t>6/06/2018</a:t>
+            </a:fld>
+            <a:endParaRPr lang="en-NZ" dirty="0"/>
+          </a:p>
+        </p:txBody>
+      </p:sp>
+      <p:sp>
+        <p:nvSpPr>
+          <p:cNvPr id="9" name="Slide Number Placeholder 4"/>
+          <p:cNvSpPr>
+            <a:spLocks noGrp="1"/>
+          </p:cNvSpPr>
+          <p:nvPr>
+            <p:ph type="sldNum" sz="quarter" idx="12"/>
+          </p:nvPr>
+        </p:nvSpPr>
+        <p:spPr>
+          <a:xfrm>
+            <a:off x="311598" y="6300694"/>
+            <a:ext cx="2057400" cy="365125"/>
+          </a:xfrm>
+        </p:spPr>
+        <p:txBody>
+          <a:bodyPr/>
+          <a:lstStyle>
+            <a:lvl1pPr>
+              <a:defRPr>
+                <a:solidFill>
+                  <a:schemeClr val="tx2"/>
+                </a:solidFill>
+              </a:defRPr>
+            </a:lvl1pPr>
+          </a:lstStyle>
+          <a:p>
+            <a:pPr algn="l"/>
+            <a:r>
+              <a:rPr lang="en-NZ"/>
+              <a:t>Page </a:t>
+            </a:r>
+            <a:fld id="{F29C7AEF-255B-4C1D-B0BE-CB256ECA03A2}" type="slidenum">
+              <a:rPr lang="en-NZ" smtClean="0"/>
+              <a:pPr algn="l"/>
+              <a:t>‹#›</a:t>
+            </a:fld>
+            <a:endParaRPr lang="en-NZ" dirty="0"/>
+          </a:p>
+        </p:txBody>
+      </p:sp>
+      <p:sp>
+        <p:nvSpPr>
+          <p:cNvPr id="3" name="Text Placeholder 2"/>
+          <p:cNvSpPr>
+            <a:spLocks noGrp="1"/>
+          </p:cNvSpPr>
+          <p:nvPr>
+            <p:ph type="body" sz="quarter" idx="13"/>
+          </p:nvPr>
+        </p:nvSpPr>
+        <p:spPr>
+          <a:xfrm>
+            <a:off x="676790" y="1301319"/>
+            <a:ext cx="7838560" cy="317307"/>
+          </a:xfrm>
+        </p:spPr>
+        <p:txBody>
+          <a:bodyPr>
+            <a:normAutofit/>
+          </a:bodyPr>
+          <a:lstStyle>
+            <a:lvl1pPr marL="0" indent="0">
+              <a:buNone/>
+              <a:defRPr sz="1800" b="1">
+                <a:solidFill>
+                  <a:schemeClr val="tx2"/>
+                </a:solidFill>
+              </a:defRPr>
+            </a:lvl1pPr>
+            <a:lvl2pPr marL="342900" indent="0">
+              <a:buNone/>
+              <a:defRPr>
+                <a:solidFill>
+                  <a:schemeClr val="bg1">
+                    <a:lumMod val="75000"/>
+                    <a:lumOff val="25000"/>
+                  </a:schemeClr>
+                </a:solidFill>
+              </a:defRPr>
+            </a:lvl2pPr>
+            <a:lvl3pPr>
+              <a:defRPr>
+                <a:solidFill>
+                  <a:schemeClr val="bg1">
+                    <a:lumMod val="75000"/>
+                    <a:lumOff val="25000"/>
+                  </a:schemeClr>
+                </a:solidFill>
+              </a:defRPr>
+            </a:lvl3pPr>
+            <a:lvl4pPr>
+              <a:defRPr>
+                <a:solidFill>
+                  <a:schemeClr val="bg1">
+                    <a:lumMod val="75000"/>
+                    <a:lumOff val="25000"/>
+                  </a:schemeClr>
+                </a:solidFill>
+              </a:defRPr>
+            </a:lvl4pPr>
+            <a:lvl5pPr>
+              <a:defRPr>
+                <a:solidFill>
+                  <a:schemeClr val="bg1">
+                    <a:lumMod val="75000"/>
+                    <a:lumOff val="25000"/>
+                  </a:schemeClr>
+                </a:solidFill>
+              </a:defRPr>
+            </a:lvl5pPr>
+          </a:lstStyle>
+          <a:p>
+            <a:pPr lvl="0"/>
+            <a:r>
+              <a:rPr lang="en-US"/>
+              <a:t>Click to edit Master text styles</a:t>
+            </a:r>
+          </a:p>
+        </p:txBody>
+      </p:sp>
+      <p:sp>
+        <p:nvSpPr>
+          <p:cNvPr id="4" name="Table Placeholder 3"/>
+          <p:cNvSpPr>
+            <a:spLocks noGrp="1"/>
+          </p:cNvSpPr>
+          <p:nvPr>
+            <p:ph type="tbl" sz="quarter" idx="14"/>
+          </p:nvPr>
+        </p:nvSpPr>
+        <p:spPr>
+          <a:xfrm>
+            <a:off x="676790" y="1690297"/>
+            <a:ext cx="7750517" cy="2584450"/>
+          </a:xfrm>
+        </p:spPr>
+        <p:txBody>
+          <a:bodyPr/>
+          <a:lstStyle/>
+          <a:p>
+            <a:r>
+              <a:rPr lang="en-US"/>
+              <a:t>Click icon to add table</a:t>
+            </a:r>
+            <a:endParaRPr lang="en-NZ"/>
+          </a:p>
+        </p:txBody>
+      </p:sp>
+      <p:sp>
+        <p:nvSpPr>
+          <p:cNvPr id="11" name="Text Placeholder 2"/>
+          <p:cNvSpPr>
+            <a:spLocks noGrp="1"/>
+          </p:cNvSpPr>
+          <p:nvPr>
+            <p:ph type="body" sz="quarter" idx="15"/>
+          </p:nvPr>
+        </p:nvSpPr>
+        <p:spPr>
+          <a:xfrm>
+            <a:off x="440745" y="4976813"/>
+            <a:ext cx="8342313" cy="1187450"/>
+          </a:xfrm>
+        </p:spPr>
+        <p:txBody>
+          <a:bodyPr/>
+          <a:lstStyle>
+            <a:lvl1pPr>
+              <a:defRPr sz="1200">
+                <a:solidFill>
+                  <a:schemeClr val="tx2"/>
+                </a:solidFill>
+              </a:defRPr>
+            </a:lvl1pPr>
+            <a:lvl2pPr>
+              <a:defRPr sz="1100">
+                <a:solidFill>
+                  <a:schemeClr val="tx2"/>
+                </a:solidFill>
+              </a:defRPr>
+            </a:lvl2pPr>
+            <a:lvl3pPr>
+              <a:defRPr>
+                <a:solidFill>
+                  <a:schemeClr val="bg1">
+                    <a:lumMod val="75000"/>
+                    <a:lumOff val="25000"/>
+                  </a:schemeClr>
+                </a:solidFill>
+              </a:defRPr>
+            </a:lvl3pPr>
+            <a:lvl4pPr>
+              <a:defRPr>
+                <a:solidFill>
+                  <a:schemeClr val="bg1">
+                    <a:lumMod val="75000"/>
+                    <a:lumOff val="25000"/>
+                  </a:schemeClr>
+                </a:solidFill>
+              </a:defRPr>
+            </a:lvl4pPr>
+            <a:lvl5pPr>
+              <a:defRPr>
+                <a:solidFill>
+                  <a:schemeClr val="bg1">
+                    <a:lumMod val="75000"/>
+                    <a:lumOff val="25000"/>
+                  </a:schemeClr>
+                </a:solidFill>
+              </a:defRPr>
+            </a:lvl5pPr>
+          </a:lstStyle>
+          <a:p>
+            <a:pPr lvl="0"/>
+            <a:r>
+              <a:rPr lang="en-US"/>
+              <a:t>Click to edit Master text styles</a:t>
+            </a:r>
+          </a:p>
+          <a:p>
+            <a:pPr lvl="1"/>
+            <a:r>
+              <a:rPr lang="en-US"/>
+              <a:t>Second level</a:t>
+            </a:r>
+          </a:p>
+        </p:txBody>
+      </p:sp>
+      <p:cxnSp>
+        <p:nvCxnSpPr>
+          <p:cNvPr id="12" name="Straight Connector 11"/>
+          <p:cNvCxnSpPr/>
+          <p:nvPr userDrawn="1"/>
+        </p:nvCxnSpPr>
+        <p:spPr>
+          <a:xfrm>
+            <a:off x="676790" y="1128581"/>
+            <a:ext cx="7790420" cy="0"/>
+          </a:xfrm>
+          <a:prstGeom prst="line">
+            <a:avLst/>
+          </a:prstGeom>
+          <a:ln w="15875">
+            <a:solidFill>
+              <a:schemeClr val="tx2"/>
+            </a:solidFill>
+          </a:ln>
+        </p:spPr>
+        <p:style>
+          <a:lnRef idx="1">
+            <a:schemeClr val="accent1"/>
+          </a:lnRef>
+          <a:fillRef idx="0">
+            <a:schemeClr val="accent1"/>
+          </a:fillRef>
+          <a:effectRef idx="0">
+            <a:schemeClr val="accent1"/>
+          </a:effectRef>
+          <a:fontRef idx="minor">
+            <a:schemeClr val="tx1"/>
+          </a:fontRef>
+        </p:style>
+      </p:cxnSp>
+      <p:sp>
+        <p:nvSpPr>
+          <p:cNvPr id="13" name="Footer Placeholder 4">
+            <a:extLst>
+              <a:ext uri="{FF2B5EF4-FFF2-40B4-BE49-F238E27FC236}">
+                <a16:creationId xmlns:a16="http://schemas.microsoft.com/office/drawing/2014/main" id="{ADC31E64-6A1F-429C-B9BA-7C283A58BAEF}"/>
+              </a:ext>
+            </a:extLst>
+          </p:cNvPr>
+          <p:cNvSpPr>
+            <a:spLocks noGrp="1"/>
+          </p:cNvSpPr>
+          <p:nvPr>
+            <p:ph type="ftr" sz="quarter" idx="3"/>
+          </p:nvPr>
+        </p:nvSpPr>
+        <p:spPr>
+          <a:xfrm>
+            <a:off x="2368998" y="6300693"/>
+            <a:ext cx="3086100" cy="365125"/>
+          </a:xfrm>
+          <a:prstGeom prst="rect">
+            <a:avLst/>
+          </a:prstGeom>
+        </p:spPr>
+        <p:txBody>
+          <a:bodyPr vert="horz" lIns="91440" tIns="45720" rIns="91440" bIns="45720" rtlCol="0" anchor="ctr"/>
+          <a:lstStyle>
+            <a:lvl1pPr algn="ctr">
+              <a:defRPr sz="900">
+                <a:solidFill>
+                  <a:schemeClr val="tx1">
+                    <a:tint val="75000"/>
+                  </a:schemeClr>
+                </a:solidFill>
+              </a:defRPr>
+            </a:lvl1pPr>
+          </a:lstStyle>
+          <a:p>
+            <a:endParaRPr lang="en-NZ" dirty="0"/>
+          </a:p>
+        </p:txBody>
+      </p:sp>
+    </p:spTree>
+    <p:extLst>
+      <p:ext uri="{BB962C8B-B14F-4D97-AF65-F5344CB8AC3E}">
+        <p14:creationId xmlns:p14="http://schemas.microsoft.com/office/powerpoint/2010/main" val="899306004"/>
       </p:ext>
     </p:extLst>
   </p:cSld>
@@ -4453,7 +5855,7 @@
           <a:p>
             <a:fld id="{BE38C2FB-15A2-4BDF-BE09-A2A3D94E0D42}" type="datetime1">
               <a:rPr lang="en-NZ" smtClean="0"/>
-              <a:t>3/05/2018</a:t>
+              <a:t>6/06/2018</a:t>
             </a:fld>
             <a:endParaRPr lang="en-NZ" dirty="0"/>
           </a:p>
@@ -4726,7 +6128,7 @@
           <a:p>
             <a:fld id="{F990B386-C1C6-42B1-BD04-DE7D357B49CF}" type="datetime1">
               <a:rPr lang="en-NZ" smtClean="0"/>
-              <a:t>3/05/2018</a:t>
+              <a:t>6/06/2018</a:t>
             </a:fld>
             <a:endParaRPr lang="en-NZ" dirty="0"/>
           </a:p>
@@ -5008,7 +6410,7 @@
           <a:p>
             <a:fld id="{DE6A2FC7-A113-4CA2-9FBE-04075F67766A}" type="datetime1">
               <a:rPr lang="en-NZ" smtClean="0"/>
-              <a:t>3/05/2018</a:t>
+              <a:t>6/06/2018</a:t>
             </a:fld>
             <a:endParaRPr lang="en-NZ" dirty="0"/>
           </a:p>
@@ -5226,6 +6628,364 @@
 </file>
 
 <file path=ppt/slideLayouts/slideLayout6.xml><?xml version="1.0" encoding="utf-8"?>
+<p:sldLayout xmlns:a="http://schemas.openxmlformats.org/drawingml/2006/main" xmlns:r="http://schemas.openxmlformats.org/officeDocument/2006/relationships" xmlns:p="http://schemas.openxmlformats.org/presentationml/2006/main" preserve="1">
+  <p:cSld name="Text White">
+    <p:bg>
+      <p:bgPr>
+        <a:blipFill dpi="0" rotWithShape="1">
+          <a:blip r:embed="rId2">
+            <a:lum/>
+          </a:blip>
+          <a:srcRect/>
+          <a:stretch>
+            <a:fillRect/>
+          </a:stretch>
+        </a:blipFill>
+        <a:effectLst/>
+      </p:bgPr>
+    </p:bg>
+    <p:spTree>
+      <p:nvGrpSpPr>
+        <p:cNvPr id="1" name=""/>
+        <p:cNvGrpSpPr/>
+        <p:nvPr/>
+      </p:nvGrpSpPr>
+      <p:grpSpPr>
+        <a:xfrm>
+          <a:off x="0" y="0"/>
+          <a:ext cx="0" cy="0"/>
+          <a:chOff x="0" y="0"/>
+          <a:chExt cx="0" cy="0"/>
+        </a:xfrm>
+      </p:grpSpPr>
+      <p:sp>
+        <p:nvSpPr>
+          <p:cNvPr id="10" name="Title 9"/>
+          <p:cNvSpPr>
+            <a:spLocks noGrp="1"/>
+          </p:cNvSpPr>
+          <p:nvPr>
+            <p:ph type="title"/>
+          </p:nvPr>
+        </p:nvSpPr>
+        <p:spPr>
+          <a:xfrm>
+            <a:off x="676790" y="216000"/>
+            <a:ext cx="7838560" cy="900000"/>
+          </a:xfrm>
+          <a:prstGeom prst="rect">
+            <a:avLst/>
+          </a:prstGeom>
+        </p:spPr>
+        <p:txBody>
+          <a:bodyPr anchor="ctr"/>
+          <a:lstStyle>
+            <a:lvl1pPr>
+              <a:defRPr b="1">
+                <a:solidFill>
+                  <a:schemeClr val="bg1"/>
+                </a:solidFill>
+              </a:defRPr>
+            </a:lvl1pPr>
+          </a:lstStyle>
+          <a:p>
+            <a:r>
+              <a:rPr lang="en-US" dirty="0"/>
+              <a:t>Click to edit Master title style</a:t>
+            </a:r>
+            <a:endParaRPr lang="en-NZ" dirty="0"/>
+          </a:p>
+        </p:txBody>
+      </p:sp>
+      <p:cxnSp>
+        <p:nvCxnSpPr>
+          <p:cNvPr id="7" name="Straight Connector 6"/>
+          <p:cNvCxnSpPr/>
+          <p:nvPr/>
+        </p:nvCxnSpPr>
+        <p:spPr>
+          <a:xfrm>
+            <a:off x="716692" y="1128581"/>
+            <a:ext cx="7790420" cy="0"/>
+          </a:xfrm>
+          <a:prstGeom prst="line">
+            <a:avLst/>
+          </a:prstGeom>
+          <a:ln w="15875">
+            <a:solidFill>
+              <a:schemeClr val="bg1">
+                <a:lumMod val="65000"/>
+                <a:lumOff val="35000"/>
+              </a:schemeClr>
+            </a:solidFill>
+          </a:ln>
+        </p:spPr>
+        <p:style>
+          <a:lnRef idx="1">
+            <a:schemeClr val="accent1"/>
+          </a:lnRef>
+          <a:fillRef idx="0">
+            <a:schemeClr val="accent1"/>
+          </a:fillRef>
+          <a:effectRef idx="0">
+            <a:schemeClr val="accent1"/>
+          </a:effectRef>
+          <a:fontRef idx="minor">
+            <a:schemeClr val="tx1"/>
+          </a:fontRef>
+        </p:style>
+      </p:cxnSp>
+      <p:sp>
+        <p:nvSpPr>
+          <p:cNvPr id="8" name="Date Placeholder 2"/>
+          <p:cNvSpPr>
+            <a:spLocks noGrp="1"/>
+          </p:cNvSpPr>
+          <p:nvPr>
+            <p:ph type="dt" sz="half" idx="10"/>
+          </p:nvPr>
+        </p:nvSpPr>
+        <p:spPr>
+          <a:xfrm>
+            <a:off x="4763334" y="6303952"/>
+            <a:ext cx="2057400" cy="365125"/>
+          </a:xfrm>
+        </p:spPr>
+        <p:txBody>
+          <a:bodyPr/>
+          <a:lstStyle>
+            <a:lvl1pPr algn="r">
+              <a:defRPr>
+                <a:solidFill>
+                  <a:schemeClr val="bg1">
+                    <a:lumMod val="75000"/>
+                    <a:lumOff val="25000"/>
+                  </a:schemeClr>
+                </a:solidFill>
+              </a:defRPr>
+            </a:lvl1pPr>
+          </a:lstStyle>
+          <a:p>
+            <a:fld id="{DE6A2FC7-A113-4CA2-9FBE-04075F67766A}" type="datetime1">
+              <a:rPr lang="en-NZ" smtClean="0"/>
+              <a:t>6/06/2018</a:t>
+            </a:fld>
+            <a:endParaRPr lang="en-NZ" dirty="0"/>
+          </a:p>
+        </p:txBody>
+      </p:sp>
+      <p:sp>
+        <p:nvSpPr>
+          <p:cNvPr id="9" name="Slide Number Placeholder 4"/>
+          <p:cNvSpPr>
+            <a:spLocks noGrp="1"/>
+          </p:cNvSpPr>
+          <p:nvPr>
+            <p:ph type="sldNum" sz="quarter" idx="12"/>
+          </p:nvPr>
+        </p:nvSpPr>
+        <p:spPr>
+          <a:xfrm>
+            <a:off x="311598" y="6300694"/>
+            <a:ext cx="2057400" cy="365125"/>
+          </a:xfrm>
+        </p:spPr>
+        <p:txBody>
+          <a:bodyPr/>
+          <a:lstStyle>
+            <a:lvl1pPr>
+              <a:defRPr>
+                <a:solidFill>
+                  <a:schemeClr val="bg1">
+                    <a:lumMod val="75000"/>
+                    <a:lumOff val="25000"/>
+                  </a:schemeClr>
+                </a:solidFill>
+              </a:defRPr>
+            </a:lvl1pPr>
+          </a:lstStyle>
+          <a:p>
+            <a:pPr algn="l"/>
+            <a:r>
+              <a:rPr lang="en-NZ"/>
+              <a:t>Page </a:t>
+            </a:r>
+            <a:fld id="{F29C7AEF-255B-4C1D-B0BE-CB256ECA03A2}" type="slidenum">
+              <a:rPr lang="en-NZ" smtClean="0"/>
+              <a:pPr algn="l"/>
+              <a:t>‹#›</a:t>
+            </a:fld>
+            <a:endParaRPr lang="en-NZ" dirty="0"/>
+          </a:p>
+        </p:txBody>
+      </p:sp>
+      <p:sp>
+        <p:nvSpPr>
+          <p:cNvPr id="3" name="Text Placeholder 2"/>
+          <p:cNvSpPr>
+            <a:spLocks noGrp="1"/>
+          </p:cNvSpPr>
+          <p:nvPr>
+            <p:ph type="body" sz="quarter" idx="13"/>
+          </p:nvPr>
+        </p:nvSpPr>
+        <p:spPr>
+          <a:xfrm>
+            <a:off x="676790" y="1400175"/>
+            <a:ext cx="7838560" cy="4595813"/>
+          </a:xfrm>
+        </p:spPr>
+        <p:txBody>
+          <a:bodyPr/>
+          <a:lstStyle>
+            <a:lvl1pPr>
+              <a:defRPr sz="1600">
+                <a:solidFill>
+                  <a:schemeClr val="bg1"/>
+                </a:solidFill>
+              </a:defRPr>
+            </a:lvl1pPr>
+            <a:lvl2pPr marL="342900" indent="0">
+              <a:buNone/>
+              <a:defRPr>
+                <a:solidFill>
+                  <a:schemeClr val="bg1">
+                    <a:lumMod val="75000"/>
+                    <a:lumOff val="25000"/>
+                  </a:schemeClr>
+                </a:solidFill>
+              </a:defRPr>
+            </a:lvl2pPr>
+            <a:lvl3pPr>
+              <a:defRPr>
+                <a:solidFill>
+                  <a:schemeClr val="bg1">
+                    <a:lumMod val="75000"/>
+                    <a:lumOff val="25000"/>
+                  </a:schemeClr>
+                </a:solidFill>
+              </a:defRPr>
+            </a:lvl3pPr>
+            <a:lvl4pPr>
+              <a:defRPr>
+                <a:solidFill>
+                  <a:schemeClr val="bg1">
+                    <a:lumMod val="75000"/>
+                    <a:lumOff val="25000"/>
+                  </a:schemeClr>
+                </a:solidFill>
+              </a:defRPr>
+            </a:lvl4pPr>
+            <a:lvl5pPr>
+              <a:defRPr>
+                <a:solidFill>
+                  <a:schemeClr val="bg1">
+                    <a:lumMod val="75000"/>
+                    <a:lumOff val="25000"/>
+                  </a:schemeClr>
+                </a:solidFill>
+              </a:defRPr>
+            </a:lvl5pPr>
+          </a:lstStyle>
+          <a:p>
+            <a:pPr lvl="0"/>
+            <a:r>
+              <a:rPr lang="en-US" dirty="0"/>
+              <a:t>Click to edit Master text styles</a:t>
+            </a:r>
+          </a:p>
+        </p:txBody>
+      </p:sp>
+      <p:cxnSp>
+        <p:nvCxnSpPr>
+          <p:cNvPr id="11" name="Straight Connector 10"/>
+          <p:cNvCxnSpPr/>
+          <p:nvPr userDrawn="1"/>
+        </p:nvCxnSpPr>
+        <p:spPr>
+          <a:xfrm>
+            <a:off x="676790" y="1128581"/>
+            <a:ext cx="7790420" cy="0"/>
+          </a:xfrm>
+          <a:prstGeom prst="line">
+            <a:avLst/>
+          </a:prstGeom>
+          <a:ln w="15875">
+            <a:solidFill>
+              <a:schemeClr val="bg1"/>
+            </a:solidFill>
+          </a:ln>
+        </p:spPr>
+        <p:style>
+          <a:lnRef idx="1">
+            <a:schemeClr val="accent1"/>
+          </a:lnRef>
+          <a:fillRef idx="0">
+            <a:schemeClr val="accent1"/>
+          </a:fillRef>
+          <a:effectRef idx="0">
+            <a:schemeClr val="accent1"/>
+          </a:effectRef>
+          <a:fontRef idx="minor">
+            <a:schemeClr val="tx1"/>
+          </a:fontRef>
+        </p:style>
+      </p:cxnSp>
+      <p:sp>
+        <p:nvSpPr>
+          <p:cNvPr id="12" name="Footer Placeholder 4">
+            <a:extLst>
+              <a:ext uri="{FF2B5EF4-FFF2-40B4-BE49-F238E27FC236}">
+                <a16:creationId xmlns:a16="http://schemas.microsoft.com/office/drawing/2014/main" id="{9BC68DCB-81EC-4B52-A65F-92FC0052AFC2}"/>
+              </a:ext>
+            </a:extLst>
+          </p:cNvPr>
+          <p:cNvSpPr>
+            <a:spLocks noGrp="1"/>
+          </p:cNvSpPr>
+          <p:nvPr>
+            <p:ph type="ftr" sz="quarter" idx="3"/>
+          </p:nvPr>
+        </p:nvSpPr>
+        <p:spPr>
+          <a:xfrm>
+            <a:off x="2368998" y="6300693"/>
+            <a:ext cx="3086100" cy="365125"/>
+          </a:xfrm>
+          <a:prstGeom prst="rect">
+            <a:avLst/>
+          </a:prstGeom>
+        </p:spPr>
+        <p:txBody>
+          <a:bodyPr vert="horz" lIns="91440" tIns="45720" rIns="91440" bIns="45720" rtlCol="0" anchor="ctr"/>
+          <a:lstStyle>
+            <a:lvl1pPr algn="ctr">
+              <a:defRPr sz="900">
+                <a:solidFill>
+                  <a:schemeClr val="bg2"/>
+                </a:solidFill>
+              </a:defRPr>
+            </a:lvl1pPr>
+          </a:lstStyle>
+          <a:p>
+            <a:endParaRPr lang="en-NZ" dirty="0"/>
+          </a:p>
+        </p:txBody>
+      </p:sp>
+    </p:spTree>
+    <p:extLst>
+      <p:ext uri="{BB962C8B-B14F-4D97-AF65-F5344CB8AC3E}">
+        <p14:creationId xmlns:p14="http://schemas.microsoft.com/office/powerpoint/2010/main" val="2955615371"/>
+      </p:ext>
+    </p:extLst>
+  </p:cSld>
+  <p:clrMapOvr>
+    <a:masterClrMapping/>
+  </p:clrMapOvr>
+</p:sldLayout>
+</file>
+
+<file path=ppt/slideLayouts/slideLayout7.xml><?xml version="1.0" encoding="utf-8"?>
 <p:sldLayout xmlns:a="http://schemas.openxmlformats.org/drawingml/2006/main" xmlns:r="http://schemas.openxmlformats.org/officeDocument/2006/relationships" xmlns:p="http://schemas.openxmlformats.org/presentationml/2006/main" preserve="1">
   <p:cSld name="Text Dark">
     <p:bg>
@@ -5358,7 +7118,7 @@
           <a:p>
             <a:fld id="{A651E42D-AFD3-4A77-83B8-90AE6EFC0DC0}" type="datetime1">
               <a:rPr lang="en-NZ" smtClean="0"/>
-              <a:t>3/05/2018</a:t>
+              <a:t>6/06/2018</a:t>
             </a:fld>
             <a:endParaRPr lang="en-NZ" dirty="0"/>
           </a:p>
@@ -5576,7 +7336,7 @@
 </p:sldLayout>
 </file>
 
-<file path=ppt/slideLayouts/slideLayout7.xml><?xml version="1.0" encoding="utf-8"?>
+<file path=ppt/slideLayouts/slideLayout8.xml><?xml version="1.0" encoding="utf-8"?>
 <p:sldLayout xmlns:a="http://schemas.openxmlformats.org/drawingml/2006/main" xmlns:r="http://schemas.openxmlformats.org/officeDocument/2006/relationships" xmlns:p="http://schemas.openxmlformats.org/presentationml/2006/main" preserve="1">
   <p:cSld name="Definitions 1">
     <p:bg>
@@ -5678,7 +7438,7 @@
           <a:p>
             <a:fld id="{C3CAB771-FC24-4381-9D0F-BF79CB395C80}" type="datetime1">
               <a:rPr lang="en-NZ" smtClean="0"/>
-              <a:t>3/05/2018</a:t>
+              <a:t>6/06/2018</a:t>
             </a:fld>
             <a:endParaRPr lang="en-NZ" dirty="0"/>
           </a:p>
@@ -6642,7 +8402,7 @@
 </p:sldLayout>
 </file>
 
-<file path=ppt/slideLayouts/slideLayout8.xml><?xml version="1.0" encoding="utf-8"?>
+<file path=ppt/slideLayouts/slideLayout9.xml><?xml version="1.0" encoding="utf-8"?>
 <p:sldLayout xmlns:a="http://schemas.openxmlformats.org/drawingml/2006/main" xmlns:r="http://schemas.openxmlformats.org/officeDocument/2006/relationships" xmlns:p="http://schemas.openxmlformats.org/presentationml/2006/main" preserve="1">
   <p:cSld name="McDefinitions">
     <p:bg>
@@ -6744,7 +8504,7 @@
           <a:p>
             <a:fld id="{C3CAB771-FC24-4381-9D0F-BF79CB395C80}" type="datetime1">
               <a:rPr lang="en-NZ" smtClean="0"/>
-              <a:t>3/05/2018</a:t>
+              <a:t>6/06/2018</a:t>
             </a:fld>
             <a:endParaRPr lang="en-NZ" dirty="0"/>
           </a:p>
@@ -7443,13 +9203,13 @@
 </p:sldLayout>
 </file>
 
-<file path=ppt/slideLayouts/slideLayout9.xml><?xml version="1.0" encoding="utf-8"?>
-<p:sldLayout xmlns:a="http://schemas.openxmlformats.org/drawingml/2006/main" xmlns:r="http://schemas.openxmlformats.org/officeDocument/2006/relationships" xmlns:p="http://schemas.openxmlformats.org/presentationml/2006/main" preserve="1">
-  <p:cSld name="Definitions 2">
+<file path=ppt/slideMasters/slideMaster1.xml><?xml version="1.0" encoding="utf-8"?>
+<p:sldMaster xmlns:a="http://schemas.openxmlformats.org/drawingml/2006/main" xmlns:r="http://schemas.openxmlformats.org/officeDocument/2006/relationships" xmlns:p="http://schemas.openxmlformats.org/presentationml/2006/main">
+  <p:cSld>
     <p:bg>
       <p:bgPr>
         <a:blipFill dpi="0" rotWithShape="1">
-          <a:blip r:embed="rId2">
+          <a:blip r:embed="rId23">
             <a:lum/>
           </a:blip>
           <a:srcRect/>
@@ -7481,320 +9241,6 @@
             <a:spLocks noGrp="1"/>
           </p:cNvSpPr>
           <p:nvPr>
-            <p:ph type="body" sz="quarter" idx="13"/>
-          </p:nvPr>
-        </p:nvSpPr>
-        <p:spPr>
-          <a:xfrm>
-            <a:off x="716692" y="1400299"/>
-            <a:ext cx="7791450" cy="4141787"/>
-          </a:xfrm>
-        </p:spPr>
-        <p:txBody>
-          <a:bodyPr/>
-          <a:lstStyle>
-            <a:lvl1pPr>
-              <a:defRPr sz="1200">
-                <a:solidFill>
-                  <a:schemeClr val="bg1"/>
-                </a:solidFill>
-              </a:defRPr>
-            </a:lvl1pPr>
-            <a:lvl2pPr>
-              <a:defRPr sz="1100">
-                <a:solidFill>
-                  <a:schemeClr val="bg1"/>
-                </a:solidFill>
-              </a:defRPr>
-            </a:lvl2pPr>
-            <a:lvl3pPr>
-              <a:defRPr>
-                <a:solidFill>
-                  <a:schemeClr val="bg1">
-                    <a:lumMod val="75000"/>
-                    <a:lumOff val="25000"/>
-                  </a:schemeClr>
-                </a:solidFill>
-              </a:defRPr>
-            </a:lvl3pPr>
-            <a:lvl4pPr>
-              <a:defRPr>
-                <a:solidFill>
-                  <a:schemeClr val="bg1">
-                    <a:lumMod val="75000"/>
-                    <a:lumOff val="25000"/>
-                  </a:schemeClr>
-                </a:solidFill>
-              </a:defRPr>
-            </a:lvl4pPr>
-            <a:lvl5pPr>
-              <a:defRPr>
-                <a:solidFill>
-                  <a:schemeClr val="bg1">
-                    <a:lumMod val="75000"/>
-                    <a:lumOff val="25000"/>
-                  </a:schemeClr>
-                </a:solidFill>
-              </a:defRPr>
-            </a:lvl5pPr>
-          </a:lstStyle>
-          <a:p>
-            <a:pPr lvl="0"/>
-            <a:r>
-              <a:rPr lang="en-US" dirty="0"/>
-              <a:t>Click to edit Master text styles</a:t>
-            </a:r>
-          </a:p>
-          <a:p>
-            <a:pPr lvl="1"/>
-            <a:r>
-              <a:rPr lang="en-US" dirty="0"/>
-              <a:t>Second level</a:t>
-            </a:r>
-          </a:p>
-        </p:txBody>
-      </p:sp>
-      <p:cxnSp>
-        <p:nvCxnSpPr>
-          <p:cNvPr id="7" name="Straight Connector 6"/>
-          <p:cNvCxnSpPr/>
-          <p:nvPr/>
-        </p:nvCxnSpPr>
-        <p:spPr>
-          <a:xfrm>
-            <a:off x="716692" y="1128581"/>
-            <a:ext cx="7790420" cy="0"/>
-          </a:xfrm>
-          <a:prstGeom prst="line">
-            <a:avLst/>
-          </a:prstGeom>
-          <a:ln w="15875">
-            <a:solidFill>
-              <a:schemeClr val="bg1">
-                <a:lumMod val="65000"/>
-                <a:lumOff val="35000"/>
-              </a:schemeClr>
-            </a:solidFill>
-          </a:ln>
-        </p:spPr>
-        <p:style>
-          <a:lnRef idx="1">
-            <a:schemeClr val="accent1"/>
-          </a:lnRef>
-          <a:fillRef idx="0">
-            <a:schemeClr val="accent1"/>
-          </a:fillRef>
-          <a:effectRef idx="0">
-            <a:schemeClr val="accent1"/>
-          </a:effectRef>
-          <a:fontRef idx="minor">
-            <a:schemeClr val="tx1"/>
-          </a:fontRef>
-        </p:style>
-      </p:cxnSp>
-      <p:sp>
-        <p:nvSpPr>
-          <p:cNvPr id="8" name="Date Placeholder 2"/>
-          <p:cNvSpPr>
-            <a:spLocks noGrp="1"/>
-          </p:cNvSpPr>
-          <p:nvPr>
-            <p:ph type="dt" sz="half" idx="10"/>
-          </p:nvPr>
-        </p:nvSpPr>
-        <p:spPr>
-          <a:xfrm>
-            <a:off x="4763334" y="6303952"/>
-            <a:ext cx="2057400" cy="365125"/>
-          </a:xfrm>
-        </p:spPr>
-        <p:txBody>
-          <a:bodyPr/>
-          <a:lstStyle>
-            <a:lvl1pPr algn="r">
-              <a:defRPr>
-                <a:solidFill>
-                  <a:schemeClr val="bg1">
-                    <a:lumMod val="75000"/>
-                    <a:lumOff val="25000"/>
-                  </a:schemeClr>
-                </a:solidFill>
-              </a:defRPr>
-            </a:lvl1pPr>
-          </a:lstStyle>
-          <a:p>
-            <a:fld id="{5726B5F7-168C-4703-83FF-400E9A7043AE}" type="datetime1">
-              <a:rPr lang="en-NZ" smtClean="0"/>
-              <a:t>3/05/2018</a:t>
-            </a:fld>
-            <a:endParaRPr lang="en-NZ" dirty="0"/>
-          </a:p>
-        </p:txBody>
-      </p:sp>
-      <p:sp>
-        <p:nvSpPr>
-          <p:cNvPr id="9" name="Slide Number Placeholder 4"/>
-          <p:cNvSpPr>
-            <a:spLocks noGrp="1"/>
-          </p:cNvSpPr>
-          <p:nvPr>
-            <p:ph type="sldNum" sz="quarter" idx="12"/>
-          </p:nvPr>
-        </p:nvSpPr>
-        <p:spPr>
-          <a:xfrm>
-            <a:off x="311598" y="6300694"/>
-            <a:ext cx="2057400" cy="365125"/>
-          </a:xfrm>
-        </p:spPr>
-        <p:txBody>
-          <a:bodyPr/>
-          <a:lstStyle>
-            <a:lvl1pPr>
-              <a:defRPr>
-                <a:solidFill>
-                  <a:schemeClr val="bg1">
-                    <a:lumMod val="75000"/>
-                    <a:lumOff val="25000"/>
-                  </a:schemeClr>
-                </a:solidFill>
-              </a:defRPr>
-            </a:lvl1pPr>
-          </a:lstStyle>
-          <a:p>
-            <a:pPr algn="l"/>
-            <a:r>
-              <a:rPr lang="en-NZ"/>
-              <a:t>Page </a:t>
-            </a:r>
-            <a:fld id="{F29C7AEF-255B-4C1D-B0BE-CB256ECA03A2}" type="slidenum">
-              <a:rPr lang="en-NZ" smtClean="0"/>
-              <a:pPr algn="l"/>
-              <a:t>‹#›</a:t>
-            </a:fld>
-            <a:endParaRPr lang="en-NZ" dirty="0"/>
-          </a:p>
-        </p:txBody>
-      </p:sp>
-      <p:sp>
-        <p:nvSpPr>
-          <p:cNvPr id="12" name="TextBox 11"/>
-          <p:cNvSpPr txBox="1"/>
-          <p:nvPr/>
-        </p:nvSpPr>
-        <p:spPr>
-          <a:xfrm>
-            <a:off x="676790" y="216000"/>
-            <a:ext cx="7830322" cy="843471"/>
-          </a:xfrm>
-          <a:prstGeom prst="rect">
-            <a:avLst/>
-          </a:prstGeom>
-          <a:noFill/>
-        </p:spPr>
-        <p:txBody>
-          <a:bodyPr wrap="square" rtlCol="0" anchor="ctr">
-            <a:normAutofit/>
-          </a:bodyPr>
-          <a:lstStyle/>
-          <a:p>
-            <a:r>
-              <a:rPr lang="en-NZ" sz="2800" b="1" dirty="0">
-                <a:solidFill>
-                  <a:schemeClr val="bg1"/>
-                </a:solidFill>
-              </a:rPr>
-              <a:t>Input Data &amp; Definitions</a:t>
-            </a:r>
-          </a:p>
-        </p:txBody>
-      </p:sp>
-      <p:cxnSp>
-        <p:nvCxnSpPr>
-          <p:cNvPr id="10" name="Straight Connector 9"/>
-          <p:cNvCxnSpPr/>
-          <p:nvPr userDrawn="1"/>
-        </p:nvCxnSpPr>
-        <p:spPr>
-          <a:xfrm>
-            <a:off x="676790" y="1128581"/>
-            <a:ext cx="7790420" cy="0"/>
-          </a:xfrm>
-          <a:prstGeom prst="line">
-            <a:avLst/>
-          </a:prstGeom>
-          <a:ln w="15875">
-            <a:solidFill>
-              <a:schemeClr val="bg1"/>
-            </a:solidFill>
-          </a:ln>
-        </p:spPr>
-        <p:style>
-          <a:lnRef idx="1">
-            <a:schemeClr val="accent1"/>
-          </a:lnRef>
-          <a:fillRef idx="0">
-            <a:schemeClr val="accent1"/>
-          </a:fillRef>
-          <a:effectRef idx="0">
-            <a:schemeClr val="accent1"/>
-          </a:effectRef>
-          <a:fontRef idx="minor">
-            <a:schemeClr val="tx1"/>
-          </a:fontRef>
-        </p:style>
-      </p:cxnSp>
-    </p:spTree>
-    <p:extLst>
-      <p:ext uri="{BB962C8B-B14F-4D97-AF65-F5344CB8AC3E}">
-        <p14:creationId xmlns:p14="http://schemas.microsoft.com/office/powerpoint/2010/main" val="494561859"/>
-      </p:ext>
-    </p:extLst>
-  </p:cSld>
-  <p:clrMapOvr>
-    <a:masterClrMapping/>
-  </p:clrMapOvr>
-</p:sldLayout>
-</file>
-
-<file path=ppt/slideMasters/slideMaster1.xml><?xml version="1.0" encoding="utf-8"?>
-<p:sldMaster xmlns:a="http://schemas.openxmlformats.org/drawingml/2006/main" xmlns:r="http://schemas.openxmlformats.org/officeDocument/2006/relationships" xmlns:p="http://schemas.openxmlformats.org/presentationml/2006/main">
-  <p:cSld>
-    <p:bg>
-      <p:bgPr>
-        <a:blipFill dpi="0" rotWithShape="1">
-          <a:blip r:embed="rId19">
-            <a:lum/>
-          </a:blip>
-          <a:srcRect/>
-          <a:stretch>
-            <a:fillRect/>
-          </a:stretch>
-        </a:blipFill>
-        <a:effectLst/>
-      </p:bgPr>
-    </p:bg>
-    <p:spTree>
-      <p:nvGrpSpPr>
-        <p:cNvPr id="1" name=""/>
-        <p:cNvGrpSpPr/>
-        <p:nvPr/>
-      </p:nvGrpSpPr>
-      <p:grpSpPr>
-        <a:xfrm>
-          <a:off x="0" y="0"/>
-          <a:ext cx="0" cy="0"/>
-          <a:chOff x="0" y="0"/>
-          <a:chExt cx="0" cy="0"/>
-        </a:xfrm>
-      </p:grpSpPr>
-      <p:sp>
-        <p:nvSpPr>
-          <p:cNvPr id="3" name="Text Placeholder 2"/>
-          <p:cNvSpPr>
-            <a:spLocks noGrp="1"/>
-          </p:cNvSpPr>
-          <p:nvPr>
             <p:ph type="body" idx="1"/>
           </p:nvPr>
         </p:nvSpPr>
@@ -7885,7 +9331,7 @@
           <a:p>
             <a:fld id="{4010FC87-8C3C-489B-8CDA-82DCF3C54878}" type="datetime1">
               <a:rPr lang="en-NZ" smtClean="0"/>
-              <a:t>3/05/2018</a:t>
+              <a:t>6/06/2018</a:t>
             </a:fld>
             <a:endParaRPr lang="en-NZ"/>
           </a:p>
@@ -8087,18 +9533,22 @@
     <p:sldLayoutId id="2147483695" r:id="rId3"/>
     <p:sldLayoutId id="2147483694" r:id="rId4"/>
     <p:sldLayoutId id="2147483700" r:id="rId5"/>
-    <p:sldLayoutId id="2147483701" r:id="rId6"/>
-    <p:sldLayoutId id="2147483696" r:id="rId7"/>
-    <p:sldLayoutId id="2147483697" r:id="rId8"/>
-    <p:sldLayoutId id="2147483698" r:id="rId9"/>
-    <p:sldLayoutId id="2147483699" r:id="rId10"/>
-    <p:sldLayoutId id="2147483702" r:id="rId11"/>
-    <p:sldLayoutId id="2147483703" r:id="rId12"/>
-    <p:sldLayoutId id="2147483704" r:id="rId13"/>
-    <p:sldLayoutId id="2147483705" r:id="rId14"/>
-    <p:sldLayoutId id="2147483706" r:id="rId15"/>
-    <p:sldLayoutId id="2147483708" r:id="rId16"/>
-    <p:sldLayoutId id="2147483707" r:id="rId17"/>
+    <p:sldLayoutId id="2147483709" r:id="rId6"/>
+    <p:sldLayoutId id="2147483701" r:id="rId7"/>
+    <p:sldLayoutId id="2147483696" r:id="rId8"/>
+    <p:sldLayoutId id="2147483697" r:id="rId9"/>
+    <p:sldLayoutId id="2147483698" r:id="rId10"/>
+    <p:sldLayoutId id="2147483699" r:id="rId11"/>
+    <p:sldLayoutId id="2147483712" r:id="rId12"/>
+    <p:sldLayoutId id="2147483702" r:id="rId13"/>
+    <p:sldLayoutId id="2147483711" r:id="rId14"/>
+    <p:sldLayoutId id="2147483703" r:id="rId15"/>
+    <p:sldLayoutId id="2147483710" r:id="rId16"/>
+    <p:sldLayoutId id="2147483704" r:id="rId17"/>
+    <p:sldLayoutId id="2147483705" r:id="rId18"/>
+    <p:sldLayoutId id="2147483706" r:id="rId19"/>
+    <p:sldLayoutId id="2147483708" r:id="rId20"/>
+    <p:sldLayoutId id="2147483707" r:id="rId21"/>
   </p:sldLayoutIdLst>
   <p:hf hdr="0" ftr="0" dt="0"/>
   <p:txStyles>
